--- a/meetings/6th_Weekly copy/Roteiro_Reuniao_Projeto_ATOM_Agil.pptx
+++ b/meetings/6th_Weekly copy/Roteiro_Reuniao_Projeto_ATOM_Agil.pptx
@@ -5,17 +5,17 @@
     <p:sldMasterId id="2147483648" r:id="rId1"/>
   </p:sldMasterIdLst>
   <p:sldIdLst>
-    <p:sldId id="256" r:id="rId7"/>
-    <p:sldId id="257" r:id="rId8"/>
-    <p:sldId id="258" r:id="rId9"/>
-    <p:sldId id="259" r:id="rId10"/>
-    <p:sldId id="260" r:id="rId11"/>
-    <p:sldId id="261" r:id="rId12"/>
-    <p:sldId id="262" r:id="rId13"/>
-    <p:sldId id="263" r:id="rId14"/>
-    <p:sldId id="264" r:id="rId15"/>
-    <p:sldId id="265" r:id="rId16"/>
-    <p:sldId id="266" r:id="rId17"/>
+    <p:sldId id="256" r:id="rId2"/>
+    <p:sldId id="257" r:id="rId3"/>
+    <p:sldId id="267" r:id="rId4"/>
+    <p:sldId id="268" r:id="rId5"/>
+    <p:sldId id="269" r:id="rId6"/>
+    <p:sldId id="261" r:id="rId7"/>
+    <p:sldId id="262" r:id="rId8"/>
+    <p:sldId id="263" r:id="rId9"/>
+    <p:sldId id="264" r:id="rId10"/>
+    <p:sldId id="265" r:id="rId11"/>
+    <p:sldId id="266" r:id="rId12"/>
   </p:sldIdLst>
   <p:sldSz cx="9144000" cy="6858000" type="screen4x3"/>
   <p:notesSz cx="6858000" cy="9144000"/>
@@ -114,7 +114,235 @@
       </a:defRPr>
     </a:lvl9pPr>
   </p:defaultTextStyle>
+  <p:extLst>
+    <p:ext uri="{EFAFB233-063F-42B5-8137-9DF3F51BA10A}">
+      <p15:sldGuideLst xmlns:p15="http://schemas.microsoft.com/office/powerpoint/2012/main">
+        <p15:guide id="1" orient="horz" pos="2160">
+          <p15:clr>
+            <a:srgbClr val="A4A3A4"/>
+          </p15:clr>
+        </p15:guide>
+        <p15:guide id="2" pos="2880">
+          <p15:clr>
+            <a:srgbClr val="A4A3A4"/>
+          </p15:clr>
+        </p15:guide>
+      </p15:sldGuideLst>
+    </p:ext>
+  </p:extLst>
 </p:presentation>
+</file>
+
+<file path=ppt/revisionInfo.xml><?xml version="1.0" encoding="utf-8"?>
+<p1510:revInfo xmlns:a="http://schemas.openxmlformats.org/drawingml/2006/main" xmlns:r="http://schemas.openxmlformats.org/officeDocument/2006/relationships" xmlns:p1510="http://schemas.microsoft.com/office/powerpoint/2015/10/main">
+  <p1510:revLst>
+    <p1510:client id="{903A3C08-9C03-894E-DB6A-884FCE974BFB}" v="107" dt="2025-05-21T22:49:56.296"/>
+  </p1510:revLst>
+</p1510:revInfo>
+</file>
+
+<file path=ppt/changesInfos/changesInfo1.xml><?xml version="1.0" encoding="utf-8"?>
+<pc:chgInfo xmlns:a="http://schemas.openxmlformats.org/drawingml/2006/main" xmlns:r="http://schemas.openxmlformats.org/officeDocument/2006/relationships" xmlns:ac="http://schemas.microsoft.com/office/drawing/2013/main/command" xmlns:pc="http://schemas.microsoft.com/office/powerpoint/2013/main/command">
+  <pc:docChgLst>
+    <pc:chgData name="ENZO ROCHA LEITE DINIZ RIBAS" userId="S::d24642@academico.domhelder.edu.br::35eca339-42ba-47dc-aa9f-ef71efd30726" providerId="AD" clId="Web-{903A3C08-9C03-894E-DB6A-884FCE974BFB}"/>
+    <pc:docChg chg="addSld delSld modSld">
+      <pc:chgData name="ENZO ROCHA LEITE DINIZ RIBAS" userId="S::d24642@academico.domhelder.edu.br::35eca339-42ba-47dc-aa9f-ef71efd30726" providerId="AD" clId="Web-{903A3C08-9C03-894E-DB6A-884FCE974BFB}" dt="2025-05-21T22:49:54.546" v="108" actId="20577"/>
+      <pc:docMkLst>
+        <pc:docMk/>
+      </pc:docMkLst>
+      <pc:sldChg chg="addSp delSp modSp">
+        <pc:chgData name="ENZO ROCHA LEITE DINIZ RIBAS" userId="S::d24642@academico.domhelder.edu.br::35eca339-42ba-47dc-aa9f-ef71efd30726" providerId="AD" clId="Web-{903A3C08-9C03-894E-DB6A-884FCE974BFB}" dt="2025-05-21T22:25:33.206" v="2" actId="1076"/>
+        <pc:sldMkLst>
+          <pc:docMk/>
+          <pc:sldMk cId="0" sldId="256"/>
+        </pc:sldMkLst>
+        <pc:spChg chg="mod">
+          <ac:chgData name="ENZO ROCHA LEITE DINIZ RIBAS" userId="S::d24642@academico.domhelder.edu.br::35eca339-42ba-47dc-aa9f-ef71efd30726" providerId="AD" clId="Web-{903A3C08-9C03-894E-DB6A-884FCE974BFB}" dt="2025-05-21T22:25:33.206" v="2" actId="1076"/>
+          <ac:spMkLst>
+            <pc:docMk/>
+            <pc:sldMk cId="0" sldId="256"/>
+            <ac:spMk id="2" creationId="{00000000-0000-0000-0000-000000000000}"/>
+          </ac:spMkLst>
+        </pc:spChg>
+        <pc:spChg chg="del">
+          <ac:chgData name="ENZO ROCHA LEITE DINIZ RIBAS" userId="S::d24642@academico.domhelder.edu.br::35eca339-42ba-47dc-aa9f-ef71efd30726" providerId="AD" clId="Web-{903A3C08-9C03-894E-DB6A-884FCE974BFB}" dt="2025-05-21T22:25:24.722" v="0"/>
+          <ac:spMkLst>
+            <pc:docMk/>
+            <pc:sldMk cId="0" sldId="256"/>
+            <ac:spMk id="3" creationId="{00000000-0000-0000-0000-000000000000}"/>
+          </ac:spMkLst>
+        </pc:spChg>
+        <pc:spChg chg="add del mod">
+          <ac:chgData name="ENZO ROCHA LEITE DINIZ RIBAS" userId="S::d24642@academico.domhelder.edu.br::35eca339-42ba-47dc-aa9f-ef71efd30726" providerId="AD" clId="Web-{903A3C08-9C03-894E-DB6A-884FCE974BFB}" dt="2025-05-21T22:25:28.784" v="1"/>
+          <ac:spMkLst>
+            <pc:docMk/>
+            <pc:sldMk cId="0" sldId="256"/>
+            <ac:spMk id="5" creationId="{6ADFD1D4-3E7D-7DE0-64D6-E92CA44E251F}"/>
+          </ac:spMkLst>
+        </pc:spChg>
+      </pc:sldChg>
+      <pc:sldChg chg="modSp">
+        <pc:chgData name="ENZO ROCHA LEITE DINIZ RIBAS" userId="S::d24642@academico.domhelder.edu.br::35eca339-42ba-47dc-aa9f-ef71efd30726" providerId="AD" clId="Web-{903A3C08-9C03-894E-DB6A-884FCE974BFB}" dt="2025-05-21T22:37:17.816" v="33" actId="20577"/>
+        <pc:sldMkLst>
+          <pc:docMk/>
+          <pc:sldMk cId="0" sldId="257"/>
+        </pc:sldMkLst>
+        <pc:spChg chg="mod">
+          <ac:chgData name="ENZO ROCHA LEITE DINIZ RIBAS" userId="S::d24642@academico.domhelder.edu.br::35eca339-42ba-47dc-aa9f-ef71efd30726" providerId="AD" clId="Web-{903A3C08-9C03-894E-DB6A-884FCE974BFB}" dt="2025-05-21T22:35:05.999" v="18" actId="20577"/>
+          <ac:spMkLst>
+            <pc:docMk/>
+            <pc:sldMk cId="0" sldId="257"/>
+            <ac:spMk id="2" creationId="{00000000-0000-0000-0000-000000000000}"/>
+          </ac:spMkLst>
+        </pc:spChg>
+        <pc:spChg chg="mod">
+          <ac:chgData name="ENZO ROCHA LEITE DINIZ RIBAS" userId="S::d24642@academico.domhelder.edu.br::35eca339-42ba-47dc-aa9f-ef71efd30726" providerId="AD" clId="Web-{903A3C08-9C03-894E-DB6A-884FCE974BFB}" dt="2025-05-21T22:37:17.816" v="33" actId="20577"/>
+          <ac:spMkLst>
+            <pc:docMk/>
+            <pc:sldMk cId="0" sldId="257"/>
+            <ac:spMk id="3" creationId="{00000000-0000-0000-0000-000000000000}"/>
+          </ac:spMkLst>
+        </pc:spChg>
+      </pc:sldChg>
+      <pc:sldChg chg="del">
+        <pc:chgData name="ENZO ROCHA LEITE DINIZ RIBAS" userId="S::d24642@academico.domhelder.edu.br::35eca339-42ba-47dc-aa9f-ef71efd30726" providerId="AD" clId="Web-{903A3C08-9C03-894E-DB6A-884FCE974BFB}" dt="2025-05-21T22:48:43.981" v="88"/>
+        <pc:sldMkLst>
+          <pc:docMk/>
+          <pc:sldMk cId="0" sldId="258"/>
+        </pc:sldMkLst>
+      </pc:sldChg>
+      <pc:sldChg chg="del">
+        <pc:chgData name="ENZO ROCHA LEITE DINIZ RIBAS" userId="S::d24642@academico.domhelder.edu.br::35eca339-42ba-47dc-aa9f-ef71efd30726" providerId="AD" clId="Web-{903A3C08-9C03-894E-DB6A-884FCE974BFB}" dt="2025-05-21T22:49:04.045" v="89"/>
+        <pc:sldMkLst>
+          <pc:docMk/>
+          <pc:sldMk cId="0" sldId="259"/>
+        </pc:sldMkLst>
+      </pc:sldChg>
+      <pc:sldChg chg="del">
+        <pc:chgData name="ENZO ROCHA LEITE DINIZ RIBAS" userId="S::d24642@academico.domhelder.edu.br::35eca339-42ba-47dc-aa9f-ef71efd30726" providerId="AD" clId="Web-{903A3C08-9C03-894E-DB6A-884FCE974BFB}" dt="2025-05-21T22:49:05.716" v="90"/>
+        <pc:sldMkLst>
+          <pc:docMk/>
+          <pc:sldMk cId="0" sldId="260"/>
+        </pc:sldMkLst>
+      </pc:sldChg>
+      <pc:sldChg chg="modSp">
+        <pc:chgData name="ENZO ROCHA LEITE DINIZ RIBAS" userId="S::d24642@academico.domhelder.edu.br::35eca339-42ba-47dc-aa9f-ef71efd30726" providerId="AD" clId="Web-{903A3C08-9C03-894E-DB6A-884FCE974BFB}" dt="2025-05-21T22:49:29.451" v="93" actId="20577"/>
+        <pc:sldMkLst>
+          <pc:docMk/>
+          <pc:sldMk cId="0" sldId="265"/>
+        </pc:sldMkLst>
+        <pc:spChg chg="mod">
+          <ac:chgData name="ENZO ROCHA LEITE DINIZ RIBAS" userId="S::d24642@academico.domhelder.edu.br::35eca339-42ba-47dc-aa9f-ef71efd30726" providerId="AD" clId="Web-{903A3C08-9C03-894E-DB6A-884FCE974BFB}" dt="2025-05-21T22:49:29.451" v="93" actId="20577"/>
+          <ac:spMkLst>
+            <pc:docMk/>
+            <pc:sldMk cId="0" sldId="265"/>
+            <ac:spMk id="3" creationId="{00000000-0000-0000-0000-000000000000}"/>
+          </ac:spMkLst>
+        </pc:spChg>
+      </pc:sldChg>
+      <pc:sldChg chg="addSp delSp modSp">
+        <pc:chgData name="ENZO ROCHA LEITE DINIZ RIBAS" userId="S::d24642@academico.domhelder.edu.br::35eca339-42ba-47dc-aa9f-ef71efd30726" providerId="AD" clId="Web-{903A3C08-9C03-894E-DB6A-884FCE974BFB}" dt="2025-05-21T22:49:54.546" v="108" actId="20577"/>
+        <pc:sldMkLst>
+          <pc:docMk/>
+          <pc:sldMk cId="0" sldId="266"/>
+        </pc:sldMkLst>
+        <pc:spChg chg="mod">
+          <ac:chgData name="ENZO ROCHA LEITE DINIZ RIBAS" userId="S::d24642@academico.domhelder.edu.br::35eca339-42ba-47dc-aa9f-ef71efd30726" providerId="AD" clId="Web-{903A3C08-9C03-894E-DB6A-884FCE974BFB}" dt="2025-05-21T22:49:54.546" v="108" actId="20577"/>
+          <ac:spMkLst>
+            <pc:docMk/>
+            <pc:sldMk cId="0" sldId="266"/>
+            <ac:spMk id="2" creationId="{00000000-0000-0000-0000-000000000000}"/>
+          </ac:spMkLst>
+        </pc:spChg>
+        <pc:spChg chg="del">
+          <ac:chgData name="ENZO ROCHA LEITE DINIZ RIBAS" userId="S::d24642@academico.domhelder.edu.br::35eca339-42ba-47dc-aa9f-ef71efd30726" providerId="AD" clId="Web-{903A3C08-9C03-894E-DB6A-884FCE974BFB}" dt="2025-05-21T22:49:38.421" v="94"/>
+          <ac:spMkLst>
+            <pc:docMk/>
+            <pc:sldMk cId="0" sldId="266"/>
+            <ac:spMk id="3" creationId="{00000000-0000-0000-0000-000000000000}"/>
+          </ac:spMkLst>
+        </pc:spChg>
+        <pc:spChg chg="add del mod">
+          <ac:chgData name="ENZO ROCHA LEITE DINIZ RIBAS" userId="S::d24642@academico.domhelder.edu.br::35eca339-42ba-47dc-aa9f-ef71efd30726" providerId="AD" clId="Web-{903A3C08-9C03-894E-DB6A-884FCE974BFB}" dt="2025-05-21T22:49:42.405" v="95"/>
+          <ac:spMkLst>
+            <pc:docMk/>
+            <pc:sldMk cId="0" sldId="266"/>
+            <ac:spMk id="5" creationId="{D1643B83-1001-8CC9-0AFC-6855BEF3E81E}"/>
+          </ac:spMkLst>
+        </pc:spChg>
+      </pc:sldChg>
+      <pc:sldChg chg="modSp add replId">
+        <pc:chgData name="ENZO ROCHA LEITE DINIZ RIBAS" userId="S::d24642@academico.domhelder.edu.br::35eca339-42ba-47dc-aa9f-ef71efd30726" providerId="AD" clId="Web-{903A3C08-9C03-894E-DB6A-884FCE974BFB}" dt="2025-05-21T22:42:43.688" v="65" actId="20577"/>
+        <pc:sldMkLst>
+          <pc:docMk/>
+          <pc:sldMk cId="2514884559" sldId="267"/>
+        </pc:sldMkLst>
+        <pc:spChg chg="mod">
+          <ac:chgData name="ENZO ROCHA LEITE DINIZ RIBAS" userId="S::d24642@academico.domhelder.edu.br::35eca339-42ba-47dc-aa9f-ef71efd30726" providerId="AD" clId="Web-{903A3C08-9C03-894E-DB6A-884FCE974BFB}" dt="2025-05-21T22:37:30.208" v="37" actId="20577"/>
+          <ac:spMkLst>
+            <pc:docMk/>
+            <pc:sldMk cId="2514884559" sldId="267"/>
+            <ac:spMk id="2" creationId="{D1BD4A0F-DC6D-BC06-2D9E-2D761BE833C1}"/>
+          </ac:spMkLst>
+        </pc:spChg>
+        <pc:spChg chg="mod">
+          <ac:chgData name="ENZO ROCHA LEITE DINIZ RIBAS" userId="S::d24642@academico.domhelder.edu.br::35eca339-42ba-47dc-aa9f-ef71efd30726" providerId="AD" clId="Web-{903A3C08-9C03-894E-DB6A-884FCE974BFB}" dt="2025-05-21T22:42:43.688" v="65" actId="20577"/>
+          <ac:spMkLst>
+            <pc:docMk/>
+            <pc:sldMk cId="2514884559" sldId="267"/>
+            <ac:spMk id="3" creationId="{3A3E2D72-FC99-1038-550D-21E303ABDEE5}"/>
+          </ac:spMkLst>
+        </pc:spChg>
+      </pc:sldChg>
+      <pc:sldChg chg="modSp add replId">
+        <pc:chgData name="ENZO ROCHA LEITE DINIZ RIBAS" userId="S::d24642@academico.domhelder.edu.br::35eca339-42ba-47dc-aa9f-ef71efd30726" providerId="AD" clId="Web-{903A3C08-9C03-894E-DB6A-884FCE974BFB}" dt="2025-05-21T22:47:34.135" v="80" actId="20577"/>
+        <pc:sldMkLst>
+          <pc:docMk/>
+          <pc:sldMk cId="2936953551" sldId="268"/>
+        </pc:sldMkLst>
+        <pc:spChg chg="mod">
+          <ac:chgData name="ENZO ROCHA LEITE DINIZ RIBAS" userId="S::d24642@academico.domhelder.edu.br::35eca339-42ba-47dc-aa9f-ef71efd30726" providerId="AD" clId="Web-{903A3C08-9C03-894E-DB6A-884FCE974BFB}" dt="2025-05-21T22:45:42.022" v="72" actId="20577"/>
+          <ac:spMkLst>
+            <pc:docMk/>
+            <pc:sldMk cId="2936953551" sldId="268"/>
+            <ac:spMk id="2" creationId="{C774B7F1-9B56-C5DC-8896-C23F70CB689B}"/>
+          </ac:spMkLst>
+        </pc:spChg>
+        <pc:spChg chg="mod">
+          <ac:chgData name="ENZO ROCHA LEITE DINIZ RIBAS" userId="S::d24642@academico.domhelder.edu.br::35eca339-42ba-47dc-aa9f-ef71efd30726" providerId="AD" clId="Web-{903A3C08-9C03-894E-DB6A-884FCE974BFB}" dt="2025-05-21T22:47:34.135" v="80" actId="20577"/>
+          <ac:spMkLst>
+            <pc:docMk/>
+            <pc:sldMk cId="2936953551" sldId="268"/>
+            <ac:spMk id="3" creationId="{4DE030D9-3EFC-3263-1CC1-DE9B8BD288E4}"/>
+          </ac:spMkLst>
+        </pc:spChg>
+      </pc:sldChg>
+      <pc:sldChg chg="modSp add replId">
+        <pc:chgData name="ENZO ROCHA LEITE DINIZ RIBAS" userId="S::d24642@academico.domhelder.edu.br::35eca339-42ba-47dc-aa9f-ef71efd30726" providerId="AD" clId="Web-{903A3C08-9C03-894E-DB6A-884FCE974BFB}" dt="2025-05-21T22:48:39.184" v="87" actId="20577"/>
+        <pc:sldMkLst>
+          <pc:docMk/>
+          <pc:sldMk cId="3543323657" sldId="269"/>
+        </pc:sldMkLst>
+        <pc:spChg chg="mod">
+          <ac:chgData name="ENZO ROCHA LEITE DINIZ RIBAS" userId="S::d24642@academico.domhelder.edu.br::35eca339-42ba-47dc-aa9f-ef71efd30726" providerId="AD" clId="Web-{903A3C08-9C03-894E-DB6A-884FCE974BFB}" dt="2025-05-21T22:47:49.714" v="83" actId="20577"/>
+          <ac:spMkLst>
+            <pc:docMk/>
+            <pc:sldMk cId="3543323657" sldId="269"/>
+            <ac:spMk id="2" creationId="{56DEA3B8-C221-2C92-C266-966F8C253A66}"/>
+          </ac:spMkLst>
+        </pc:spChg>
+        <pc:spChg chg="mod">
+          <ac:chgData name="ENZO ROCHA LEITE DINIZ RIBAS" userId="S::d24642@academico.domhelder.edu.br::35eca339-42ba-47dc-aa9f-ef71efd30726" providerId="AD" clId="Web-{903A3C08-9C03-894E-DB6A-884FCE974BFB}" dt="2025-05-21T22:48:39.184" v="87" actId="20577"/>
+          <ac:spMkLst>
+            <pc:docMk/>
+            <pc:sldMk cId="3543323657" sldId="269"/>
+            <ac:spMk id="3" creationId="{5A87259C-651F-4BF6-FF36-E05F32E9BD4F}"/>
+          </ac:spMkLst>
+        </pc:spChg>
+      </pc:sldChg>
+    </pc:docChg>
+  </pc:docChgLst>
+</pc:chgInfo>
 </file>
 
 <file path=ppt/slideLayouts/slideLayout1.xml><?xml version="1.0" encoding="utf-8"?>
@@ -155,10 +383,9 @@
           <a:lstStyle/>
           <a:p>
             <a:r>
-              <a:rPr lang="en-US" smtClean="0"/>
+              <a:rPr lang="en-US"/>
               <a:t>Click to edit Master title style</a:t>
             </a:r>
-            <a:endParaRPr lang="en-US"/>
           </a:p>
         </p:txBody>
       </p:sp>
@@ -274,10 +501,9 @@
           </a:lstStyle>
           <a:p>
             <a:r>
-              <a:rPr lang="en-US" smtClean="0"/>
+              <a:rPr lang="en-US"/>
               <a:t>Click to edit Master subtitle style</a:t>
             </a:r>
-            <a:endParaRPr lang="en-US"/>
           </a:p>
         </p:txBody>
       </p:sp>
@@ -298,7 +524,7 @@
           <a:p>
             <a:fld id="{5BCAD085-E8A6-8845-BD4E-CB4CCA059FC4}" type="datetimeFigureOut">
               <a:rPr lang="en-US" smtClean="0"/>
-              <a:t>1/27/13</a:t>
+              <a:t>5/21/2025</a:t>
             </a:fld>
             <a:endParaRPr lang="en-US"/>
           </a:p>
@@ -340,7 +566,7 @@
           <a:p>
             <a:fld id="{C1FF6DA9-008F-8B48-92A6-B652298478BF}" type="slidenum">
               <a:rPr lang="en-US" smtClean="0"/>
-              <a:t>‹#›</a:t>
+              <a:t>‹nº›</a:t>
             </a:fld>
             <a:endParaRPr lang="en-US"/>
           </a:p>
@@ -392,10 +618,9 @@
           <a:lstStyle/>
           <a:p>
             <a:r>
-              <a:rPr lang="en-US" smtClean="0"/>
+              <a:rPr lang="en-US"/>
               <a:t>Click to edit Master title style</a:t>
             </a:r>
-            <a:endParaRPr lang="en-US"/>
           </a:p>
         </p:txBody>
       </p:sp>
@@ -416,38 +641,37 @@
           <a:p>
             <a:pPr lvl="0"/>
             <a:r>
-              <a:rPr lang="en-US" smtClean="0"/>
+              <a:rPr lang="en-US"/>
               <a:t>Click to edit Master text styles</a:t>
             </a:r>
           </a:p>
           <a:p>
             <a:pPr lvl="1"/>
             <a:r>
-              <a:rPr lang="en-US" smtClean="0"/>
+              <a:rPr lang="en-US"/>
               <a:t>Second level</a:t>
             </a:r>
           </a:p>
           <a:p>
             <a:pPr lvl="2"/>
             <a:r>
-              <a:rPr lang="en-US" smtClean="0"/>
+              <a:rPr lang="en-US"/>
               <a:t>Third level</a:t>
             </a:r>
           </a:p>
           <a:p>
             <a:pPr lvl="3"/>
             <a:r>
-              <a:rPr lang="en-US" smtClean="0"/>
+              <a:rPr lang="en-US"/>
               <a:t>Fourth level</a:t>
             </a:r>
           </a:p>
           <a:p>
             <a:pPr lvl="4"/>
             <a:r>
-              <a:rPr lang="en-US" smtClean="0"/>
+              <a:rPr lang="en-US"/>
               <a:t>Fifth level</a:t>
             </a:r>
-            <a:endParaRPr lang="en-US"/>
           </a:p>
         </p:txBody>
       </p:sp>
@@ -468,7 +692,7 @@
           <a:p>
             <a:fld id="{5BCAD085-E8A6-8845-BD4E-CB4CCA059FC4}" type="datetimeFigureOut">
               <a:rPr lang="en-US" smtClean="0"/>
-              <a:t>1/27/13</a:t>
+              <a:t>5/21/2025</a:t>
             </a:fld>
             <a:endParaRPr lang="en-US"/>
           </a:p>
@@ -510,7 +734,7 @@
           <a:p>
             <a:fld id="{C1FF6DA9-008F-8B48-92A6-B652298478BF}" type="slidenum">
               <a:rPr lang="en-US" smtClean="0"/>
-              <a:t>‹#›</a:t>
+              <a:t>‹nº›</a:t>
             </a:fld>
             <a:endParaRPr lang="en-US"/>
           </a:p>
@@ -567,10 +791,9 @@
           <a:lstStyle/>
           <a:p>
             <a:r>
-              <a:rPr lang="en-US" smtClean="0"/>
+              <a:rPr lang="en-US"/>
               <a:t>Click to edit Master title style</a:t>
             </a:r>
-            <a:endParaRPr lang="en-US"/>
           </a:p>
         </p:txBody>
       </p:sp>
@@ -596,38 +819,37 @@
           <a:p>
             <a:pPr lvl="0"/>
             <a:r>
-              <a:rPr lang="en-US" smtClean="0"/>
+              <a:rPr lang="en-US"/>
               <a:t>Click to edit Master text styles</a:t>
             </a:r>
           </a:p>
           <a:p>
             <a:pPr lvl="1"/>
             <a:r>
-              <a:rPr lang="en-US" smtClean="0"/>
+              <a:rPr lang="en-US"/>
               <a:t>Second level</a:t>
             </a:r>
           </a:p>
           <a:p>
             <a:pPr lvl="2"/>
             <a:r>
-              <a:rPr lang="en-US" smtClean="0"/>
+              <a:rPr lang="en-US"/>
               <a:t>Third level</a:t>
             </a:r>
           </a:p>
           <a:p>
             <a:pPr lvl="3"/>
             <a:r>
-              <a:rPr lang="en-US" smtClean="0"/>
+              <a:rPr lang="en-US"/>
               <a:t>Fourth level</a:t>
             </a:r>
           </a:p>
           <a:p>
             <a:pPr lvl="4"/>
             <a:r>
-              <a:rPr lang="en-US" smtClean="0"/>
+              <a:rPr lang="en-US"/>
               <a:t>Fifth level</a:t>
             </a:r>
-            <a:endParaRPr lang="en-US"/>
           </a:p>
         </p:txBody>
       </p:sp>
@@ -648,7 +870,7 @@
           <a:p>
             <a:fld id="{5BCAD085-E8A6-8845-BD4E-CB4CCA059FC4}" type="datetimeFigureOut">
               <a:rPr lang="en-US" smtClean="0"/>
-              <a:t>1/27/13</a:t>
+              <a:t>5/21/2025</a:t>
             </a:fld>
             <a:endParaRPr lang="en-US"/>
           </a:p>
@@ -690,7 +912,7 @@
           <a:p>
             <a:fld id="{C1FF6DA9-008F-8B48-92A6-B652298478BF}" type="slidenum">
               <a:rPr lang="en-US" smtClean="0"/>
-              <a:t>‹#›</a:t>
+              <a:t>‹nº›</a:t>
             </a:fld>
             <a:endParaRPr lang="en-US"/>
           </a:p>
@@ -742,10 +964,9 @@
           <a:lstStyle/>
           <a:p>
             <a:r>
-              <a:rPr lang="en-US" smtClean="0"/>
+              <a:rPr lang="en-US"/>
               <a:t>Click to edit Master title style</a:t>
             </a:r>
-            <a:endParaRPr lang="en-US"/>
           </a:p>
         </p:txBody>
       </p:sp>
@@ -766,38 +987,37 @@
           <a:p>
             <a:pPr lvl="0"/>
             <a:r>
-              <a:rPr lang="en-US" smtClean="0"/>
+              <a:rPr lang="en-US"/>
               <a:t>Click to edit Master text styles</a:t>
             </a:r>
           </a:p>
           <a:p>
             <a:pPr lvl="1"/>
             <a:r>
-              <a:rPr lang="en-US" smtClean="0"/>
+              <a:rPr lang="en-US"/>
               <a:t>Second level</a:t>
             </a:r>
           </a:p>
           <a:p>
             <a:pPr lvl="2"/>
             <a:r>
-              <a:rPr lang="en-US" smtClean="0"/>
+              <a:rPr lang="en-US"/>
               <a:t>Third level</a:t>
             </a:r>
           </a:p>
           <a:p>
             <a:pPr lvl="3"/>
             <a:r>
-              <a:rPr lang="en-US" smtClean="0"/>
+              <a:rPr lang="en-US"/>
               <a:t>Fourth level</a:t>
             </a:r>
           </a:p>
           <a:p>
             <a:pPr lvl="4"/>
             <a:r>
-              <a:rPr lang="en-US" smtClean="0"/>
+              <a:rPr lang="en-US"/>
               <a:t>Fifth level</a:t>
             </a:r>
-            <a:endParaRPr lang="en-US"/>
           </a:p>
         </p:txBody>
       </p:sp>
@@ -818,7 +1038,7 @@
           <a:p>
             <a:fld id="{5BCAD085-E8A6-8845-BD4E-CB4CCA059FC4}" type="datetimeFigureOut">
               <a:rPr lang="en-US" smtClean="0"/>
-              <a:t>1/27/13</a:t>
+              <a:t>5/21/2025</a:t>
             </a:fld>
             <a:endParaRPr lang="en-US"/>
           </a:p>
@@ -860,7 +1080,7 @@
           <a:p>
             <a:fld id="{C1FF6DA9-008F-8B48-92A6-B652298478BF}" type="slidenum">
               <a:rPr lang="en-US" smtClean="0"/>
-              <a:t>‹#›</a:t>
+              <a:t>‹nº›</a:t>
             </a:fld>
             <a:endParaRPr lang="en-US"/>
           </a:p>
@@ -921,10 +1141,9 @@
           </a:lstStyle>
           <a:p>
             <a:r>
-              <a:rPr lang="en-US" smtClean="0"/>
+              <a:rPr lang="en-US"/>
               <a:t>Click to edit Master title style</a:t>
             </a:r>
-            <a:endParaRPr lang="en-US"/>
           </a:p>
         </p:txBody>
       </p:sp>
@@ -1041,7 +1260,7 @@
           <a:p>
             <a:pPr lvl="0"/>
             <a:r>
-              <a:rPr lang="en-US" smtClean="0"/>
+              <a:rPr lang="en-US"/>
               <a:t>Click to edit Master text styles</a:t>
             </a:r>
           </a:p>
@@ -1064,7 +1283,7 @@
           <a:p>
             <a:fld id="{5BCAD085-E8A6-8845-BD4E-CB4CCA059FC4}" type="datetimeFigureOut">
               <a:rPr lang="en-US" smtClean="0"/>
-              <a:t>1/27/13</a:t>
+              <a:t>5/21/2025</a:t>
             </a:fld>
             <a:endParaRPr lang="en-US"/>
           </a:p>
@@ -1106,7 +1325,7 @@
           <a:p>
             <a:fld id="{C1FF6DA9-008F-8B48-92A6-B652298478BF}" type="slidenum">
               <a:rPr lang="en-US" smtClean="0"/>
-              <a:t>‹#›</a:t>
+              <a:t>‹nº›</a:t>
             </a:fld>
             <a:endParaRPr lang="en-US"/>
           </a:p>
@@ -1158,10 +1377,9 @@
           <a:lstStyle/>
           <a:p>
             <a:r>
-              <a:rPr lang="en-US" smtClean="0"/>
+              <a:rPr lang="en-US"/>
               <a:t>Click to edit Master title style</a:t>
             </a:r>
-            <a:endParaRPr lang="en-US"/>
           </a:p>
         </p:txBody>
       </p:sp>
@@ -1215,38 +1433,37 @@
           <a:p>
             <a:pPr lvl="0"/>
             <a:r>
-              <a:rPr lang="en-US" smtClean="0"/>
+              <a:rPr lang="en-US"/>
               <a:t>Click to edit Master text styles</a:t>
             </a:r>
           </a:p>
           <a:p>
             <a:pPr lvl="1"/>
             <a:r>
-              <a:rPr lang="en-US" smtClean="0"/>
+              <a:rPr lang="en-US"/>
               <a:t>Second level</a:t>
             </a:r>
           </a:p>
           <a:p>
             <a:pPr lvl="2"/>
             <a:r>
-              <a:rPr lang="en-US" smtClean="0"/>
+              <a:rPr lang="en-US"/>
               <a:t>Third level</a:t>
             </a:r>
           </a:p>
           <a:p>
             <a:pPr lvl="3"/>
             <a:r>
-              <a:rPr lang="en-US" smtClean="0"/>
+              <a:rPr lang="en-US"/>
               <a:t>Fourth level</a:t>
             </a:r>
           </a:p>
           <a:p>
             <a:pPr lvl="4"/>
             <a:r>
-              <a:rPr lang="en-US" smtClean="0"/>
+              <a:rPr lang="en-US"/>
               <a:t>Fifth level</a:t>
             </a:r>
-            <a:endParaRPr lang="en-US"/>
           </a:p>
         </p:txBody>
       </p:sp>
@@ -1300,38 +1517,37 @@
           <a:p>
             <a:pPr lvl="0"/>
             <a:r>
-              <a:rPr lang="en-US" smtClean="0"/>
+              <a:rPr lang="en-US"/>
               <a:t>Click to edit Master text styles</a:t>
             </a:r>
           </a:p>
           <a:p>
             <a:pPr lvl="1"/>
             <a:r>
-              <a:rPr lang="en-US" smtClean="0"/>
+              <a:rPr lang="en-US"/>
               <a:t>Second level</a:t>
             </a:r>
           </a:p>
           <a:p>
             <a:pPr lvl="2"/>
             <a:r>
-              <a:rPr lang="en-US" smtClean="0"/>
+              <a:rPr lang="en-US"/>
               <a:t>Third level</a:t>
             </a:r>
           </a:p>
           <a:p>
             <a:pPr lvl="3"/>
             <a:r>
-              <a:rPr lang="en-US" smtClean="0"/>
+              <a:rPr lang="en-US"/>
               <a:t>Fourth level</a:t>
             </a:r>
           </a:p>
           <a:p>
             <a:pPr lvl="4"/>
             <a:r>
-              <a:rPr lang="en-US" smtClean="0"/>
+              <a:rPr lang="en-US"/>
               <a:t>Fifth level</a:t>
             </a:r>
-            <a:endParaRPr lang="en-US"/>
           </a:p>
         </p:txBody>
       </p:sp>
@@ -1352,7 +1568,7 @@
           <a:p>
             <a:fld id="{5BCAD085-E8A6-8845-BD4E-CB4CCA059FC4}" type="datetimeFigureOut">
               <a:rPr lang="en-US" smtClean="0"/>
-              <a:t>1/27/13</a:t>
+              <a:t>5/21/2025</a:t>
             </a:fld>
             <a:endParaRPr lang="en-US"/>
           </a:p>
@@ -1394,7 +1610,7 @@
           <a:p>
             <a:fld id="{C1FF6DA9-008F-8B48-92A6-B652298478BF}" type="slidenum">
               <a:rPr lang="en-US" smtClean="0"/>
-              <a:t>‹#›</a:t>
+              <a:t>‹nº›</a:t>
             </a:fld>
             <a:endParaRPr lang="en-US"/>
           </a:p>
@@ -1450,10 +1666,9 @@
           </a:lstStyle>
           <a:p>
             <a:r>
-              <a:rPr lang="en-US" smtClean="0"/>
+              <a:rPr lang="en-US"/>
               <a:t>Click to edit Master title style</a:t>
             </a:r>
-            <a:endParaRPr lang="en-US"/>
           </a:p>
         </p:txBody>
       </p:sp>
@@ -1516,7 +1731,7 @@
           <a:p>
             <a:pPr lvl="0"/>
             <a:r>
-              <a:rPr lang="en-US" smtClean="0"/>
+              <a:rPr lang="en-US"/>
               <a:t>Click to edit Master text styles</a:t>
             </a:r>
           </a:p>
@@ -1572,38 +1787,37 @@
           <a:p>
             <a:pPr lvl="0"/>
             <a:r>
-              <a:rPr lang="en-US" smtClean="0"/>
+              <a:rPr lang="en-US"/>
               <a:t>Click to edit Master text styles</a:t>
             </a:r>
           </a:p>
           <a:p>
             <a:pPr lvl="1"/>
             <a:r>
-              <a:rPr lang="en-US" smtClean="0"/>
+              <a:rPr lang="en-US"/>
               <a:t>Second level</a:t>
             </a:r>
           </a:p>
           <a:p>
             <a:pPr lvl="2"/>
             <a:r>
-              <a:rPr lang="en-US" smtClean="0"/>
+              <a:rPr lang="en-US"/>
               <a:t>Third level</a:t>
             </a:r>
           </a:p>
           <a:p>
             <a:pPr lvl="3"/>
             <a:r>
-              <a:rPr lang="en-US" smtClean="0"/>
+              <a:rPr lang="en-US"/>
               <a:t>Fourth level</a:t>
             </a:r>
           </a:p>
           <a:p>
             <a:pPr lvl="4"/>
             <a:r>
-              <a:rPr lang="en-US" smtClean="0"/>
+              <a:rPr lang="en-US"/>
               <a:t>Fifth level</a:t>
             </a:r>
-            <a:endParaRPr lang="en-US"/>
           </a:p>
         </p:txBody>
       </p:sp>
@@ -1666,7 +1880,7 @@
           <a:p>
             <a:pPr lvl="0"/>
             <a:r>
-              <a:rPr lang="en-US" smtClean="0"/>
+              <a:rPr lang="en-US"/>
               <a:t>Click to edit Master text styles</a:t>
             </a:r>
           </a:p>
@@ -1722,38 +1936,37 @@
           <a:p>
             <a:pPr lvl="0"/>
             <a:r>
-              <a:rPr lang="en-US" smtClean="0"/>
+              <a:rPr lang="en-US"/>
               <a:t>Click to edit Master text styles</a:t>
             </a:r>
           </a:p>
           <a:p>
             <a:pPr lvl="1"/>
             <a:r>
-              <a:rPr lang="en-US" smtClean="0"/>
+              <a:rPr lang="en-US"/>
               <a:t>Second level</a:t>
             </a:r>
           </a:p>
           <a:p>
             <a:pPr lvl="2"/>
             <a:r>
-              <a:rPr lang="en-US" smtClean="0"/>
+              <a:rPr lang="en-US"/>
               <a:t>Third level</a:t>
             </a:r>
           </a:p>
           <a:p>
             <a:pPr lvl="3"/>
             <a:r>
-              <a:rPr lang="en-US" smtClean="0"/>
+              <a:rPr lang="en-US"/>
               <a:t>Fourth level</a:t>
             </a:r>
           </a:p>
           <a:p>
             <a:pPr lvl="4"/>
             <a:r>
-              <a:rPr lang="en-US" smtClean="0"/>
+              <a:rPr lang="en-US"/>
               <a:t>Fifth level</a:t>
             </a:r>
-            <a:endParaRPr lang="en-US"/>
           </a:p>
         </p:txBody>
       </p:sp>
@@ -1774,7 +1987,7 @@
           <a:p>
             <a:fld id="{5BCAD085-E8A6-8845-BD4E-CB4CCA059FC4}" type="datetimeFigureOut">
               <a:rPr lang="en-US" smtClean="0"/>
-              <a:t>1/27/13</a:t>
+              <a:t>5/21/2025</a:t>
             </a:fld>
             <a:endParaRPr lang="en-US"/>
           </a:p>
@@ -1816,7 +2029,7 @@
           <a:p>
             <a:fld id="{C1FF6DA9-008F-8B48-92A6-B652298478BF}" type="slidenum">
               <a:rPr lang="en-US" smtClean="0"/>
-              <a:t>‹#›</a:t>
+              <a:t>‹nº›</a:t>
             </a:fld>
             <a:endParaRPr lang="en-US"/>
           </a:p>
@@ -1868,10 +2081,9 @@
           <a:lstStyle/>
           <a:p>
             <a:r>
-              <a:rPr lang="en-US" smtClean="0"/>
+              <a:rPr lang="en-US"/>
               <a:t>Click to edit Master title style</a:t>
             </a:r>
-            <a:endParaRPr lang="en-US"/>
           </a:p>
         </p:txBody>
       </p:sp>
@@ -1892,7 +2104,7 @@
           <a:p>
             <a:fld id="{5BCAD085-E8A6-8845-BD4E-CB4CCA059FC4}" type="datetimeFigureOut">
               <a:rPr lang="en-US" smtClean="0"/>
-              <a:t>1/27/13</a:t>
+              <a:t>5/21/2025</a:t>
             </a:fld>
             <a:endParaRPr lang="en-US"/>
           </a:p>
@@ -1934,7 +2146,7 @@
           <a:p>
             <a:fld id="{C1FF6DA9-008F-8B48-92A6-B652298478BF}" type="slidenum">
               <a:rPr lang="en-US" smtClean="0"/>
-              <a:t>‹#›</a:t>
+              <a:t>‹nº›</a:t>
             </a:fld>
             <a:endParaRPr lang="en-US"/>
           </a:p>
@@ -1987,7 +2199,7 @@
           <a:p>
             <a:fld id="{5BCAD085-E8A6-8845-BD4E-CB4CCA059FC4}" type="datetimeFigureOut">
               <a:rPr lang="en-US" smtClean="0"/>
-              <a:t>1/27/13</a:t>
+              <a:t>5/21/2025</a:t>
             </a:fld>
             <a:endParaRPr lang="en-US"/>
           </a:p>
@@ -2029,7 +2241,7 @@
           <a:p>
             <a:fld id="{C1FF6DA9-008F-8B48-92A6-B652298478BF}" type="slidenum">
               <a:rPr lang="en-US" smtClean="0"/>
-              <a:t>‹#›</a:t>
+              <a:t>‹nº›</a:t>
             </a:fld>
             <a:endParaRPr lang="en-US"/>
           </a:p>
@@ -2090,10 +2302,9 @@
           </a:lstStyle>
           <a:p>
             <a:r>
-              <a:rPr lang="en-US" smtClean="0"/>
+              <a:rPr lang="en-US"/>
               <a:t>Click to edit Master title style</a:t>
             </a:r>
-            <a:endParaRPr lang="en-US"/>
           </a:p>
         </p:txBody>
       </p:sp>
@@ -2147,38 +2358,37 @@
           <a:p>
             <a:pPr lvl="0"/>
             <a:r>
-              <a:rPr lang="en-US" smtClean="0"/>
+              <a:rPr lang="en-US"/>
               <a:t>Click to edit Master text styles</a:t>
             </a:r>
           </a:p>
           <a:p>
             <a:pPr lvl="1"/>
             <a:r>
-              <a:rPr lang="en-US" smtClean="0"/>
+              <a:rPr lang="en-US"/>
               <a:t>Second level</a:t>
             </a:r>
           </a:p>
           <a:p>
             <a:pPr lvl="2"/>
             <a:r>
-              <a:rPr lang="en-US" smtClean="0"/>
+              <a:rPr lang="en-US"/>
               <a:t>Third level</a:t>
             </a:r>
           </a:p>
           <a:p>
             <a:pPr lvl="3"/>
             <a:r>
-              <a:rPr lang="en-US" smtClean="0"/>
+              <a:rPr lang="en-US"/>
               <a:t>Fourth level</a:t>
             </a:r>
           </a:p>
           <a:p>
             <a:pPr lvl="4"/>
             <a:r>
-              <a:rPr lang="en-US" smtClean="0"/>
+              <a:rPr lang="en-US"/>
               <a:t>Fifth level</a:t>
             </a:r>
-            <a:endParaRPr lang="en-US"/>
           </a:p>
         </p:txBody>
       </p:sp>
@@ -2241,7 +2451,7 @@
           <a:p>
             <a:pPr lvl="0"/>
             <a:r>
-              <a:rPr lang="en-US" smtClean="0"/>
+              <a:rPr lang="en-US"/>
               <a:t>Click to edit Master text styles</a:t>
             </a:r>
           </a:p>
@@ -2264,7 +2474,7 @@
           <a:p>
             <a:fld id="{5BCAD085-E8A6-8845-BD4E-CB4CCA059FC4}" type="datetimeFigureOut">
               <a:rPr lang="en-US" smtClean="0"/>
-              <a:t>1/27/13</a:t>
+              <a:t>5/21/2025</a:t>
             </a:fld>
             <a:endParaRPr lang="en-US"/>
           </a:p>
@@ -2306,7 +2516,7 @@
           <a:p>
             <a:fld id="{C1FF6DA9-008F-8B48-92A6-B652298478BF}" type="slidenum">
               <a:rPr lang="en-US" smtClean="0"/>
-              <a:t>‹#›</a:t>
+              <a:t>‹nº›</a:t>
             </a:fld>
             <a:endParaRPr lang="en-US"/>
           </a:p>
@@ -2367,10 +2577,9 @@
           </a:lstStyle>
           <a:p>
             <a:r>
-              <a:rPr lang="en-US" smtClean="0"/>
+              <a:rPr lang="en-US"/>
               <a:t>Click to edit Master title style</a:t>
             </a:r>
-            <a:endParaRPr lang="en-US"/>
           </a:p>
         </p:txBody>
       </p:sp>
@@ -2494,7 +2703,7 @@
           <a:p>
             <a:pPr lvl="0"/>
             <a:r>
-              <a:rPr lang="en-US" smtClean="0"/>
+              <a:rPr lang="en-US"/>
               <a:t>Click to edit Master text styles</a:t>
             </a:r>
           </a:p>
@@ -2517,7 +2726,7 @@
           <a:p>
             <a:fld id="{5BCAD085-E8A6-8845-BD4E-CB4CCA059FC4}" type="datetimeFigureOut">
               <a:rPr lang="en-US" smtClean="0"/>
-              <a:t>1/27/13</a:t>
+              <a:t>5/21/2025</a:t>
             </a:fld>
             <a:endParaRPr lang="en-US"/>
           </a:p>
@@ -2559,7 +2768,7 @@
           <a:p>
             <a:fld id="{C1FF6DA9-008F-8B48-92A6-B652298478BF}" type="slidenum">
               <a:rPr lang="en-US" smtClean="0"/>
-              <a:t>‹#›</a:t>
+              <a:t>‹nº›</a:t>
             </a:fld>
             <a:endParaRPr lang="en-US"/>
           </a:p>
@@ -2626,10 +2835,9 @@
           <a:lstStyle/>
           <a:p>
             <a:r>
-              <a:rPr lang="en-US" smtClean="0"/>
+              <a:rPr lang="en-US"/>
               <a:t>Click to edit Master title style</a:t>
             </a:r>
-            <a:endParaRPr lang="en-US"/>
           </a:p>
         </p:txBody>
       </p:sp>
@@ -2660,38 +2868,37 @@
           <a:p>
             <a:pPr lvl="0"/>
             <a:r>
-              <a:rPr lang="en-US" smtClean="0"/>
+              <a:rPr lang="en-US"/>
               <a:t>Click to edit Master text styles</a:t>
             </a:r>
           </a:p>
           <a:p>
             <a:pPr lvl="1"/>
             <a:r>
-              <a:rPr lang="en-US" smtClean="0"/>
+              <a:rPr lang="en-US"/>
               <a:t>Second level</a:t>
             </a:r>
           </a:p>
           <a:p>
             <a:pPr lvl="2"/>
             <a:r>
-              <a:rPr lang="en-US" smtClean="0"/>
+              <a:rPr lang="en-US"/>
               <a:t>Third level</a:t>
             </a:r>
           </a:p>
           <a:p>
             <a:pPr lvl="3"/>
             <a:r>
-              <a:rPr lang="en-US" smtClean="0"/>
+              <a:rPr lang="en-US"/>
               <a:t>Fourth level</a:t>
             </a:r>
           </a:p>
           <a:p>
             <a:pPr lvl="4"/>
             <a:r>
-              <a:rPr lang="en-US" smtClean="0"/>
+              <a:rPr lang="en-US"/>
               <a:t>Fifth level</a:t>
             </a:r>
-            <a:endParaRPr lang="en-US"/>
           </a:p>
         </p:txBody>
       </p:sp>
@@ -2730,7 +2937,7 @@
           <a:p>
             <a:fld id="{5BCAD085-E8A6-8845-BD4E-CB4CCA059FC4}" type="datetimeFigureOut">
               <a:rPr lang="en-US" smtClean="0"/>
-              <a:t>1/27/13</a:t>
+              <a:t>5/21/2025</a:t>
             </a:fld>
             <a:endParaRPr lang="en-US"/>
           </a:p>
@@ -2808,7 +3015,7 @@
           <a:p>
             <a:fld id="{C1FF6DA9-008F-8B48-92A6-B652298478BF}" type="slidenum">
               <a:rPr lang="en-US" smtClean="0"/>
-              <a:t>‹#›</a:t>
+              <a:t>‹nº›</a:t>
             </a:fld>
             <a:endParaRPr lang="en-US"/>
           </a:p>
@@ -3089,7 +3296,7 @@
 </file>
 
 <file path=ppt/slides/slide1.xml><?xml version="1.0" encoding="utf-8"?>
-<p:sld xmlns:a="http://schemas.openxmlformats.org/drawingml/2006/main" xmlns:p="http://schemas.openxmlformats.org/presentationml/2006/main" xmlns:r="http://schemas.openxmlformats.org/officeDocument/2006/relationships">
+<p:sld xmlns:a="http://schemas.openxmlformats.org/drawingml/2006/main" xmlns:r="http://schemas.openxmlformats.org/officeDocument/2006/relationships" xmlns:p="http://schemas.openxmlformats.org/presentationml/2006/main">
   <p:cSld>
     <p:spTree>
       <p:nvGrpSpPr>
@@ -3097,7 +3304,14 @@
         <p:cNvGrpSpPr/>
         <p:nvPr/>
       </p:nvGrpSpPr>
-      <p:grpSpPr/>
+      <p:grpSpPr>
+        <a:xfrm>
+          <a:off x="0" y="0"/>
+          <a:ext cx="0" cy="0"/>
+          <a:chOff x="0" y="0"/>
+          <a:chExt cx="0" cy="0"/>
+        </a:xfrm>
+      </p:grpSpPr>
       <p:sp>
         <p:nvSpPr>
           <p:cNvPr id="2" name="Title 1"/>
@@ -3108,34 +3322,18 @@
             <p:ph type="ctrTitle"/>
           </p:nvPr>
         </p:nvSpPr>
-        <p:spPr/>
+        <p:spPr>
+          <a:xfrm>
+            <a:off x="685800" y="2691142"/>
+            <a:ext cx="7772400" cy="1470025"/>
+          </a:xfrm>
+        </p:spPr>
         <p:txBody>
           <a:bodyPr/>
           <a:lstStyle/>
           <a:p>
             <a:r>
               <a:t>Reunião do Projeto ATOM</a:t>
-            </a:r>
-          </a:p>
-        </p:txBody>
-      </p:sp>
-      <p:sp>
-        <p:nvSpPr>
-          <p:cNvPr id="3" name="Subtitle 2"/>
-          <p:cNvSpPr>
-            <a:spLocks noGrp="1"/>
-          </p:cNvSpPr>
-          <p:nvPr>
-            <p:ph type="subTitle" idx="1"/>
-          </p:nvPr>
-        </p:nvSpPr>
-        <p:spPr/>
-        <p:txBody>
-          <a:bodyPr/>
-          <a:lstStyle/>
-          <a:p>
-            <a:r>
-              <a:t>Estrutura com Metodologia Ágil - Scrum</a:t>
             </a:r>
           </a:p>
         </p:txBody>
@@ -3149,7 +3347,7 @@
 </file>
 
 <file path=ppt/slides/slide10.xml><?xml version="1.0" encoding="utf-8"?>
-<p:sld xmlns:a="http://schemas.openxmlformats.org/drawingml/2006/main" xmlns:p="http://schemas.openxmlformats.org/presentationml/2006/main" xmlns:r="http://schemas.openxmlformats.org/officeDocument/2006/relationships">
+<p:sld xmlns:a="http://schemas.openxmlformats.org/drawingml/2006/main" xmlns:r="http://schemas.openxmlformats.org/officeDocument/2006/relationships" xmlns:p="http://schemas.openxmlformats.org/presentationml/2006/main">
   <p:cSld>
     <p:spTree>
       <p:nvGrpSpPr>
@@ -3157,7 +3355,14 @@
         <p:cNvGrpSpPr/>
         <p:nvPr/>
       </p:nvGrpSpPr>
-      <p:grpSpPr/>
+      <p:grpSpPr>
+        <a:xfrm>
+          <a:off x="0" y="0"/>
+          <a:ext cx="0" cy="0"/>
+          <a:chOff x="0" y="0"/>
+          <a:chExt cx="0" cy="0"/>
+        </a:xfrm>
+      </p:grpSpPr>
       <p:sp>
         <p:nvSpPr>
           <p:cNvPr id="2" name="Title 1"/>
@@ -3191,40 +3396,129 @@
         </p:nvSpPr>
         <p:spPr/>
         <p:txBody>
-          <a:bodyPr/>
-          <a:lstStyle/>
-          <a:p/>
+          <a:bodyPr vert="horz" lIns="91440" tIns="45720" rIns="91440" bIns="45720" rtlCol="0" anchor="t">
+            <a:normAutofit/>
+          </a:bodyPr>
+          <a:lstStyle/>
+          <a:p>
+            <a:endParaRPr/>
+          </a:p>
           <a:p>
             <a:pPr>
               <a:defRPr sz="1800"/>
             </a:pPr>
             <a:r>
-              <a:t>Avaliação do progresso atual</a:t>
-            </a:r>
+              <a:rPr dirty="0" err="1"/>
+              <a:t>Avaliação</a:t>
+            </a:r>
+            <a:r>
+              <a:rPr dirty="0"/>
+              <a:t> do </a:t>
+            </a:r>
+            <a:r>
+              <a:rPr dirty="0" err="1"/>
+              <a:t>progresso</a:t>
+            </a:r>
+            <a:r>
+              <a:rPr dirty="0"/>
+              <a:t> </a:t>
+            </a:r>
+            <a:r>
+              <a:rPr dirty="0" err="1"/>
+              <a:t>atual</a:t>
+            </a:r>
+            <a:endParaRPr dirty="0" err="1">
+              <a:ea typeface="Calibri"/>
+              <a:cs typeface="Calibri"/>
+            </a:endParaRPr>
           </a:p>
           <a:p>
             <a:pPr>
               <a:defRPr sz="1800"/>
             </a:pPr>
             <a:r>
-              <a:t>Definição de novas tarefas e prioridades</a:t>
-            </a:r>
+              <a:rPr dirty="0" err="1"/>
+              <a:t>Definição</a:t>
+            </a:r>
+            <a:r>
+              <a:rPr dirty="0"/>
+              <a:t> de </a:t>
+            </a:r>
+            <a:r>
+              <a:rPr dirty="0" err="1"/>
+              <a:t>novas</a:t>
+            </a:r>
+            <a:r>
+              <a:rPr dirty="0"/>
+              <a:t> </a:t>
+            </a:r>
+            <a:r>
+              <a:rPr dirty="0" err="1"/>
+              <a:t>tarefas</a:t>
+            </a:r>
+            <a:r>
+              <a:rPr dirty="0"/>
+              <a:t> e </a:t>
+            </a:r>
+            <a:r>
+              <a:rPr dirty="0" err="1"/>
+              <a:t>prioridades</a:t>
+            </a:r>
+            <a:endParaRPr dirty="0" err="1">
+              <a:ea typeface="Calibri"/>
+              <a:cs typeface="Calibri"/>
+            </a:endParaRPr>
           </a:p>
           <a:p>
             <a:pPr>
               <a:defRPr sz="1800"/>
             </a:pPr>
             <a:r>
-              <a:t>Atualização do quadro de tarefas (Trello, Notion, etc.)</a:t>
-            </a:r>
+              <a:rPr dirty="0"/>
+              <a:t>Atualização do quadro de tarefas </a:t>
+            </a:r>
+            <a:endParaRPr lang="pt-BR" dirty="0"/>
           </a:p>
           <a:p>
             <a:pPr>
               <a:defRPr sz="1800"/>
             </a:pPr>
             <a:r>
-              <a:t>Alinhamento com os papéis da equipe (PO, devs, etc.)</a:t>
-            </a:r>
+              <a:rPr dirty="0" err="1"/>
+              <a:t>Alinhamento</a:t>
+            </a:r>
+            <a:r>
+              <a:rPr dirty="0"/>
+              <a:t> com </a:t>
+            </a:r>
+            <a:r>
+              <a:rPr dirty="0" err="1"/>
+              <a:t>os</a:t>
+            </a:r>
+            <a:r>
+              <a:rPr dirty="0"/>
+              <a:t> </a:t>
+            </a:r>
+            <a:r>
+              <a:rPr dirty="0" err="1"/>
+              <a:t>papéis</a:t>
+            </a:r>
+            <a:r>
+              <a:rPr dirty="0"/>
+              <a:t> da equipe (PO, </a:t>
+            </a:r>
+            <a:r>
+              <a:rPr dirty="0" err="1"/>
+              <a:t>devs</a:t>
+            </a:r>
+            <a:r>
+              <a:rPr dirty="0"/>
+              <a:t>, etc.)</a:t>
+            </a:r>
+            <a:endParaRPr>
+              <a:ea typeface="Calibri"/>
+              <a:cs typeface="Calibri"/>
+            </a:endParaRPr>
           </a:p>
         </p:txBody>
       </p:sp>
@@ -3237,7 +3531,7 @@
 </file>
 
 <file path=ppt/slides/slide11.xml><?xml version="1.0" encoding="utf-8"?>
-<p:sld xmlns:a="http://schemas.openxmlformats.org/drawingml/2006/main" xmlns:p="http://schemas.openxmlformats.org/presentationml/2006/main" xmlns:r="http://schemas.openxmlformats.org/officeDocument/2006/relationships">
+<p:sld xmlns:a="http://schemas.openxmlformats.org/drawingml/2006/main" xmlns:r="http://schemas.openxmlformats.org/officeDocument/2006/relationships" xmlns:p="http://schemas.openxmlformats.org/presentationml/2006/main">
   <p:cSld>
     <p:spTree>
       <p:nvGrpSpPr>
@@ -3245,7 +3539,14 @@
         <p:cNvGrpSpPr/>
         <p:nvPr/>
       </p:nvGrpSpPr>
-      <p:grpSpPr/>
+      <p:grpSpPr>
+        <a:xfrm>
+          <a:off x="0" y="0"/>
+          <a:ext cx="0" cy="0"/>
+          <a:chOff x="0" y="0"/>
+          <a:chExt cx="0" cy="0"/>
+        </a:xfrm>
+      </p:grpSpPr>
       <p:sp>
         <p:nvSpPr>
           <p:cNvPr id="2" name="Title 1"/>
@@ -3256,55 +3557,43 @@
             <p:ph type="title"/>
           </p:nvPr>
         </p:nvSpPr>
-        <p:spPr/>
-        <p:txBody>
-          <a:bodyPr/>
-          <a:lstStyle/>
-          <a:p>
-            <a:r>
-              <a:t>Encerramento da Reunião</a:t>
-            </a:r>
-          </a:p>
-        </p:txBody>
-      </p:sp>
-      <p:sp>
-        <p:nvSpPr>
-          <p:cNvPr id="3" name="Content Placeholder 2"/>
-          <p:cNvSpPr>
-            <a:spLocks noGrp="1"/>
-          </p:cNvSpPr>
-          <p:nvPr>
-            <p:ph idx="1"/>
-          </p:nvPr>
-        </p:nvSpPr>
-        <p:spPr/>
-        <p:txBody>
-          <a:bodyPr/>
-          <a:lstStyle/>
-          <a:p/>
-          <a:p>
-            <a:pPr>
-              <a:defRPr sz="1800"/>
-            </a:pPr>
-            <a:r>
-              <a:t>Resumo das decisões e próximos passos</a:t>
-            </a:r>
-          </a:p>
-          <a:p>
-            <a:pPr>
-              <a:defRPr sz="1800"/>
-            </a:pPr>
-            <a:r>
-              <a:t>Reforçar responsáveis e prazos definidos</a:t>
-            </a:r>
-          </a:p>
-          <a:p>
-            <a:pPr>
-              <a:defRPr sz="1800"/>
-            </a:pPr>
-            <a:r>
-              <a:t>Marcar próxima reunião (Review + Planning)</a:t>
-            </a:r>
+        <p:spPr>
+          <a:xfrm>
+            <a:off x="457200" y="2848185"/>
+            <a:ext cx="8229600" cy="1143000"/>
+          </a:xfrm>
+        </p:spPr>
+        <p:txBody>
+          <a:bodyPr>
+            <a:normAutofit/>
+          </a:bodyPr>
+          <a:lstStyle/>
+          <a:p>
+            <a:r>
+              <a:rPr lang="pt-BR" dirty="0" err="1"/>
+              <a:t>Thank</a:t>
+            </a:r>
+            <a:r>
+              <a:rPr lang="pt-BR" dirty="0"/>
+              <a:t> </a:t>
+            </a:r>
+            <a:r>
+              <a:rPr lang="pt-BR" dirty="0" err="1"/>
+              <a:t>You</a:t>
+            </a:r>
+            <a:r>
+              <a:rPr lang="pt-BR" dirty="0"/>
+              <a:t> </a:t>
+            </a:r>
+            <a:r>
+              <a:rPr lang="pt-BR" dirty="0" err="1"/>
+              <a:t>Very</a:t>
+            </a:r>
+            <a:r>
+              <a:rPr lang="pt-BR" dirty="0"/>
+              <a:t> Much!</a:t>
+            </a:r>
+            <a:endParaRPr lang="en-US" dirty="0"/>
           </a:p>
         </p:txBody>
       </p:sp>
@@ -3317,7 +3606,7 @@
 </file>
 
 <file path=ppt/slides/slide2.xml><?xml version="1.0" encoding="utf-8"?>
-<p:sld xmlns:a="http://schemas.openxmlformats.org/drawingml/2006/main" xmlns:p="http://schemas.openxmlformats.org/presentationml/2006/main" xmlns:r="http://schemas.openxmlformats.org/officeDocument/2006/relationships">
+<p:sld xmlns:a="http://schemas.openxmlformats.org/drawingml/2006/main" xmlns:r="http://schemas.openxmlformats.org/officeDocument/2006/relationships" xmlns:p="http://schemas.openxmlformats.org/presentationml/2006/main">
   <p:cSld>
     <p:spTree>
       <p:nvGrpSpPr>
@@ -3325,7 +3614,14 @@
         <p:cNvGrpSpPr/>
         <p:nvPr/>
       </p:nvGrpSpPr>
-      <p:grpSpPr/>
+      <p:grpSpPr>
+        <a:xfrm>
+          <a:off x="0" y="0"/>
+          <a:ext cx="0" cy="0"/>
+          <a:chOff x="0" y="0"/>
+          <a:chExt cx="0" cy="0"/>
+        </a:xfrm>
+      </p:grpSpPr>
       <p:sp>
         <p:nvSpPr>
           <p:cNvPr id="2" name="Title 1"/>
@@ -3342,7 +3638,8 @@
           <a:lstStyle/>
           <a:p>
             <a:r>
-              <a:t>Abertura e Boas-vindas</a:t>
+              <a:rPr lang="pt-BR" dirty="0"/>
+              <a:t>🚀 Adoção da Metodologia Scrum</a:t>
             </a:r>
           </a:p>
         </p:txBody>
@@ -3359,15 +3656,54 @@
         </p:nvSpPr>
         <p:spPr/>
         <p:txBody>
-          <a:bodyPr/>
-          <a:lstStyle/>
-          <a:p/>
+          <a:bodyPr vert="horz" lIns="91440" tIns="45720" rIns="91440" bIns="45720" rtlCol="0" anchor="t">
+            <a:normAutofit/>
+          </a:bodyPr>
+          <a:lstStyle/>
+          <a:p>
+            <a:r>
+              <a:rPr lang="en-US" dirty="0">
+                <a:ea typeface="+mn-lt"/>
+                <a:cs typeface="+mn-lt"/>
+              </a:rPr>
+              <a:t>🔍 </a:t>
+            </a:r>
+            <a:r>
+              <a:rPr lang="en-US" b="1" dirty="0">
+                <a:ea typeface="+mn-lt"/>
+                <a:cs typeface="+mn-lt"/>
+              </a:rPr>
+              <a:t>O que é Scrum</a:t>
+            </a:r>
+            <a:endParaRPr lang="pt-BR" dirty="0">
+              <a:ea typeface="Calibri"/>
+              <a:cs typeface="Calibri"/>
+            </a:endParaRPr>
+          </a:p>
           <a:p>
             <a:pPr>
               <a:defRPr sz="1800"/>
             </a:pPr>
             <a:r>
-              <a:t>Agradecimento pela presença</a:t>
+              <a:rPr lang="en-US" sz="2800" dirty="0">
+                <a:ea typeface="+mn-lt"/>
+                <a:cs typeface="+mn-lt"/>
+              </a:rPr>
+              <a:t>Entrega </a:t>
+            </a:r>
+            <a:r>
+              <a:rPr lang="en-US" sz="2800" err="1">
+                <a:ea typeface="+mn-lt"/>
+                <a:cs typeface="+mn-lt"/>
+              </a:rPr>
+              <a:t>contínua</a:t>
+            </a:r>
+            <a:r>
+              <a:rPr lang="en-US" sz="2800" dirty="0">
+                <a:ea typeface="+mn-lt"/>
+                <a:cs typeface="+mn-lt"/>
+              </a:rPr>
+              <a:t> e incremental de valor,</a:t>
             </a:r>
           </a:p>
           <a:p>
@@ -3375,7 +3711,18 @@
               <a:defRPr sz="1800"/>
             </a:pPr>
             <a:r>
-              <a:t>Apresentação da agenda com abordagem ágil (Scrum)</a:t>
+              <a:rPr lang="en-US" sz="2800" b="1" dirty="0">
+                <a:ea typeface="+mn-lt"/>
+                <a:cs typeface="+mn-lt"/>
+              </a:rPr>
+              <a:t>Sprints</a:t>
+            </a:r>
+            <a:r>
+              <a:rPr lang="en-US" sz="2800" dirty="0">
+                <a:ea typeface="+mn-lt"/>
+                <a:cs typeface="+mn-lt"/>
+              </a:rPr>
+              <a:t>.</a:t>
             </a:r>
           </a:p>
           <a:p>
@@ -3383,8 +3730,60 @@
               <a:defRPr sz="1800"/>
             </a:pPr>
             <a:r>
-              <a:t>Objetivo: organizar o desenvolvimento e integrar documentação e gestão</a:t>
-            </a:r>
+              <a:rPr lang="en-US" sz="2800" err="1">
+                <a:ea typeface="+mn-lt"/>
+                <a:cs typeface="+mn-lt"/>
+              </a:rPr>
+              <a:t>Priorizando</a:t>
+            </a:r>
+            <a:r>
+              <a:rPr lang="en-US" sz="2800" dirty="0">
+                <a:ea typeface="+mn-lt"/>
+                <a:cs typeface="+mn-lt"/>
+              </a:rPr>
+              <a:t> a </a:t>
+            </a:r>
+            <a:r>
+              <a:rPr lang="en-US" sz="2800" err="1">
+                <a:ea typeface="+mn-lt"/>
+                <a:cs typeface="+mn-lt"/>
+              </a:rPr>
+              <a:t>comunicação</a:t>
+            </a:r>
+            <a:endParaRPr lang="en-US" sz="2800">
+              <a:ea typeface="+mn-lt"/>
+              <a:cs typeface="+mn-lt"/>
+            </a:endParaRPr>
+          </a:p>
+          <a:p>
+            <a:pPr>
+              <a:defRPr sz="1800"/>
+            </a:pPr>
+            <a:r>
+              <a:rPr lang="en-US" sz="2800" dirty="0">
+                <a:ea typeface="+mn-lt"/>
+                <a:cs typeface="+mn-lt"/>
+              </a:rPr>
+              <a:t>Feedback </a:t>
+            </a:r>
+            <a:r>
+              <a:rPr lang="en-US" sz="2800" err="1">
+                <a:ea typeface="+mn-lt"/>
+                <a:cs typeface="+mn-lt"/>
+              </a:rPr>
+              <a:t>constante</a:t>
+            </a:r>
+            <a:r>
+              <a:rPr lang="en-US" sz="2800" dirty="0">
+                <a:ea typeface="+mn-lt"/>
+                <a:cs typeface="+mn-lt"/>
+              </a:rPr>
+              <a:t>.</a:t>
+            </a:r>
+            <a:endParaRPr lang="en-US" sz="2800" dirty="0">
+              <a:ea typeface="Calibri"/>
+              <a:cs typeface="Calibri"/>
+            </a:endParaRPr>
           </a:p>
         </p:txBody>
       </p:sp>
@@ -3397,18 +3796,37 @@
 </file>
 
 <file path=ppt/slides/slide3.xml><?xml version="1.0" encoding="utf-8"?>
-<p:sld xmlns:a="http://schemas.openxmlformats.org/drawingml/2006/main" xmlns:p="http://schemas.openxmlformats.org/presentationml/2006/main" xmlns:r="http://schemas.openxmlformats.org/officeDocument/2006/relationships">
+<p:sld xmlns:a="http://schemas.openxmlformats.org/drawingml/2006/main" xmlns:r="http://schemas.openxmlformats.org/officeDocument/2006/relationships" xmlns:p="http://schemas.openxmlformats.org/presentationml/2006/main">
   <p:cSld>
     <p:spTree>
       <p:nvGrpSpPr>
-        <p:cNvPr id="1" name=""/>
+        <p:cNvPr id="1" name="">
+          <a:extLst>
+            <a:ext uri="{FF2B5EF4-FFF2-40B4-BE49-F238E27FC236}">
+              <a16:creationId xmlns:a16="http://schemas.microsoft.com/office/drawing/2014/main" id="{7F553287-846D-9DA2-D6DB-BCBFDBAE0393}"/>
+            </a:ext>
+          </a:extLst>
+        </p:cNvPr>
         <p:cNvGrpSpPr/>
         <p:nvPr/>
       </p:nvGrpSpPr>
-      <p:grpSpPr/>
-      <p:sp>
-        <p:nvSpPr>
-          <p:cNvPr id="2" name="Title 1"/>
+      <p:grpSpPr>
+        <a:xfrm>
+          <a:off x="0" y="0"/>
+          <a:ext cx="0" cy="0"/>
+          <a:chOff x="0" y="0"/>
+          <a:chExt cx="0" cy="0"/>
+        </a:xfrm>
+      </p:grpSpPr>
+      <p:sp>
+        <p:nvSpPr>
+          <p:cNvPr id="2" name="Title 1">
+            <a:extLst>
+              <a:ext uri="{FF2B5EF4-FFF2-40B4-BE49-F238E27FC236}">
+                <a16:creationId xmlns:a16="http://schemas.microsoft.com/office/drawing/2014/main" id="{D1BD4A0F-DC6D-BC06-2D9E-2D761BE833C1}"/>
+              </a:ext>
+            </a:extLst>
+          </p:cNvPr>
           <p:cNvSpPr>
             <a:spLocks noGrp="1"/>
           </p:cNvSpPr>
@@ -3418,18 +3836,38 @@
         </p:nvSpPr>
         <p:spPr/>
         <p:txBody>
-          <a:bodyPr/>
-          <a:lstStyle/>
-          <a:p>
-            <a:r>
-              <a:t>Sprint Review (Revisão da Sprint)</a:t>
-            </a:r>
-          </a:p>
-        </p:txBody>
-      </p:sp>
-      <p:sp>
-        <p:nvSpPr>
-          <p:cNvPr id="3" name="Content Placeholder 2"/>
+          <a:bodyPr>
+            <a:normAutofit fontScale="90000"/>
+          </a:bodyPr>
+          <a:lstStyle/>
+          <a:p>
+            <a:r>
+              <a:rPr lang="pt-BR" dirty="0">
+                <a:ea typeface="+mj-lt"/>
+                <a:cs typeface="+mj-lt"/>
+              </a:rPr>
+              <a:t>🏗️ </a:t>
+            </a:r>
+            <a:r>
+              <a:rPr lang="pt-BR" b="1" dirty="0">
+                <a:ea typeface="+mj-lt"/>
+                <a:cs typeface="+mj-lt"/>
+              </a:rPr>
+              <a:t>Papéis no Scrum no Projeto ATOM</a:t>
+            </a:r>
+            <a:endParaRPr lang="pt-BR" dirty="0"/>
+          </a:p>
+        </p:txBody>
+      </p:sp>
+      <p:sp>
+        <p:nvSpPr>
+          <p:cNvPr id="3" name="Content Placeholder 2">
+            <a:extLst>
+              <a:ext uri="{FF2B5EF4-FFF2-40B4-BE49-F238E27FC236}">
+                <a16:creationId xmlns:a16="http://schemas.microsoft.com/office/drawing/2014/main" id="{3A3E2D72-FC99-1038-550D-21E303ABDEE5}"/>
+              </a:ext>
+            </a:extLst>
+          </p:cNvPr>
           <p:cNvSpPr>
             <a:spLocks noGrp="1"/>
           </p:cNvSpPr>
@@ -3437,17 +3875,263 @@
             <p:ph idx="1"/>
           </p:nvPr>
         </p:nvSpPr>
-        <p:spPr/>
-        <p:txBody>
-          <a:bodyPr/>
-          <a:lstStyle/>
-          <a:p/>
+        <p:spPr>
+          <a:xfrm>
+            <a:off x="457200" y="1413295"/>
+            <a:ext cx="8229600" cy="4827887"/>
+          </a:xfrm>
+        </p:spPr>
+        <p:txBody>
+          <a:bodyPr vert="horz" lIns="91440" tIns="45720" rIns="91440" bIns="45720" rtlCol="0" anchor="t">
+            <a:normAutofit fontScale="92500" lnSpcReduction="20000"/>
+          </a:bodyPr>
+          <a:lstStyle/>
+          <a:p>
+            <a:r>
+              <a:rPr lang="en-US" dirty="0">
+                <a:ea typeface="+mn-lt"/>
+                <a:cs typeface="+mn-lt"/>
+              </a:rPr>
+              <a:t>🔍 </a:t>
+            </a:r>
+            <a:r>
+              <a:rPr lang="en-US" b="1" dirty="0">
+                <a:ea typeface="+mn-lt"/>
+                <a:cs typeface="+mn-lt"/>
+              </a:rPr>
+              <a:t>O que é Scrum</a:t>
+            </a:r>
+            <a:endParaRPr lang="pt-BR" dirty="0">
+              <a:ea typeface="Calibri"/>
+              <a:cs typeface="Calibri"/>
+            </a:endParaRPr>
+          </a:p>
           <a:p>
             <a:pPr>
               <a:defRPr sz="1800"/>
             </a:pPr>
             <a:r>
-              <a:t>O que foi feito desde a última reunião?</a:t>
+              <a:rPr lang="en-US" sz="2800" b="1" dirty="0">
+                <a:ea typeface="+mn-lt"/>
+                <a:cs typeface="+mn-lt"/>
+              </a:rPr>
+              <a:t>Product Owner (PO) — Enzo Ribas</a:t>
+            </a:r>
+            <a:br>
+              <a:rPr lang="en-US" sz="2800" b="1" dirty="0">
+                <a:ea typeface="+mn-lt"/>
+                <a:cs typeface="+mn-lt"/>
+              </a:rPr>
+            </a:br>
+            <a:r>
+              <a:rPr lang="en-US" sz="2800" b="1" dirty="0" err="1">
+                <a:ea typeface="+mn-lt"/>
+                <a:cs typeface="+mn-lt"/>
+              </a:rPr>
+              <a:t>Responsável</a:t>
+            </a:r>
+            <a:r>
+              <a:rPr lang="en-US" sz="2800" b="1" dirty="0">
+                <a:ea typeface="+mn-lt"/>
+                <a:cs typeface="+mn-lt"/>
+              </a:rPr>
+              <a:t> </a:t>
+            </a:r>
+            <a:r>
+              <a:rPr lang="en-US" sz="2800" b="1" dirty="0" err="1">
+                <a:ea typeface="+mn-lt"/>
+                <a:cs typeface="+mn-lt"/>
+              </a:rPr>
+              <a:t>por</a:t>
+            </a:r>
+            <a:r>
+              <a:rPr lang="en-US" sz="2800" b="1" dirty="0">
+                <a:ea typeface="+mn-lt"/>
+                <a:cs typeface="+mn-lt"/>
+              </a:rPr>
+              <a:t> </a:t>
+            </a:r>
+            <a:r>
+              <a:rPr lang="en-US" sz="2800" b="1" dirty="0" err="1">
+                <a:ea typeface="+mn-lt"/>
+                <a:cs typeface="+mn-lt"/>
+              </a:rPr>
+              <a:t>priorizar</a:t>
+            </a:r>
+            <a:r>
+              <a:rPr lang="en-US" sz="2800" b="1" dirty="0">
+                <a:ea typeface="+mn-lt"/>
+                <a:cs typeface="+mn-lt"/>
+              </a:rPr>
+              <a:t> as </a:t>
+            </a:r>
+            <a:r>
+              <a:rPr lang="en-US" sz="2800" b="1" dirty="0" err="1">
+                <a:ea typeface="+mn-lt"/>
+                <a:cs typeface="+mn-lt"/>
+              </a:rPr>
+              <a:t>tarefas</a:t>
+            </a:r>
+            <a:r>
+              <a:rPr lang="en-US" sz="2800" b="1" dirty="0">
+                <a:ea typeface="+mn-lt"/>
+                <a:cs typeface="+mn-lt"/>
+              </a:rPr>
+              <a:t>, </a:t>
+            </a:r>
+            <a:r>
+              <a:rPr lang="en-US" sz="2800" b="1" dirty="0" err="1">
+                <a:ea typeface="+mn-lt"/>
+                <a:cs typeface="+mn-lt"/>
+              </a:rPr>
+              <a:t>definir</a:t>
+            </a:r>
+            <a:r>
+              <a:rPr lang="en-US" sz="2800" b="1" dirty="0">
+                <a:ea typeface="+mn-lt"/>
+                <a:cs typeface="+mn-lt"/>
+              </a:rPr>
+              <a:t> o que </a:t>
+            </a:r>
+            <a:r>
+              <a:rPr lang="en-US" sz="2800" b="1" dirty="0" err="1">
+                <a:ea typeface="+mn-lt"/>
+                <a:cs typeface="+mn-lt"/>
+              </a:rPr>
+              <a:t>deve</a:t>
+            </a:r>
+            <a:r>
+              <a:rPr lang="en-US" sz="2800" b="1" dirty="0">
+                <a:ea typeface="+mn-lt"/>
+                <a:cs typeface="+mn-lt"/>
+              </a:rPr>
+              <a:t> ser </a:t>
+            </a:r>
+            <a:r>
+              <a:rPr lang="en-US" sz="2800" b="1" dirty="0" err="1">
+                <a:ea typeface="+mn-lt"/>
+                <a:cs typeface="+mn-lt"/>
+              </a:rPr>
+              <a:t>feito</a:t>
+            </a:r>
+            <a:r>
+              <a:rPr lang="en-US" sz="2800" b="1" dirty="0">
+                <a:ea typeface="+mn-lt"/>
+                <a:cs typeface="+mn-lt"/>
+              </a:rPr>
+              <a:t> e </a:t>
+            </a:r>
+            <a:r>
+              <a:rPr lang="en-US" sz="2800" b="1" dirty="0" err="1">
+                <a:ea typeface="+mn-lt"/>
+                <a:cs typeface="+mn-lt"/>
+              </a:rPr>
+              <a:t>garantir</a:t>
+            </a:r>
+            <a:r>
+              <a:rPr lang="en-US" sz="2800" b="1" dirty="0">
+                <a:ea typeface="+mn-lt"/>
+                <a:cs typeface="+mn-lt"/>
+              </a:rPr>
+              <a:t> que o time </a:t>
+            </a:r>
+            <a:r>
+              <a:rPr lang="en-US" sz="2800" b="1" dirty="0" err="1">
+                <a:ea typeface="+mn-lt"/>
+                <a:cs typeface="+mn-lt"/>
+              </a:rPr>
+              <a:t>esteja</a:t>
+            </a:r>
+            <a:r>
+              <a:rPr lang="en-US" sz="2800" b="1" dirty="0">
+                <a:ea typeface="+mn-lt"/>
+                <a:cs typeface="+mn-lt"/>
+              </a:rPr>
+              <a:t> sempre </a:t>
+            </a:r>
+            <a:r>
+              <a:rPr lang="en-US" sz="2800" b="1" dirty="0" err="1">
+                <a:ea typeface="+mn-lt"/>
+                <a:cs typeface="+mn-lt"/>
+              </a:rPr>
+              <a:t>alinhado</a:t>
+            </a:r>
+            <a:r>
+              <a:rPr lang="en-US" sz="2800" b="1" dirty="0">
+                <a:ea typeface="+mn-lt"/>
+                <a:cs typeface="+mn-lt"/>
+              </a:rPr>
+              <a:t> com </a:t>
+            </a:r>
+            <a:r>
+              <a:rPr lang="en-US" sz="2800" b="1" dirty="0" err="1">
+                <a:ea typeface="+mn-lt"/>
+                <a:cs typeface="+mn-lt"/>
+              </a:rPr>
+              <a:t>os</a:t>
+            </a:r>
+            <a:r>
+              <a:rPr lang="en-US" sz="2800" b="1" dirty="0">
+                <a:ea typeface="+mn-lt"/>
+                <a:cs typeface="+mn-lt"/>
+              </a:rPr>
+              <a:t> </a:t>
+            </a:r>
+            <a:r>
+              <a:rPr lang="en-US" sz="2800" b="1" dirty="0" err="1">
+                <a:ea typeface="+mn-lt"/>
+                <a:cs typeface="+mn-lt"/>
+              </a:rPr>
+              <a:t>objetivos</a:t>
+            </a:r>
+            <a:r>
+              <a:rPr lang="en-US" sz="2800" b="1" dirty="0">
+                <a:ea typeface="+mn-lt"/>
+                <a:cs typeface="+mn-lt"/>
+              </a:rPr>
+              <a:t> do </a:t>
+            </a:r>
+            <a:r>
+              <a:rPr lang="en-US" sz="2800" b="1" dirty="0" err="1">
+                <a:ea typeface="+mn-lt"/>
+                <a:cs typeface="+mn-lt"/>
+              </a:rPr>
+              <a:t>projeto</a:t>
+            </a:r>
+            <a:r>
+              <a:rPr lang="en-US" sz="2800" b="1" dirty="0">
+                <a:ea typeface="+mn-lt"/>
+                <a:cs typeface="+mn-lt"/>
+              </a:rPr>
+              <a:t>. </a:t>
+            </a:r>
+            <a:r>
+              <a:rPr lang="en-US" sz="2800" b="1" dirty="0" err="1">
+                <a:ea typeface="+mn-lt"/>
+                <a:cs typeface="+mn-lt"/>
+              </a:rPr>
+              <a:t>Cuida</a:t>
+            </a:r>
+            <a:r>
+              <a:rPr lang="en-US" sz="2800" b="1" dirty="0">
+                <a:ea typeface="+mn-lt"/>
+                <a:cs typeface="+mn-lt"/>
+              </a:rPr>
+              <a:t> do backlog do </a:t>
+            </a:r>
+            <a:r>
+              <a:rPr lang="en-US" sz="2800" b="1" dirty="0" err="1">
+                <a:ea typeface="+mn-lt"/>
+                <a:cs typeface="+mn-lt"/>
+              </a:rPr>
+              <a:t>produto</a:t>
+            </a:r>
+            <a:r>
+              <a:rPr lang="en-US" sz="2800" dirty="0">
+                <a:ea typeface="+mn-lt"/>
+                <a:cs typeface="+mn-lt"/>
+              </a:rPr>
+              <a:t>.</a:t>
             </a:r>
           </a:p>
           <a:p>
@@ -3455,28 +4139,398 @@
               <a:defRPr sz="1800"/>
             </a:pPr>
             <a:r>
-              <a:t>O que ainda está pendente?</a:t>
-            </a:r>
+              <a:rPr lang="en-US" sz="2800" b="1" dirty="0">
+                <a:ea typeface="+mn-lt"/>
+                <a:cs typeface="+mn-lt"/>
+              </a:rPr>
+              <a:t>Scrum Master — ? </a:t>
+            </a:r>
+            <a:br>
+              <a:rPr lang="en-US" sz="2800" b="1" dirty="0">
+                <a:ea typeface="+mn-lt"/>
+                <a:cs typeface="+mn-lt"/>
+              </a:rPr>
+            </a:br>
+            <a:r>
+              <a:rPr lang="en-US" sz="2800" b="1" dirty="0">
+                <a:ea typeface="+mn-lt"/>
+                <a:cs typeface="+mn-lt"/>
+              </a:rPr>
+              <a:t>Atua </a:t>
+            </a:r>
+            <a:r>
+              <a:rPr lang="en-US" sz="2800" b="1" dirty="0" err="1">
+                <a:ea typeface="+mn-lt"/>
+                <a:cs typeface="+mn-lt"/>
+              </a:rPr>
+              <a:t>como</a:t>
+            </a:r>
+            <a:r>
+              <a:rPr lang="en-US" sz="2800" b="1" dirty="0">
+                <a:ea typeface="+mn-lt"/>
+                <a:cs typeface="+mn-lt"/>
+              </a:rPr>
+              <a:t> </a:t>
+            </a:r>
+            <a:r>
+              <a:rPr lang="en-US" sz="2800" b="1" dirty="0" err="1">
+                <a:ea typeface="+mn-lt"/>
+                <a:cs typeface="+mn-lt"/>
+              </a:rPr>
+              <a:t>facilitador</a:t>
+            </a:r>
+            <a:r>
+              <a:rPr lang="en-US" sz="2800" b="1" dirty="0">
+                <a:ea typeface="+mn-lt"/>
+                <a:cs typeface="+mn-lt"/>
+              </a:rPr>
+              <a:t>. </a:t>
+            </a:r>
+            <a:r>
+              <a:rPr lang="en-US" sz="2800" b="1" dirty="0" err="1">
+                <a:ea typeface="+mn-lt"/>
+                <a:cs typeface="+mn-lt"/>
+              </a:rPr>
+              <a:t>Garante</a:t>
+            </a:r>
+            <a:r>
+              <a:rPr lang="en-US" sz="2800" b="1" dirty="0">
+                <a:ea typeface="+mn-lt"/>
+                <a:cs typeface="+mn-lt"/>
+              </a:rPr>
+              <a:t> que o time </a:t>
+            </a:r>
+            <a:r>
+              <a:rPr lang="en-US" sz="2800" b="1" dirty="0" err="1">
+                <a:ea typeface="+mn-lt"/>
+                <a:cs typeface="+mn-lt"/>
+              </a:rPr>
+              <a:t>siga</a:t>
+            </a:r>
+            <a:r>
+              <a:rPr lang="en-US" sz="2800" b="1" dirty="0">
+                <a:ea typeface="+mn-lt"/>
+                <a:cs typeface="+mn-lt"/>
+              </a:rPr>
+              <a:t> as </a:t>
+            </a:r>
+            <a:r>
+              <a:rPr lang="en-US" sz="2800" b="1" dirty="0" err="1">
+                <a:ea typeface="+mn-lt"/>
+                <a:cs typeface="+mn-lt"/>
+              </a:rPr>
+              <a:t>práticas</a:t>
+            </a:r>
+            <a:r>
+              <a:rPr lang="en-US" sz="2800" b="1" dirty="0">
+                <a:ea typeface="+mn-lt"/>
+                <a:cs typeface="+mn-lt"/>
+              </a:rPr>
+              <a:t> </a:t>
+            </a:r>
+            <a:r>
+              <a:rPr lang="en-US" sz="2800" b="1" dirty="0" err="1">
+                <a:ea typeface="+mn-lt"/>
+                <a:cs typeface="+mn-lt"/>
+              </a:rPr>
+              <a:t>ágeis</a:t>
+            </a:r>
+            <a:r>
+              <a:rPr lang="en-US" sz="2800" b="1" dirty="0">
+                <a:ea typeface="+mn-lt"/>
+                <a:cs typeface="+mn-lt"/>
+              </a:rPr>
+              <a:t>, resolve </a:t>
+            </a:r>
+            <a:r>
+              <a:rPr lang="en-US" sz="2800" b="1" dirty="0" err="1">
+                <a:ea typeface="+mn-lt"/>
+                <a:cs typeface="+mn-lt"/>
+              </a:rPr>
+              <a:t>impedimentos</a:t>
+            </a:r>
+            <a:r>
+              <a:rPr lang="en-US" sz="2800" b="1" dirty="0">
+                <a:ea typeface="+mn-lt"/>
+                <a:cs typeface="+mn-lt"/>
+              </a:rPr>
+              <a:t>, </a:t>
+            </a:r>
+            <a:r>
+              <a:rPr lang="en-US" sz="2800" b="1" dirty="0" err="1">
+                <a:ea typeface="+mn-lt"/>
+                <a:cs typeface="+mn-lt"/>
+              </a:rPr>
+              <a:t>facilita</a:t>
+            </a:r>
+            <a:r>
+              <a:rPr lang="en-US" sz="2800" b="1" dirty="0">
+                <a:ea typeface="+mn-lt"/>
+                <a:cs typeface="+mn-lt"/>
+              </a:rPr>
+              <a:t> as </a:t>
+            </a:r>
+            <a:r>
+              <a:rPr lang="en-US" sz="2800" b="1" dirty="0" err="1">
+                <a:ea typeface="+mn-lt"/>
+                <a:cs typeface="+mn-lt"/>
+              </a:rPr>
+              <a:t>reuniões</a:t>
+            </a:r>
+            <a:r>
+              <a:rPr lang="en-US" sz="2800" b="1" dirty="0">
+                <a:ea typeface="+mn-lt"/>
+                <a:cs typeface="+mn-lt"/>
+              </a:rPr>
+              <a:t> e </a:t>
+            </a:r>
+            <a:r>
+              <a:rPr lang="en-US" sz="2800" b="1" dirty="0" err="1">
+                <a:ea typeface="+mn-lt"/>
+                <a:cs typeface="+mn-lt"/>
+              </a:rPr>
+              <a:t>mantém</a:t>
+            </a:r>
+            <a:r>
+              <a:rPr lang="en-US" sz="2800" b="1" dirty="0">
+                <a:ea typeface="+mn-lt"/>
+                <a:cs typeface="+mn-lt"/>
+              </a:rPr>
+              <a:t> o time </a:t>
+            </a:r>
+            <a:r>
+              <a:rPr lang="en-US" sz="2800" b="1" dirty="0" err="1">
+                <a:ea typeface="+mn-lt"/>
+                <a:cs typeface="+mn-lt"/>
+              </a:rPr>
+              <a:t>produtivo</a:t>
+            </a:r>
+            <a:r>
+              <a:rPr lang="en-US" sz="2800" b="1" dirty="0">
+                <a:ea typeface="+mn-lt"/>
+                <a:cs typeface="+mn-lt"/>
+              </a:rPr>
+              <a:t> e </a:t>
+            </a:r>
+            <a:r>
+              <a:rPr lang="en-US" sz="2800" b="1" dirty="0" err="1">
+                <a:ea typeface="+mn-lt"/>
+                <a:cs typeface="+mn-lt"/>
+              </a:rPr>
+              <a:t>focado</a:t>
+            </a:r>
+            <a:r>
+              <a:rPr lang="en-US" sz="2800" b="1" dirty="0">
+                <a:ea typeface="+mn-lt"/>
+                <a:cs typeface="+mn-lt"/>
+              </a:rPr>
+              <a:t>.</a:t>
+            </a:r>
+            <a:endParaRPr lang="en-US" dirty="0">
+              <a:ea typeface="Calibri"/>
+              <a:cs typeface="Calibri"/>
+            </a:endParaRPr>
           </a:p>
           <a:p>
             <a:pPr>
               <a:defRPr sz="1800"/>
             </a:pPr>
             <a:r>
-              <a:t>Demonstração das entregas técnicas (protótipos, códigos, etc.)</a:t>
-            </a:r>
+              <a:rPr lang="en-US" sz="2800" b="1" dirty="0">
+                <a:ea typeface="+mn-lt"/>
+                <a:cs typeface="+mn-lt"/>
+              </a:rPr>
+              <a:t>Time de </a:t>
+            </a:r>
+            <a:r>
+              <a:rPr lang="en-US" sz="2800" b="1" dirty="0" err="1">
+                <a:ea typeface="+mn-lt"/>
+                <a:cs typeface="+mn-lt"/>
+              </a:rPr>
+              <a:t>Desenvolvimento</a:t>
+            </a:r>
+            <a:r>
+              <a:rPr lang="en-US" sz="2800" b="1" dirty="0">
+                <a:ea typeface="+mn-lt"/>
+                <a:cs typeface="+mn-lt"/>
+              </a:rPr>
+              <a:t> — ?</a:t>
+            </a:r>
+            <a:br>
+              <a:rPr lang="en-US" sz="2800" b="1" dirty="0">
+                <a:ea typeface="+mn-lt"/>
+                <a:cs typeface="+mn-lt"/>
+              </a:rPr>
+            </a:br>
+            <a:r>
+              <a:rPr lang="en-US" sz="2800" b="1" dirty="0">
+                <a:ea typeface="+mn-lt"/>
+                <a:cs typeface="+mn-lt"/>
+              </a:rPr>
+              <a:t>São </a:t>
+            </a:r>
+            <a:r>
+              <a:rPr lang="en-US" sz="2800" b="1" dirty="0" err="1">
+                <a:ea typeface="+mn-lt"/>
+                <a:cs typeface="+mn-lt"/>
+              </a:rPr>
+              <a:t>os</a:t>
+            </a:r>
+            <a:r>
+              <a:rPr lang="en-US" sz="2800" b="1" dirty="0">
+                <a:ea typeface="+mn-lt"/>
+                <a:cs typeface="+mn-lt"/>
+              </a:rPr>
+              <a:t> </a:t>
+            </a:r>
+            <a:r>
+              <a:rPr lang="en-US" sz="2800" b="1" dirty="0" err="1">
+                <a:ea typeface="+mn-lt"/>
+                <a:cs typeface="+mn-lt"/>
+              </a:rPr>
+              <a:t>responsáveis</a:t>
+            </a:r>
+            <a:r>
+              <a:rPr lang="en-US" sz="2800" b="1" dirty="0">
+                <a:ea typeface="+mn-lt"/>
+                <a:cs typeface="+mn-lt"/>
+              </a:rPr>
+              <a:t> pela </a:t>
+            </a:r>
+            <a:r>
+              <a:rPr lang="en-US" sz="2800" b="1" dirty="0" err="1">
+                <a:ea typeface="+mn-lt"/>
+                <a:cs typeface="+mn-lt"/>
+              </a:rPr>
+              <a:t>execução</a:t>
+            </a:r>
+            <a:r>
+              <a:rPr lang="en-US" sz="2800" b="1" dirty="0">
+                <a:ea typeface="+mn-lt"/>
+                <a:cs typeface="+mn-lt"/>
+              </a:rPr>
+              <a:t> </a:t>
+            </a:r>
+            <a:r>
+              <a:rPr lang="en-US" sz="2800" b="1" dirty="0" err="1">
+                <a:ea typeface="+mn-lt"/>
+                <a:cs typeface="+mn-lt"/>
+              </a:rPr>
+              <a:t>técnica</a:t>
+            </a:r>
+            <a:r>
+              <a:rPr lang="en-US" sz="2800" b="1" dirty="0">
+                <a:ea typeface="+mn-lt"/>
+                <a:cs typeface="+mn-lt"/>
+              </a:rPr>
+              <a:t>: </a:t>
+            </a:r>
+            <a:r>
+              <a:rPr lang="en-US" sz="2800" b="1" dirty="0" err="1">
+                <a:ea typeface="+mn-lt"/>
+                <a:cs typeface="+mn-lt"/>
+              </a:rPr>
+              <a:t>desenvolvimento</a:t>
+            </a:r>
+            <a:r>
+              <a:rPr lang="en-US" sz="2800" b="1" dirty="0">
+                <a:ea typeface="+mn-lt"/>
+                <a:cs typeface="+mn-lt"/>
+              </a:rPr>
+              <a:t> de software, </a:t>
+            </a:r>
+            <a:r>
+              <a:rPr lang="en-US" sz="2800" b="1" dirty="0" err="1">
+                <a:ea typeface="+mn-lt"/>
+                <a:cs typeface="+mn-lt"/>
+              </a:rPr>
+              <a:t>documentação</a:t>
+            </a:r>
+            <a:r>
+              <a:rPr lang="en-US" sz="2800" b="1" dirty="0">
+                <a:ea typeface="+mn-lt"/>
+                <a:cs typeface="+mn-lt"/>
+              </a:rPr>
+              <a:t>, testes, </a:t>
+            </a:r>
+            <a:r>
+              <a:rPr lang="en-US" sz="2800" b="1" dirty="0" err="1">
+                <a:ea typeface="+mn-lt"/>
+                <a:cs typeface="+mn-lt"/>
+              </a:rPr>
+              <a:t>integração</a:t>
+            </a:r>
+            <a:r>
+              <a:rPr lang="en-US" sz="2800" b="1" dirty="0">
+                <a:ea typeface="+mn-lt"/>
+                <a:cs typeface="+mn-lt"/>
+              </a:rPr>
+              <a:t> de </a:t>
+            </a:r>
+            <a:r>
+              <a:rPr lang="en-US" sz="2800" b="1" dirty="0" err="1">
+                <a:ea typeface="+mn-lt"/>
+                <a:cs typeface="+mn-lt"/>
+              </a:rPr>
+              <a:t>sistemas</a:t>
+            </a:r>
+            <a:r>
+              <a:rPr lang="en-US" sz="2800" b="1" dirty="0">
+                <a:ea typeface="+mn-lt"/>
+                <a:cs typeface="+mn-lt"/>
+              </a:rPr>
+              <a:t>, </a:t>
+            </a:r>
+            <a:r>
+              <a:rPr lang="en-US" sz="2800" b="1" dirty="0" err="1">
+                <a:ea typeface="+mn-lt"/>
+                <a:cs typeface="+mn-lt"/>
+              </a:rPr>
+              <a:t>eletrônica</a:t>
+            </a:r>
+            <a:r>
+              <a:rPr lang="en-US" sz="2800" b="1" dirty="0">
+                <a:ea typeface="+mn-lt"/>
+                <a:cs typeface="+mn-lt"/>
+              </a:rPr>
+              <a:t> e </a:t>
+            </a:r>
+            <a:r>
+              <a:rPr lang="en-US" sz="2800" b="1" dirty="0" err="1">
+                <a:ea typeface="+mn-lt"/>
+                <a:cs typeface="+mn-lt"/>
+              </a:rPr>
+              <a:t>mecânica</a:t>
+            </a:r>
+            <a:r>
+              <a:rPr lang="en-US" sz="2800" b="1" dirty="0">
+                <a:ea typeface="+mn-lt"/>
+                <a:cs typeface="+mn-lt"/>
+              </a:rPr>
+              <a:t>.</a:t>
+            </a:r>
+            <a:endParaRPr lang="en-US" b="1" dirty="0">
+              <a:ea typeface="+mn-lt"/>
+              <a:cs typeface="+mn-lt"/>
+            </a:endParaRPr>
           </a:p>
           <a:p>
             <a:pPr>
               <a:defRPr sz="1800"/>
             </a:pPr>
-            <a:r>
-              <a:t>Compartilhamento de dificuldades encontradas</a:t>
-            </a:r>
+            <a:endParaRPr lang="en-US" sz="2800" dirty="0">
+              <a:ea typeface="Calibri"/>
+              <a:cs typeface="Calibri"/>
+            </a:endParaRPr>
           </a:p>
         </p:txBody>
       </p:sp>
     </p:spTree>
+    <p:extLst>
+      <p:ext uri="{BB962C8B-B14F-4D97-AF65-F5344CB8AC3E}">
+        <p14:creationId xmlns:p14="http://schemas.microsoft.com/office/powerpoint/2010/main" val="2514884559"/>
+      </p:ext>
+    </p:extLst>
   </p:cSld>
   <p:clrMapOvr>
     <a:masterClrMapping/>
@@ -3485,18 +4539,37 @@
 </file>
 
 <file path=ppt/slides/slide4.xml><?xml version="1.0" encoding="utf-8"?>
-<p:sld xmlns:a="http://schemas.openxmlformats.org/drawingml/2006/main" xmlns:p="http://schemas.openxmlformats.org/presentationml/2006/main" xmlns:r="http://schemas.openxmlformats.org/officeDocument/2006/relationships">
+<p:sld xmlns:a="http://schemas.openxmlformats.org/drawingml/2006/main" xmlns:r="http://schemas.openxmlformats.org/officeDocument/2006/relationships" xmlns:p="http://schemas.openxmlformats.org/presentationml/2006/main">
   <p:cSld>
     <p:spTree>
       <p:nvGrpSpPr>
-        <p:cNvPr id="1" name=""/>
+        <p:cNvPr id="1" name="">
+          <a:extLst>
+            <a:ext uri="{FF2B5EF4-FFF2-40B4-BE49-F238E27FC236}">
+              <a16:creationId xmlns:a16="http://schemas.microsoft.com/office/drawing/2014/main" id="{FA35CE4E-69FD-0993-5272-AF7E3DBB1D9C}"/>
+            </a:ext>
+          </a:extLst>
+        </p:cNvPr>
         <p:cNvGrpSpPr/>
         <p:nvPr/>
       </p:nvGrpSpPr>
-      <p:grpSpPr/>
-      <p:sp>
-        <p:nvSpPr>
-          <p:cNvPr id="2" name="Title 1"/>
+      <p:grpSpPr>
+        <a:xfrm>
+          <a:off x="0" y="0"/>
+          <a:ext cx="0" cy="0"/>
+          <a:chOff x="0" y="0"/>
+          <a:chExt cx="0" cy="0"/>
+        </a:xfrm>
+      </p:grpSpPr>
+      <p:sp>
+        <p:nvSpPr>
+          <p:cNvPr id="2" name="Title 1">
+            <a:extLst>
+              <a:ext uri="{FF2B5EF4-FFF2-40B4-BE49-F238E27FC236}">
+                <a16:creationId xmlns:a16="http://schemas.microsoft.com/office/drawing/2014/main" id="{C774B7F1-9B56-C5DC-8896-C23F70CB689B}"/>
+              </a:ext>
+            </a:extLst>
+          </p:cNvPr>
           <p:cNvSpPr>
             <a:spLocks noGrp="1"/>
           </p:cNvSpPr>
@@ -3506,18 +4579,41 @@
         </p:nvSpPr>
         <p:spPr/>
         <p:txBody>
-          <a:bodyPr/>
-          <a:lstStyle/>
-          <a:p>
-            <a:r>
-              <a:t>Sprint Planning (Planejamento da Sprint)</a:t>
-            </a:r>
-          </a:p>
-        </p:txBody>
-      </p:sp>
-      <p:sp>
-        <p:nvSpPr>
-          <p:cNvPr id="3" name="Content Placeholder 2"/>
+          <a:bodyPr>
+            <a:normAutofit/>
+          </a:bodyPr>
+          <a:lstStyle/>
+          <a:p>
+            <a:r>
+              <a:rPr lang="pt-BR" dirty="0">
+                <a:ea typeface="+mj-lt"/>
+                <a:cs typeface="+mj-lt"/>
+              </a:rPr>
+              <a:t>🔄 </a:t>
+            </a:r>
+            <a:r>
+              <a:rPr lang="pt-BR" b="1" dirty="0">
+                <a:ea typeface="+mj-lt"/>
+                <a:cs typeface="+mj-lt"/>
+              </a:rPr>
+              <a:t>Cerimônias Scrum no Projeto</a:t>
+            </a:r>
+            <a:endParaRPr lang="pt-BR" dirty="0">
+              <a:ea typeface="+mj-lt"/>
+              <a:cs typeface="+mj-lt"/>
+            </a:endParaRPr>
+          </a:p>
+        </p:txBody>
+      </p:sp>
+      <p:sp>
+        <p:nvSpPr>
+          <p:cNvPr id="3" name="Content Placeholder 2">
+            <a:extLst>
+              <a:ext uri="{FF2B5EF4-FFF2-40B4-BE49-F238E27FC236}">
+                <a16:creationId xmlns:a16="http://schemas.microsoft.com/office/drawing/2014/main" id="{4DE030D9-3EFC-3263-1CC1-DE9B8BD288E4}"/>
+              </a:ext>
+            </a:extLst>
+          </p:cNvPr>
           <p:cNvSpPr>
             <a:spLocks noGrp="1"/>
           </p:cNvSpPr>
@@ -3525,17 +4621,336 @@
             <p:ph idx="1"/>
           </p:nvPr>
         </p:nvSpPr>
-        <p:spPr/>
-        <p:txBody>
-          <a:bodyPr/>
-          <a:lstStyle/>
-          <a:p/>
+        <p:spPr>
+          <a:xfrm>
+            <a:off x="457200" y="1413295"/>
+            <a:ext cx="8229600" cy="4827887"/>
+          </a:xfrm>
+        </p:spPr>
+        <p:txBody>
+          <a:bodyPr vert="horz" lIns="91440" tIns="45720" rIns="91440" bIns="45720" rtlCol="0" anchor="t">
+            <a:normAutofit/>
+          </a:bodyPr>
+          <a:lstStyle/>
+          <a:p>
+            <a:r>
+              <a:rPr lang="en-US" b="1" dirty="0">
+                <a:ea typeface="+mn-lt"/>
+                <a:cs typeface="+mn-lt"/>
+              </a:rPr>
+              <a:t>Daily Meeting (Daily Scrum)</a:t>
+            </a:r>
+            <a:br>
+              <a:rPr lang="en-US" b="1" dirty="0">
+                <a:ea typeface="+mn-lt"/>
+                <a:cs typeface="+mn-lt"/>
+              </a:rPr>
+            </a:br>
+            <a:r>
+              <a:rPr lang="en-US" b="1" dirty="0">
+                <a:ea typeface="+mn-lt"/>
+                <a:cs typeface="+mn-lt"/>
+              </a:rPr>
+              <a:t> </a:t>
+            </a:r>
+            <a:r>
+              <a:rPr lang="en-US" sz="2000" b="1" err="1">
+                <a:ea typeface="+mn-lt"/>
+                <a:cs typeface="+mn-lt"/>
+              </a:rPr>
+              <a:t>Reuniões</a:t>
+            </a:r>
+            <a:r>
+              <a:rPr lang="en-US" sz="2000" b="1" dirty="0">
+                <a:ea typeface="+mn-lt"/>
+                <a:cs typeface="+mn-lt"/>
+              </a:rPr>
+              <a:t> </a:t>
+            </a:r>
+            <a:r>
+              <a:rPr lang="en-US" sz="2000" b="1" err="1">
+                <a:ea typeface="+mn-lt"/>
+                <a:cs typeface="+mn-lt"/>
+              </a:rPr>
+              <a:t>rápidas</a:t>
+            </a:r>
+            <a:r>
+              <a:rPr lang="en-US" sz="2000" b="1" dirty="0">
+                <a:ea typeface="+mn-lt"/>
+                <a:cs typeface="+mn-lt"/>
+              </a:rPr>
+              <a:t> para </a:t>
+            </a:r>
+            <a:r>
+              <a:rPr lang="en-US" sz="2000" b="1" err="1">
+                <a:ea typeface="+mn-lt"/>
+                <a:cs typeface="+mn-lt"/>
+              </a:rPr>
+              <a:t>alinhamento</a:t>
+            </a:r>
+            <a:r>
+              <a:rPr lang="en-US" sz="2000" b="1" dirty="0">
+                <a:ea typeface="+mn-lt"/>
+                <a:cs typeface="+mn-lt"/>
+              </a:rPr>
+              <a:t> </a:t>
+            </a:r>
+            <a:r>
+              <a:rPr lang="en-US" sz="2000" b="1" err="1">
+                <a:ea typeface="+mn-lt"/>
+                <a:cs typeface="+mn-lt"/>
+              </a:rPr>
+              <a:t>diário</a:t>
+            </a:r>
+            <a:r>
+              <a:rPr lang="en-US" sz="2000" b="1" dirty="0">
+                <a:ea typeface="+mn-lt"/>
+                <a:cs typeface="+mn-lt"/>
+              </a:rPr>
+              <a:t>:</a:t>
+            </a:r>
+            <a:br>
+              <a:rPr lang="en-US" sz="2000" b="1" dirty="0">
+                <a:ea typeface="+mn-lt"/>
+                <a:cs typeface="+mn-lt"/>
+              </a:rPr>
+            </a:br>
+            <a:r>
+              <a:rPr lang="en-US" sz="2000" b="1" dirty="0">
+                <a:ea typeface="+mn-lt"/>
+                <a:cs typeface="+mn-lt"/>
+              </a:rPr>
+              <a:t> 👉 O que </a:t>
+            </a:r>
+            <a:r>
+              <a:rPr lang="en-US" sz="2000" b="1" err="1">
+                <a:ea typeface="+mn-lt"/>
+                <a:cs typeface="+mn-lt"/>
+              </a:rPr>
+              <a:t>fiz</a:t>
+            </a:r>
+            <a:r>
+              <a:rPr lang="en-US" sz="2000" b="1" dirty="0">
+                <a:ea typeface="+mn-lt"/>
+                <a:cs typeface="+mn-lt"/>
+              </a:rPr>
+              <a:t> </a:t>
+            </a:r>
+            <a:r>
+              <a:rPr lang="en-US" sz="2000" b="1" err="1">
+                <a:ea typeface="+mn-lt"/>
+                <a:cs typeface="+mn-lt"/>
+              </a:rPr>
+              <a:t>ontem</a:t>
+            </a:r>
+            <a:r>
+              <a:rPr lang="en-US" sz="2000" b="1" dirty="0">
+                <a:ea typeface="+mn-lt"/>
+                <a:cs typeface="+mn-lt"/>
+              </a:rPr>
+              <a:t>?</a:t>
+            </a:r>
+            <a:br>
+              <a:rPr lang="en-US" sz="2000" b="1" dirty="0">
+                <a:ea typeface="+mn-lt"/>
+                <a:cs typeface="+mn-lt"/>
+              </a:rPr>
+            </a:br>
+            <a:r>
+              <a:rPr lang="en-US" sz="2000" b="1" dirty="0">
+                <a:ea typeface="+mn-lt"/>
+                <a:cs typeface="+mn-lt"/>
+              </a:rPr>
+              <a:t> 👉 O que </a:t>
+            </a:r>
+            <a:r>
+              <a:rPr lang="en-US" sz="2000" b="1" err="1">
+                <a:ea typeface="+mn-lt"/>
+                <a:cs typeface="+mn-lt"/>
+              </a:rPr>
+              <a:t>farei</a:t>
+            </a:r>
+            <a:r>
+              <a:rPr lang="en-US" sz="2000" b="1" dirty="0">
+                <a:ea typeface="+mn-lt"/>
+                <a:cs typeface="+mn-lt"/>
+              </a:rPr>
+              <a:t> </a:t>
+            </a:r>
+            <a:r>
+              <a:rPr lang="en-US" sz="2000" b="1" err="1">
+                <a:ea typeface="+mn-lt"/>
+                <a:cs typeface="+mn-lt"/>
+              </a:rPr>
+              <a:t>hoje</a:t>
+            </a:r>
+            <a:r>
+              <a:rPr lang="en-US" sz="2000" b="1" dirty="0">
+                <a:ea typeface="+mn-lt"/>
+                <a:cs typeface="+mn-lt"/>
+              </a:rPr>
+              <a:t>?</a:t>
+            </a:r>
+            <a:br>
+              <a:rPr lang="en-US" sz="2000" b="1" dirty="0">
+                <a:ea typeface="+mn-lt"/>
+                <a:cs typeface="+mn-lt"/>
+              </a:rPr>
+            </a:br>
+            <a:r>
+              <a:rPr lang="en-US" sz="2000" b="1" dirty="0">
+                <a:ea typeface="+mn-lt"/>
+                <a:cs typeface="+mn-lt"/>
+              </a:rPr>
+              <a:t> 👉 </a:t>
+            </a:r>
+            <a:r>
+              <a:rPr lang="en-US" sz="2000" b="1" err="1">
+                <a:ea typeface="+mn-lt"/>
+                <a:cs typeface="+mn-lt"/>
+              </a:rPr>
+              <a:t>Há</a:t>
+            </a:r>
+            <a:r>
+              <a:rPr lang="en-US" sz="2000" b="1" dirty="0">
+                <a:ea typeface="+mn-lt"/>
+                <a:cs typeface="+mn-lt"/>
+              </a:rPr>
+              <a:t> </a:t>
+            </a:r>
+            <a:r>
+              <a:rPr lang="en-US" sz="2000" b="1" err="1">
+                <a:ea typeface="+mn-lt"/>
+                <a:cs typeface="+mn-lt"/>
+              </a:rPr>
+              <a:t>algum</a:t>
+            </a:r>
+            <a:r>
+              <a:rPr lang="en-US" sz="2000" b="1" dirty="0">
+                <a:ea typeface="+mn-lt"/>
+                <a:cs typeface="+mn-lt"/>
+              </a:rPr>
+              <a:t> </a:t>
+            </a:r>
+            <a:r>
+              <a:rPr lang="en-US" sz="2000" b="1" err="1">
+                <a:ea typeface="+mn-lt"/>
+                <a:cs typeface="+mn-lt"/>
+              </a:rPr>
+              <a:t>impedimento</a:t>
+            </a:r>
+            <a:r>
+              <a:rPr lang="en-US" sz="2000" b="1" dirty="0">
+                <a:ea typeface="+mn-lt"/>
+                <a:cs typeface="+mn-lt"/>
+              </a:rPr>
+              <a:t>?</a:t>
+            </a:r>
+            <a:endParaRPr lang="pt-BR" sz="2000" dirty="0">
+              <a:ea typeface="Calibri"/>
+              <a:cs typeface="Calibri"/>
+            </a:endParaRPr>
+          </a:p>
           <a:p>
             <a:pPr>
               <a:defRPr sz="1800"/>
             </a:pPr>
             <a:r>
-              <a:t>Definir as prioridades do desenvolvimento</a:t>
+              <a:rPr lang="en-US" b="1" dirty="0">
+                <a:ea typeface="+mn-lt"/>
+                <a:cs typeface="+mn-lt"/>
+              </a:rPr>
+              <a:t>Sprint Planning</a:t>
+            </a:r>
+            <a:br>
+              <a:rPr lang="en-US" b="1" dirty="0">
+                <a:ea typeface="+mn-lt"/>
+                <a:cs typeface="+mn-lt"/>
+              </a:rPr>
+            </a:br>
+            <a:r>
+              <a:rPr lang="en-US" b="1" dirty="0" err="1">
+                <a:ea typeface="+mn-lt"/>
+                <a:cs typeface="+mn-lt"/>
+              </a:rPr>
+              <a:t>Planejamento</a:t>
+            </a:r>
+            <a:r>
+              <a:rPr lang="en-US" b="1" dirty="0">
+                <a:ea typeface="+mn-lt"/>
+                <a:cs typeface="+mn-lt"/>
+              </a:rPr>
+              <a:t> das </a:t>
+            </a:r>
+            <a:r>
+              <a:rPr lang="en-US" b="1" dirty="0" err="1">
+                <a:ea typeface="+mn-lt"/>
+                <a:cs typeface="+mn-lt"/>
+              </a:rPr>
+              <a:t>atividades</a:t>
+            </a:r>
+            <a:r>
+              <a:rPr lang="en-US" b="1" dirty="0">
+                <a:ea typeface="+mn-lt"/>
+                <a:cs typeface="+mn-lt"/>
+              </a:rPr>
+              <a:t> da sprint: </a:t>
+            </a:r>
+            <a:r>
+              <a:rPr lang="en-US" b="1" dirty="0" err="1">
+                <a:ea typeface="+mn-lt"/>
+                <a:cs typeface="+mn-lt"/>
+              </a:rPr>
+              <a:t>definição</a:t>
+            </a:r>
+            <a:r>
+              <a:rPr lang="en-US" b="1" dirty="0">
+                <a:ea typeface="+mn-lt"/>
+                <a:cs typeface="+mn-lt"/>
+              </a:rPr>
+              <a:t> das </a:t>
+            </a:r>
+            <a:r>
+              <a:rPr lang="en-US" b="1" dirty="0" err="1">
+                <a:ea typeface="+mn-lt"/>
+                <a:cs typeface="+mn-lt"/>
+              </a:rPr>
+              <a:t>tarefas</a:t>
+            </a:r>
+            <a:r>
+              <a:rPr lang="en-US" b="1" dirty="0">
+                <a:ea typeface="+mn-lt"/>
+                <a:cs typeface="+mn-lt"/>
+              </a:rPr>
+              <a:t>, </a:t>
+            </a:r>
+            <a:r>
+              <a:rPr lang="en-US" b="1" dirty="0" err="1">
+                <a:ea typeface="+mn-lt"/>
+                <a:cs typeface="+mn-lt"/>
+              </a:rPr>
+              <a:t>responsáveis</a:t>
+            </a:r>
+            <a:r>
+              <a:rPr lang="en-US" b="1" dirty="0">
+                <a:ea typeface="+mn-lt"/>
+                <a:cs typeface="+mn-lt"/>
+              </a:rPr>
+              <a:t> e </a:t>
+            </a:r>
+            <a:r>
+              <a:rPr lang="en-US" b="1" dirty="0" err="1">
+                <a:ea typeface="+mn-lt"/>
+                <a:cs typeface="+mn-lt"/>
+              </a:rPr>
+              <a:t>objetivos</a:t>
+            </a:r>
+            <a:r>
+              <a:rPr lang="en-US" b="1" dirty="0">
+                <a:ea typeface="+mn-lt"/>
+                <a:cs typeface="+mn-lt"/>
+              </a:rPr>
+              <a:t>.</a:t>
             </a:r>
           </a:p>
           <a:p>
@@ -3543,28 +4958,309 @@
               <a:defRPr sz="1800"/>
             </a:pPr>
             <a:r>
-              <a:t>Quebrar tarefas em subtarefas (user stories ou técnicas)</a:t>
-            </a:r>
+              <a:rPr lang="en-US" b="1" dirty="0">
+                <a:ea typeface="+mn-lt"/>
+                <a:cs typeface="+mn-lt"/>
+              </a:rPr>
+              <a:t>Sprint Review</a:t>
+            </a:r>
+            <a:br>
+              <a:rPr lang="en-US" b="1" dirty="0">
+                <a:ea typeface="+mn-lt"/>
+                <a:cs typeface="+mn-lt"/>
+              </a:rPr>
+            </a:br>
+            <a:r>
+              <a:rPr lang="en-US" b="1" dirty="0" err="1">
+                <a:ea typeface="+mn-lt"/>
+                <a:cs typeface="+mn-lt"/>
+              </a:rPr>
+              <a:t>Demonstração</a:t>
+            </a:r>
+            <a:r>
+              <a:rPr lang="en-US" b="1" dirty="0">
+                <a:ea typeface="+mn-lt"/>
+                <a:cs typeface="+mn-lt"/>
+              </a:rPr>
+              <a:t> do que </a:t>
+            </a:r>
+            <a:r>
+              <a:rPr lang="en-US" b="1" dirty="0" err="1">
+                <a:ea typeface="+mn-lt"/>
+                <a:cs typeface="+mn-lt"/>
+              </a:rPr>
+              <a:t>foi</a:t>
+            </a:r>
+            <a:r>
+              <a:rPr lang="en-US" b="1" dirty="0">
+                <a:ea typeface="+mn-lt"/>
+                <a:cs typeface="+mn-lt"/>
+              </a:rPr>
+              <a:t> </a:t>
+            </a:r>
+            <a:r>
+              <a:rPr lang="en-US" b="1" dirty="0" err="1">
+                <a:ea typeface="+mn-lt"/>
+                <a:cs typeface="+mn-lt"/>
+              </a:rPr>
+              <a:t>feito</a:t>
+            </a:r>
+            <a:r>
+              <a:rPr lang="en-US" b="1" dirty="0">
+                <a:ea typeface="+mn-lt"/>
+                <a:cs typeface="+mn-lt"/>
+              </a:rPr>
+              <a:t> </a:t>
+            </a:r>
+            <a:r>
+              <a:rPr lang="en-US" b="1" dirty="0" err="1">
+                <a:ea typeface="+mn-lt"/>
+                <a:cs typeface="+mn-lt"/>
+              </a:rPr>
+              <a:t>na</a:t>
+            </a:r>
+            <a:r>
+              <a:rPr lang="en-US" b="1" dirty="0">
+                <a:ea typeface="+mn-lt"/>
+                <a:cs typeface="+mn-lt"/>
+              </a:rPr>
+              <a:t> sprint: </a:t>
+            </a:r>
+            <a:r>
+              <a:rPr lang="en-US" b="1" dirty="0" err="1">
+                <a:ea typeface="+mn-lt"/>
+                <a:cs typeface="+mn-lt"/>
+              </a:rPr>
+              <a:t>apresentação</a:t>
+            </a:r>
+            <a:r>
+              <a:rPr lang="en-US" b="1" dirty="0">
+                <a:ea typeface="+mn-lt"/>
+                <a:cs typeface="+mn-lt"/>
+              </a:rPr>
+              <a:t> de </a:t>
+            </a:r>
+            <a:r>
+              <a:rPr lang="en-US" b="1" dirty="0" err="1">
+                <a:ea typeface="+mn-lt"/>
+                <a:cs typeface="+mn-lt"/>
+              </a:rPr>
+              <a:t>entregas</a:t>
+            </a:r>
+            <a:r>
+              <a:rPr lang="en-US" b="1" dirty="0">
+                <a:ea typeface="+mn-lt"/>
+                <a:cs typeface="+mn-lt"/>
+              </a:rPr>
+              <a:t>, </a:t>
+            </a:r>
+            <a:r>
+              <a:rPr lang="en-US" b="1" dirty="0" err="1">
+                <a:ea typeface="+mn-lt"/>
+                <a:cs typeface="+mn-lt"/>
+              </a:rPr>
+              <a:t>discussões</a:t>
+            </a:r>
+            <a:r>
+              <a:rPr lang="en-US" b="1" dirty="0">
+                <a:ea typeface="+mn-lt"/>
+                <a:cs typeface="+mn-lt"/>
+              </a:rPr>
+              <a:t> e feedback.</a:t>
+            </a:r>
+            <a:endParaRPr lang="en-US" dirty="0">
+              <a:ea typeface="+mn-lt"/>
+              <a:cs typeface="+mn-lt"/>
+            </a:endParaRPr>
           </a:p>
           <a:p>
             <a:pPr>
               <a:defRPr sz="1800"/>
             </a:pPr>
             <a:r>
-              <a:t>Estimar esforço e complexidade</a:t>
-            </a:r>
+              <a:rPr lang="en-US" b="1" dirty="0">
+                <a:ea typeface="+mn-lt"/>
+                <a:cs typeface="+mn-lt"/>
+              </a:rPr>
+              <a:t>Sprint Retrospective</a:t>
+            </a:r>
+            <a:br>
+              <a:rPr lang="en-US" b="1" dirty="0">
+                <a:ea typeface="+mn-lt"/>
+                <a:cs typeface="+mn-lt"/>
+              </a:rPr>
+            </a:br>
+            <a:r>
+              <a:rPr lang="en-US" b="1" dirty="0" err="1">
+                <a:ea typeface="+mn-lt"/>
+                <a:cs typeface="+mn-lt"/>
+              </a:rPr>
+              <a:t>Avaliação</a:t>
+            </a:r>
+            <a:r>
+              <a:rPr lang="en-US" b="1" dirty="0">
+                <a:ea typeface="+mn-lt"/>
+                <a:cs typeface="+mn-lt"/>
+              </a:rPr>
+              <a:t> do </a:t>
+            </a:r>
+            <a:r>
+              <a:rPr lang="en-US" b="1" dirty="0" err="1">
+                <a:ea typeface="+mn-lt"/>
+                <a:cs typeface="+mn-lt"/>
+              </a:rPr>
+              <a:t>processo</a:t>
+            </a:r>
+            <a:r>
+              <a:rPr lang="en-US" b="1" dirty="0">
+                <a:ea typeface="+mn-lt"/>
+                <a:cs typeface="+mn-lt"/>
+              </a:rPr>
+              <a:t>: o que </a:t>
+            </a:r>
+            <a:r>
+              <a:rPr lang="en-US" b="1" dirty="0" err="1">
+                <a:ea typeface="+mn-lt"/>
+                <a:cs typeface="+mn-lt"/>
+              </a:rPr>
+              <a:t>foi</a:t>
+            </a:r>
+            <a:r>
+              <a:rPr lang="en-US" b="1" dirty="0">
+                <a:ea typeface="+mn-lt"/>
+                <a:cs typeface="+mn-lt"/>
+              </a:rPr>
+              <a:t> </a:t>
+            </a:r>
+            <a:r>
+              <a:rPr lang="en-US" b="1" dirty="0" err="1">
+                <a:ea typeface="+mn-lt"/>
+                <a:cs typeface="+mn-lt"/>
+              </a:rPr>
+              <a:t>bem</a:t>
+            </a:r>
+            <a:r>
+              <a:rPr lang="en-US" b="1" dirty="0">
+                <a:ea typeface="+mn-lt"/>
+                <a:cs typeface="+mn-lt"/>
+              </a:rPr>
+              <a:t>, o que </a:t>
+            </a:r>
+            <a:r>
+              <a:rPr lang="en-US" b="1" dirty="0" err="1">
+                <a:ea typeface="+mn-lt"/>
+                <a:cs typeface="+mn-lt"/>
+              </a:rPr>
+              <a:t>pode</a:t>
+            </a:r>
+            <a:r>
+              <a:rPr lang="en-US" b="1" dirty="0">
+                <a:ea typeface="+mn-lt"/>
+                <a:cs typeface="+mn-lt"/>
+              </a:rPr>
+              <a:t> </a:t>
+            </a:r>
+            <a:r>
+              <a:rPr lang="en-US" b="1" dirty="0" err="1">
+                <a:ea typeface="+mn-lt"/>
+                <a:cs typeface="+mn-lt"/>
+              </a:rPr>
+              <a:t>melhorar</a:t>
+            </a:r>
+            <a:r>
+              <a:rPr lang="en-US" b="1" dirty="0">
+                <a:ea typeface="+mn-lt"/>
+                <a:cs typeface="+mn-lt"/>
+              </a:rPr>
+              <a:t> e </a:t>
+            </a:r>
+            <a:r>
+              <a:rPr lang="en-US" b="1" dirty="0" err="1">
+                <a:ea typeface="+mn-lt"/>
+                <a:cs typeface="+mn-lt"/>
+              </a:rPr>
+              <a:t>como</a:t>
+            </a:r>
+            <a:r>
+              <a:rPr lang="en-US" b="1" dirty="0">
+                <a:ea typeface="+mn-lt"/>
+                <a:cs typeface="+mn-lt"/>
+              </a:rPr>
+              <a:t> </a:t>
+            </a:r>
+            <a:r>
+              <a:rPr lang="en-US" b="1" dirty="0" err="1">
+                <a:ea typeface="+mn-lt"/>
+                <a:cs typeface="+mn-lt"/>
+              </a:rPr>
+              <a:t>podemos</a:t>
+            </a:r>
+            <a:r>
+              <a:rPr lang="en-US" b="1" dirty="0">
+                <a:ea typeface="+mn-lt"/>
+                <a:cs typeface="+mn-lt"/>
+              </a:rPr>
+              <a:t> </a:t>
+            </a:r>
+            <a:r>
+              <a:rPr lang="en-US" b="1" dirty="0" err="1">
+                <a:ea typeface="+mn-lt"/>
+                <a:cs typeface="+mn-lt"/>
+              </a:rPr>
+              <a:t>evoluir</a:t>
+            </a:r>
+            <a:r>
+              <a:rPr lang="en-US" b="1" dirty="0">
+                <a:ea typeface="+mn-lt"/>
+                <a:cs typeface="+mn-lt"/>
+              </a:rPr>
+              <a:t> </a:t>
+            </a:r>
+            <a:r>
+              <a:rPr lang="en-US" b="1" dirty="0" err="1">
+                <a:ea typeface="+mn-lt"/>
+                <a:cs typeface="+mn-lt"/>
+              </a:rPr>
+              <a:t>como</a:t>
+            </a:r>
+            <a:r>
+              <a:rPr lang="en-US" b="1" dirty="0">
+                <a:ea typeface="+mn-lt"/>
+                <a:cs typeface="+mn-lt"/>
+              </a:rPr>
+              <a:t> time.</a:t>
+            </a:r>
+            <a:endParaRPr lang="en-US" dirty="0">
+              <a:ea typeface="+mn-lt"/>
+              <a:cs typeface="+mn-lt"/>
+            </a:endParaRPr>
           </a:p>
           <a:p>
             <a:pPr>
               <a:defRPr sz="1800"/>
             </a:pPr>
-            <a:r>
-              <a:t>Atribuir responsáveis por cada tarefa</a:t>
-            </a:r>
+            <a:endParaRPr lang="en-US" b="1" dirty="0">
+              <a:ea typeface="+mn-lt"/>
+              <a:cs typeface="+mn-lt"/>
+            </a:endParaRPr>
+          </a:p>
+          <a:p>
+            <a:pPr>
+              <a:defRPr sz="1800"/>
+            </a:pPr>
+            <a:endParaRPr lang="en-US" sz="2800" dirty="0">
+              <a:ea typeface="Calibri"/>
+              <a:cs typeface="Calibri"/>
+            </a:endParaRPr>
           </a:p>
         </p:txBody>
       </p:sp>
     </p:spTree>
+    <p:extLst>
+      <p:ext uri="{BB962C8B-B14F-4D97-AF65-F5344CB8AC3E}">
+        <p14:creationId xmlns:p14="http://schemas.microsoft.com/office/powerpoint/2010/main" val="2936953551"/>
+      </p:ext>
+    </p:extLst>
   </p:cSld>
   <p:clrMapOvr>
     <a:masterClrMapping/>
@@ -3573,18 +5269,37 @@
 </file>
 
 <file path=ppt/slides/slide5.xml><?xml version="1.0" encoding="utf-8"?>
-<p:sld xmlns:a="http://schemas.openxmlformats.org/drawingml/2006/main" xmlns:p="http://schemas.openxmlformats.org/presentationml/2006/main" xmlns:r="http://schemas.openxmlformats.org/officeDocument/2006/relationships">
+<p:sld xmlns:a="http://schemas.openxmlformats.org/drawingml/2006/main" xmlns:r="http://schemas.openxmlformats.org/officeDocument/2006/relationships" xmlns:p="http://schemas.openxmlformats.org/presentationml/2006/main">
   <p:cSld>
     <p:spTree>
       <p:nvGrpSpPr>
-        <p:cNvPr id="1" name=""/>
+        <p:cNvPr id="1" name="">
+          <a:extLst>
+            <a:ext uri="{FF2B5EF4-FFF2-40B4-BE49-F238E27FC236}">
+              <a16:creationId xmlns:a16="http://schemas.microsoft.com/office/drawing/2014/main" id="{99339852-20DC-EBD0-3376-06A86C5DC509}"/>
+            </a:ext>
+          </a:extLst>
+        </p:cNvPr>
         <p:cNvGrpSpPr/>
         <p:nvPr/>
       </p:nvGrpSpPr>
-      <p:grpSpPr/>
-      <p:sp>
-        <p:nvSpPr>
-          <p:cNvPr id="2" name="Title 1"/>
+      <p:grpSpPr>
+        <a:xfrm>
+          <a:off x="0" y="0"/>
+          <a:ext cx="0" cy="0"/>
+          <a:chOff x="0" y="0"/>
+          <a:chExt cx="0" cy="0"/>
+        </a:xfrm>
+      </p:grpSpPr>
+      <p:sp>
+        <p:nvSpPr>
+          <p:cNvPr id="2" name="Title 1">
+            <a:extLst>
+              <a:ext uri="{FF2B5EF4-FFF2-40B4-BE49-F238E27FC236}">
+                <a16:creationId xmlns:a16="http://schemas.microsoft.com/office/drawing/2014/main" id="{56DEA3B8-C221-2C92-C266-966F8C253A66}"/>
+              </a:ext>
+            </a:extLst>
+          </p:cNvPr>
           <p:cNvSpPr>
             <a:spLocks noGrp="1"/>
           </p:cNvSpPr>
@@ -3594,18 +5309,31 @@
         </p:nvSpPr>
         <p:spPr/>
         <p:txBody>
-          <a:bodyPr/>
-          <a:lstStyle/>
-          <a:p>
-            <a:r>
-              <a:t>Daily Scrum (Simulação)</a:t>
-            </a:r>
-          </a:p>
-        </p:txBody>
-      </p:sp>
-      <p:sp>
-        <p:nvSpPr>
-          <p:cNvPr id="3" name="Content Placeholder 2"/>
+          <a:bodyPr>
+            <a:normAutofit/>
+          </a:bodyPr>
+          <a:lstStyle/>
+          <a:p>
+            <a:r>
+              <a:rPr lang="pt-BR" dirty="0">
+                <a:ea typeface="+mj-lt"/>
+                <a:cs typeface="+mj-lt"/>
+              </a:rPr>
+              <a:t>Organização do Trabalho</a:t>
+            </a:r>
+            <a:endParaRPr lang="pt-BR" dirty="0"/>
+          </a:p>
+        </p:txBody>
+      </p:sp>
+      <p:sp>
+        <p:nvSpPr>
+          <p:cNvPr id="3" name="Content Placeholder 2">
+            <a:extLst>
+              <a:ext uri="{FF2B5EF4-FFF2-40B4-BE49-F238E27FC236}">
+                <a16:creationId xmlns:a16="http://schemas.microsoft.com/office/drawing/2014/main" id="{5A87259C-651F-4BF6-FF36-E05F32E9BD4F}"/>
+              </a:ext>
+            </a:extLst>
+          </p:cNvPr>
           <p:cNvSpPr>
             <a:spLocks noGrp="1"/>
           </p:cNvSpPr>
@@ -3613,54 +5341,145 @@
             <p:ph idx="1"/>
           </p:nvPr>
         </p:nvSpPr>
-        <p:spPr/>
-        <p:txBody>
-          <a:bodyPr/>
-          <a:lstStyle/>
-          <a:p/>
+        <p:spPr>
+          <a:xfrm>
+            <a:off x="457200" y="1413295"/>
+            <a:ext cx="8229600" cy="4827887"/>
+          </a:xfrm>
+        </p:spPr>
+        <p:txBody>
+          <a:bodyPr vert="horz" lIns="91440" tIns="45720" rIns="91440" bIns="45720" rtlCol="0" anchor="t">
+            <a:normAutofit/>
+          </a:bodyPr>
+          <a:lstStyle/>
+          <a:p>
+            <a:r>
+              <a:rPr lang="en-US" dirty="0" err="1">
+                <a:ea typeface="+mn-lt"/>
+                <a:cs typeface="+mn-lt"/>
+              </a:rPr>
+              <a:t>Definição</a:t>
+            </a:r>
+            <a:r>
+              <a:rPr lang="en-US" dirty="0">
+                <a:ea typeface="+mn-lt"/>
+                <a:cs typeface="+mn-lt"/>
+              </a:rPr>
+              <a:t> de Sprints de 1 a 2 </a:t>
+            </a:r>
+            <a:r>
+              <a:rPr lang="en-US" dirty="0" err="1">
+                <a:ea typeface="+mn-lt"/>
+                <a:cs typeface="+mn-lt"/>
+              </a:rPr>
+              <a:t>semanas</a:t>
+            </a:r>
+            <a:r>
+              <a:rPr lang="en-US" dirty="0">
+                <a:ea typeface="+mn-lt"/>
+                <a:cs typeface="+mn-lt"/>
+              </a:rPr>
+              <a:t>.</a:t>
+            </a:r>
+            <a:endParaRPr lang="en-US" b="1" dirty="0">
+              <a:ea typeface="+mn-lt"/>
+              <a:cs typeface="+mn-lt"/>
+            </a:endParaRPr>
+          </a:p>
+          <a:p>
+            <a:r>
+              <a:rPr lang="en-US" dirty="0" err="1">
+                <a:ea typeface="+mn-lt"/>
+                <a:cs typeface="+mn-lt"/>
+              </a:rPr>
+              <a:t>Gestão</a:t>
+            </a:r>
+            <a:r>
+              <a:rPr lang="en-US" dirty="0">
+                <a:ea typeface="+mn-lt"/>
+                <a:cs typeface="+mn-lt"/>
+              </a:rPr>
+              <a:t> de </a:t>
+            </a:r>
+            <a:r>
+              <a:rPr lang="en-US" dirty="0" err="1">
+                <a:ea typeface="+mn-lt"/>
+                <a:cs typeface="+mn-lt"/>
+              </a:rPr>
+              <a:t>tarefas</a:t>
+            </a:r>
+            <a:r>
+              <a:rPr lang="en-US" dirty="0">
+                <a:ea typeface="+mn-lt"/>
+                <a:cs typeface="+mn-lt"/>
+              </a:rPr>
+              <a:t> via GitHub Projects (Kanban).</a:t>
+            </a:r>
+            <a:endParaRPr lang="en-US" dirty="0"/>
+          </a:p>
+          <a:p>
+            <a:r>
+              <a:rPr lang="en-US" dirty="0" err="1">
+                <a:ea typeface="+mn-lt"/>
+                <a:cs typeface="+mn-lt"/>
+              </a:rPr>
+              <a:t>Padronização</a:t>
+            </a:r>
+            <a:r>
+              <a:rPr lang="en-US" dirty="0">
+                <a:ea typeface="+mn-lt"/>
+                <a:cs typeface="+mn-lt"/>
+              </a:rPr>
+              <a:t> de branches, PRs, issues, commits e </a:t>
+            </a:r>
+            <a:r>
+              <a:rPr lang="en-US" dirty="0" err="1">
+                <a:ea typeface="+mn-lt"/>
+                <a:cs typeface="+mn-lt"/>
+              </a:rPr>
+              <a:t>atas</a:t>
+            </a:r>
+            <a:r>
+              <a:rPr lang="en-US" dirty="0">
+                <a:ea typeface="+mn-lt"/>
+                <a:cs typeface="+mn-lt"/>
+              </a:rPr>
+              <a:t>.</a:t>
+            </a:r>
+            <a:endParaRPr lang="en-US" dirty="0"/>
+          </a:p>
+          <a:p>
+            <a:endParaRPr lang="en-US" b="1" dirty="0">
+              <a:ea typeface="+mn-lt"/>
+              <a:cs typeface="+mn-lt"/>
+            </a:endParaRPr>
+          </a:p>
           <a:p>
             <a:pPr>
               <a:defRPr sz="1800"/>
             </a:pPr>
-            <a:r>
-              <a:t>Cada membro responde:</a:t>
-            </a:r>
+            <a:endParaRPr lang="en-US" b="1" dirty="0">
+              <a:ea typeface="+mn-lt"/>
+              <a:cs typeface="+mn-lt"/>
+            </a:endParaRPr>
           </a:p>
           <a:p>
             <a:pPr>
               <a:defRPr sz="1800"/>
             </a:pPr>
-            <a:r>
-              <a:t>1. O que fiz ontem?</a:t>
-            </a:r>
-          </a:p>
-          <a:p>
-            <a:pPr>
-              <a:defRPr sz="1800"/>
-            </a:pPr>
-            <a:r>
-              <a:t>2. O que vou fazer hoje?</a:t>
-            </a:r>
-          </a:p>
-          <a:p>
-            <a:pPr>
-              <a:defRPr sz="1800"/>
-            </a:pPr>
-            <a:r>
-              <a:t>3. Tenho algum impedimento?</a:t>
-            </a:r>
-          </a:p>
-          <a:p>
-            <a:pPr>
-              <a:defRPr sz="1800"/>
-            </a:pPr>
-            <a:r>
-              <a:t>Importância de manter esse hábito diariamente</a:t>
-            </a:r>
+            <a:endParaRPr lang="en-US" sz="2800" dirty="0">
+              <a:ea typeface="Calibri"/>
+              <a:cs typeface="Calibri"/>
+            </a:endParaRPr>
           </a:p>
         </p:txBody>
       </p:sp>
     </p:spTree>
+    <p:extLst>
+      <p:ext uri="{BB962C8B-B14F-4D97-AF65-F5344CB8AC3E}">
+        <p14:creationId xmlns:p14="http://schemas.microsoft.com/office/powerpoint/2010/main" val="3543323657"/>
+      </p:ext>
+    </p:extLst>
   </p:cSld>
   <p:clrMapOvr>
     <a:masterClrMapping/>
@@ -3669,7 +5488,7 @@
 </file>
 
 <file path=ppt/slides/slide6.xml><?xml version="1.0" encoding="utf-8"?>
-<p:sld xmlns:a="http://schemas.openxmlformats.org/drawingml/2006/main" xmlns:p="http://schemas.openxmlformats.org/presentationml/2006/main" xmlns:r="http://schemas.openxmlformats.org/officeDocument/2006/relationships">
+<p:sld xmlns:a="http://schemas.openxmlformats.org/drawingml/2006/main" xmlns:r="http://schemas.openxmlformats.org/officeDocument/2006/relationships" xmlns:p="http://schemas.openxmlformats.org/presentationml/2006/main">
   <p:cSld>
     <p:spTree>
       <p:nvGrpSpPr>
@@ -3677,7 +5496,14 @@
         <p:cNvGrpSpPr/>
         <p:nvPr/>
       </p:nvGrpSpPr>
-      <p:grpSpPr/>
+      <p:grpSpPr>
+        <a:xfrm>
+          <a:off x="0" y="0"/>
+          <a:ext cx="0" cy="0"/>
+          <a:chOff x="0" y="0"/>
+          <a:chExt cx="0" cy="0"/>
+        </a:xfrm>
+      </p:grpSpPr>
       <p:sp>
         <p:nvSpPr>
           <p:cNvPr id="2" name="Title 1"/>
@@ -3713,7 +5539,9 @@
         <p:txBody>
           <a:bodyPr/>
           <a:lstStyle/>
-          <a:p/>
+          <a:p>
+            <a:endParaRPr/>
+          </a:p>
           <a:p>
             <a:pPr>
               <a:defRPr sz="1800"/>
@@ -3757,7 +5585,7 @@
 </file>
 
 <file path=ppt/slides/slide7.xml><?xml version="1.0" encoding="utf-8"?>
-<p:sld xmlns:a="http://schemas.openxmlformats.org/drawingml/2006/main" xmlns:p="http://schemas.openxmlformats.org/presentationml/2006/main" xmlns:r="http://schemas.openxmlformats.org/officeDocument/2006/relationships">
+<p:sld xmlns:a="http://schemas.openxmlformats.org/drawingml/2006/main" xmlns:r="http://schemas.openxmlformats.org/officeDocument/2006/relationships" xmlns:p="http://schemas.openxmlformats.org/presentationml/2006/main">
   <p:cSld>
     <p:spTree>
       <p:nvGrpSpPr>
@@ -3765,7 +5593,14 @@
         <p:cNvGrpSpPr/>
         <p:nvPr/>
       </p:nvGrpSpPr>
-      <p:grpSpPr/>
+      <p:grpSpPr>
+        <a:xfrm>
+          <a:off x="0" y="0"/>
+          <a:ext cx="0" cy="0"/>
+          <a:chOff x="0" y="0"/>
+          <a:chExt cx="0" cy="0"/>
+        </a:xfrm>
+      </p:grpSpPr>
       <p:sp>
         <p:nvSpPr>
           <p:cNvPr id="2" name="Title 1"/>
@@ -3801,7 +5636,9 @@
         <p:txBody>
           <a:bodyPr/>
           <a:lstStyle/>
-          <a:p/>
+          <a:p>
+            <a:endParaRPr/>
+          </a:p>
           <a:p>
             <a:pPr>
               <a:defRPr sz="1800"/>
@@ -3837,7 +5674,7 @@
 </file>
 
 <file path=ppt/slides/slide8.xml><?xml version="1.0" encoding="utf-8"?>
-<p:sld xmlns:a="http://schemas.openxmlformats.org/drawingml/2006/main" xmlns:p="http://schemas.openxmlformats.org/presentationml/2006/main" xmlns:r="http://schemas.openxmlformats.org/officeDocument/2006/relationships">
+<p:sld xmlns:a="http://schemas.openxmlformats.org/drawingml/2006/main" xmlns:r="http://schemas.openxmlformats.org/officeDocument/2006/relationships" xmlns:p="http://schemas.openxmlformats.org/presentationml/2006/main">
   <p:cSld>
     <p:spTree>
       <p:nvGrpSpPr>
@@ -3845,7 +5682,14 @@
         <p:cNvGrpSpPr/>
         <p:nvPr/>
       </p:nvGrpSpPr>
-      <p:grpSpPr/>
+      <p:grpSpPr>
+        <a:xfrm>
+          <a:off x="0" y="0"/>
+          <a:ext cx="0" cy="0"/>
+          <a:chOff x="0" y="0"/>
+          <a:chExt cx="0" cy="0"/>
+        </a:xfrm>
+      </p:grpSpPr>
       <p:sp>
         <p:nvSpPr>
           <p:cNvPr id="2" name="Title 1"/>
@@ -3881,7 +5725,9 @@
         <p:txBody>
           <a:bodyPr/>
           <a:lstStyle/>
-          <a:p/>
+          <a:p>
+            <a:endParaRPr/>
+          </a:p>
           <a:p>
             <a:pPr>
               <a:defRPr sz="1800"/>
@@ -3917,7 +5763,7 @@
 </file>
 
 <file path=ppt/slides/slide9.xml><?xml version="1.0" encoding="utf-8"?>
-<p:sld xmlns:a="http://schemas.openxmlformats.org/drawingml/2006/main" xmlns:p="http://schemas.openxmlformats.org/presentationml/2006/main" xmlns:r="http://schemas.openxmlformats.org/officeDocument/2006/relationships">
+<p:sld xmlns:a="http://schemas.openxmlformats.org/drawingml/2006/main" xmlns:r="http://schemas.openxmlformats.org/officeDocument/2006/relationships" xmlns:p="http://schemas.openxmlformats.org/presentationml/2006/main">
   <p:cSld>
     <p:spTree>
       <p:nvGrpSpPr>
@@ -3925,7 +5771,14 @@
         <p:cNvGrpSpPr/>
         <p:nvPr/>
       </p:nvGrpSpPr>
-      <p:grpSpPr/>
+      <p:grpSpPr>
+        <a:xfrm>
+          <a:off x="0" y="0"/>
+          <a:ext cx="0" cy="0"/>
+          <a:chOff x="0" y="0"/>
+          <a:chExt cx="0" cy="0"/>
+        </a:xfrm>
+      </p:grpSpPr>
       <p:sp>
         <p:nvSpPr>
           <p:cNvPr id="2" name="Title 1"/>
@@ -3961,7 +5814,9 @@
         <p:txBody>
           <a:bodyPr/>
           <a:lstStyle/>
-          <a:p/>
+          <a:p>
+            <a:endParaRPr/>
+          </a:p>
           <a:p>
             <a:pPr>
               <a:defRPr sz="1800"/>

--- a/meetings/6th_Weekly copy/Roteiro_Reuniao_Projeto_ATOM_Agil.pptx
+++ b/meetings/6th_Weekly copy/Roteiro_Reuniao_Projeto_ATOM_Agil.pptx
@@ -136,6 +136,7 @@
 <file path=ppt/revisionInfo.xml><?xml version="1.0" encoding="utf-8"?>
 <p1510:revInfo xmlns:a="http://schemas.openxmlformats.org/drawingml/2006/main" xmlns:r="http://schemas.openxmlformats.org/officeDocument/2006/relationships" xmlns:p1510="http://schemas.microsoft.com/office/powerpoint/2015/10/main">
   <p1510:revLst>
+    <p1510:client id="{7B78809C-491C-658C-E491-A92FBC0F4BD3}" v="1" dt="2025-05-22T11:58:11.895"/>
     <p1510:client id="{903A3C08-9C03-894E-DB6A-884FCE974BFB}" v="107" dt="2025-05-21T22:49:56.296"/>
   </p1510:revLst>
 </p1510:revInfo>
@@ -342,6 +343,30 @@
       </pc:sldChg>
     </pc:docChg>
   </pc:docChgLst>
+  <pc:docChgLst>
+    <pc:chgData name="ENZO ROCHA LEITE DINIZ RIBAS" userId="S::d24642@academico.domhelder.edu.br::35eca339-42ba-47dc-aa9f-ef71efd30726" providerId="AD" clId="Web-{7B78809C-491C-658C-E491-A92FBC0F4BD3}"/>
+    <pc:docChg chg="modSld">
+      <pc:chgData name="ENZO ROCHA LEITE DINIZ RIBAS" userId="S::d24642@academico.domhelder.edu.br::35eca339-42ba-47dc-aa9f-ef71efd30726" providerId="AD" clId="Web-{7B78809C-491C-658C-E491-A92FBC0F4BD3}" dt="2025-05-22T11:58:11.895" v="0" actId="20577"/>
+      <pc:docMkLst>
+        <pc:docMk/>
+      </pc:docMkLst>
+      <pc:sldChg chg="modSp">
+        <pc:chgData name="ENZO ROCHA LEITE DINIZ RIBAS" userId="S::d24642@academico.domhelder.edu.br::35eca339-42ba-47dc-aa9f-ef71efd30726" providerId="AD" clId="Web-{7B78809C-491C-658C-E491-A92FBC0F4BD3}" dt="2025-05-22T11:58:11.895" v="0" actId="20577"/>
+        <pc:sldMkLst>
+          <pc:docMk/>
+          <pc:sldMk cId="3543323657" sldId="269"/>
+        </pc:sldMkLst>
+        <pc:spChg chg="mod">
+          <ac:chgData name="ENZO ROCHA LEITE DINIZ RIBAS" userId="S::d24642@academico.domhelder.edu.br::35eca339-42ba-47dc-aa9f-ef71efd30726" providerId="AD" clId="Web-{7B78809C-491C-658C-E491-A92FBC0F4BD3}" dt="2025-05-22T11:58:11.895" v="0" actId="20577"/>
+          <ac:spMkLst>
+            <pc:docMk/>
+            <pc:sldMk cId="3543323657" sldId="269"/>
+            <ac:spMk id="2" creationId="{56DEA3B8-C221-2C92-C266-966F8C253A66}"/>
+          </ac:spMkLst>
+        </pc:spChg>
+      </pc:sldChg>
+    </pc:docChg>
+  </pc:docChgLst>
 </pc:chgInfo>
 </file>
 
@@ -524,7 +549,7 @@
           <a:p>
             <a:fld id="{5BCAD085-E8A6-8845-BD4E-CB4CCA059FC4}" type="datetimeFigureOut">
               <a:rPr lang="en-US" smtClean="0"/>
-              <a:t>5/21/2025</a:t>
+              <a:t>5/22/2025</a:t>
             </a:fld>
             <a:endParaRPr lang="en-US"/>
           </a:p>
@@ -566,7 +591,7 @@
           <a:p>
             <a:fld id="{C1FF6DA9-008F-8B48-92A6-B652298478BF}" type="slidenum">
               <a:rPr lang="en-US" smtClean="0"/>
-              <a:t>‹nº›</a:t>
+              <a:t>‹#›</a:t>
             </a:fld>
             <a:endParaRPr lang="en-US"/>
           </a:p>
@@ -692,7 +717,7 @@
           <a:p>
             <a:fld id="{5BCAD085-E8A6-8845-BD4E-CB4CCA059FC4}" type="datetimeFigureOut">
               <a:rPr lang="en-US" smtClean="0"/>
-              <a:t>5/21/2025</a:t>
+              <a:t>5/22/2025</a:t>
             </a:fld>
             <a:endParaRPr lang="en-US"/>
           </a:p>
@@ -734,7 +759,7 @@
           <a:p>
             <a:fld id="{C1FF6DA9-008F-8B48-92A6-B652298478BF}" type="slidenum">
               <a:rPr lang="en-US" smtClean="0"/>
-              <a:t>‹nº›</a:t>
+              <a:t>‹#›</a:t>
             </a:fld>
             <a:endParaRPr lang="en-US"/>
           </a:p>
@@ -870,7 +895,7 @@
           <a:p>
             <a:fld id="{5BCAD085-E8A6-8845-BD4E-CB4CCA059FC4}" type="datetimeFigureOut">
               <a:rPr lang="en-US" smtClean="0"/>
-              <a:t>5/21/2025</a:t>
+              <a:t>5/22/2025</a:t>
             </a:fld>
             <a:endParaRPr lang="en-US"/>
           </a:p>
@@ -912,7 +937,7 @@
           <a:p>
             <a:fld id="{C1FF6DA9-008F-8B48-92A6-B652298478BF}" type="slidenum">
               <a:rPr lang="en-US" smtClean="0"/>
-              <a:t>‹nº›</a:t>
+              <a:t>‹#›</a:t>
             </a:fld>
             <a:endParaRPr lang="en-US"/>
           </a:p>
@@ -1038,7 +1063,7 @@
           <a:p>
             <a:fld id="{5BCAD085-E8A6-8845-BD4E-CB4CCA059FC4}" type="datetimeFigureOut">
               <a:rPr lang="en-US" smtClean="0"/>
-              <a:t>5/21/2025</a:t>
+              <a:t>5/22/2025</a:t>
             </a:fld>
             <a:endParaRPr lang="en-US"/>
           </a:p>
@@ -1080,7 +1105,7 @@
           <a:p>
             <a:fld id="{C1FF6DA9-008F-8B48-92A6-B652298478BF}" type="slidenum">
               <a:rPr lang="en-US" smtClean="0"/>
-              <a:t>‹nº›</a:t>
+              <a:t>‹#›</a:t>
             </a:fld>
             <a:endParaRPr lang="en-US"/>
           </a:p>
@@ -1283,7 +1308,7 @@
           <a:p>
             <a:fld id="{5BCAD085-E8A6-8845-BD4E-CB4CCA059FC4}" type="datetimeFigureOut">
               <a:rPr lang="en-US" smtClean="0"/>
-              <a:t>5/21/2025</a:t>
+              <a:t>5/22/2025</a:t>
             </a:fld>
             <a:endParaRPr lang="en-US"/>
           </a:p>
@@ -1325,7 +1350,7 @@
           <a:p>
             <a:fld id="{C1FF6DA9-008F-8B48-92A6-B652298478BF}" type="slidenum">
               <a:rPr lang="en-US" smtClean="0"/>
-              <a:t>‹nº›</a:t>
+              <a:t>‹#›</a:t>
             </a:fld>
             <a:endParaRPr lang="en-US"/>
           </a:p>
@@ -1568,7 +1593,7 @@
           <a:p>
             <a:fld id="{5BCAD085-E8A6-8845-BD4E-CB4CCA059FC4}" type="datetimeFigureOut">
               <a:rPr lang="en-US" smtClean="0"/>
-              <a:t>5/21/2025</a:t>
+              <a:t>5/22/2025</a:t>
             </a:fld>
             <a:endParaRPr lang="en-US"/>
           </a:p>
@@ -1610,7 +1635,7 @@
           <a:p>
             <a:fld id="{C1FF6DA9-008F-8B48-92A6-B652298478BF}" type="slidenum">
               <a:rPr lang="en-US" smtClean="0"/>
-              <a:t>‹nº›</a:t>
+              <a:t>‹#›</a:t>
             </a:fld>
             <a:endParaRPr lang="en-US"/>
           </a:p>
@@ -1987,7 +2012,7 @@
           <a:p>
             <a:fld id="{5BCAD085-E8A6-8845-BD4E-CB4CCA059FC4}" type="datetimeFigureOut">
               <a:rPr lang="en-US" smtClean="0"/>
-              <a:t>5/21/2025</a:t>
+              <a:t>5/22/2025</a:t>
             </a:fld>
             <a:endParaRPr lang="en-US"/>
           </a:p>
@@ -2029,7 +2054,7 @@
           <a:p>
             <a:fld id="{C1FF6DA9-008F-8B48-92A6-B652298478BF}" type="slidenum">
               <a:rPr lang="en-US" smtClean="0"/>
-              <a:t>‹nº›</a:t>
+              <a:t>‹#›</a:t>
             </a:fld>
             <a:endParaRPr lang="en-US"/>
           </a:p>
@@ -2104,7 +2129,7 @@
           <a:p>
             <a:fld id="{5BCAD085-E8A6-8845-BD4E-CB4CCA059FC4}" type="datetimeFigureOut">
               <a:rPr lang="en-US" smtClean="0"/>
-              <a:t>5/21/2025</a:t>
+              <a:t>5/22/2025</a:t>
             </a:fld>
             <a:endParaRPr lang="en-US"/>
           </a:p>
@@ -2146,7 +2171,7 @@
           <a:p>
             <a:fld id="{C1FF6DA9-008F-8B48-92A6-B652298478BF}" type="slidenum">
               <a:rPr lang="en-US" smtClean="0"/>
-              <a:t>‹nº›</a:t>
+              <a:t>‹#›</a:t>
             </a:fld>
             <a:endParaRPr lang="en-US"/>
           </a:p>
@@ -2199,7 +2224,7 @@
           <a:p>
             <a:fld id="{5BCAD085-E8A6-8845-BD4E-CB4CCA059FC4}" type="datetimeFigureOut">
               <a:rPr lang="en-US" smtClean="0"/>
-              <a:t>5/21/2025</a:t>
+              <a:t>5/22/2025</a:t>
             </a:fld>
             <a:endParaRPr lang="en-US"/>
           </a:p>
@@ -2241,7 +2266,7 @@
           <a:p>
             <a:fld id="{C1FF6DA9-008F-8B48-92A6-B652298478BF}" type="slidenum">
               <a:rPr lang="en-US" smtClean="0"/>
-              <a:t>‹nº›</a:t>
+              <a:t>‹#›</a:t>
             </a:fld>
             <a:endParaRPr lang="en-US"/>
           </a:p>
@@ -2474,7 +2499,7 @@
           <a:p>
             <a:fld id="{5BCAD085-E8A6-8845-BD4E-CB4CCA059FC4}" type="datetimeFigureOut">
               <a:rPr lang="en-US" smtClean="0"/>
-              <a:t>5/21/2025</a:t>
+              <a:t>5/22/2025</a:t>
             </a:fld>
             <a:endParaRPr lang="en-US"/>
           </a:p>
@@ -2516,7 +2541,7 @@
           <a:p>
             <a:fld id="{C1FF6DA9-008F-8B48-92A6-B652298478BF}" type="slidenum">
               <a:rPr lang="en-US" smtClean="0"/>
-              <a:t>‹nº›</a:t>
+              <a:t>‹#›</a:t>
             </a:fld>
             <a:endParaRPr lang="en-US"/>
           </a:p>
@@ -2726,7 +2751,7 @@
           <a:p>
             <a:fld id="{5BCAD085-E8A6-8845-BD4E-CB4CCA059FC4}" type="datetimeFigureOut">
               <a:rPr lang="en-US" smtClean="0"/>
-              <a:t>5/21/2025</a:t>
+              <a:t>5/22/2025</a:t>
             </a:fld>
             <a:endParaRPr lang="en-US"/>
           </a:p>
@@ -2768,7 +2793,7 @@
           <a:p>
             <a:fld id="{C1FF6DA9-008F-8B48-92A6-B652298478BF}" type="slidenum">
               <a:rPr lang="en-US" smtClean="0"/>
-              <a:t>‹nº›</a:t>
+              <a:t>‹#›</a:t>
             </a:fld>
             <a:endParaRPr lang="en-US"/>
           </a:p>
@@ -2937,7 +2962,7 @@
           <a:p>
             <a:fld id="{5BCAD085-E8A6-8845-BD4E-CB4CCA059FC4}" type="datetimeFigureOut">
               <a:rPr lang="en-US" smtClean="0"/>
-              <a:t>5/21/2025</a:t>
+              <a:t>5/22/2025</a:t>
             </a:fld>
             <a:endParaRPr lang="en-US"/>
           </a:p>
@@ -3015,7 +3040,7 @@
           <a:p>
             <a:fld id="{C1FF6DA9-008F-8B48-92A6-B652298478BF}" type="slidenum">
               <a:rPr lang="en-US" smtClean="0"/>
-              <a:t>‹nº›</a:t>
+              <a:t>‹#›</a:t>
             </a:fld>
             <a:endParaRPr lang="en-US"/>
           </a:p>
@@ -3408,26 +3433,24 @@
               <a:defRPr sz="1800"/>
             </a:pPr>
             <a:r>
-              <a:rPr dirty="0" err="1"/>
+              <a:rPr err="1"/>
               <a:t>Avaliação</a:t>
             </a:r>
             <a:r>
-              <a:rPr dirty="0"/>
               <a:t> do </a:t>
             </a:r>
             <a:r>
-              <a:rPr dirty="0" err="1"/>
+              <a:rPr err="1"/>
               <a:t>progresso</a:t>
             </a:r>
             <a:r>
-              <a:rPr dirty="0"/>
               <a:t> </a:t>
             </a:r>
             <a:r>
-              <a:rPr dirty="0" err="1"/>
+              <a:rPr err="1"/>
               <a:t>atual</a:t>
             </a:r>
-            <a:endParaRPr dirty="0" err="1">
+            <a:endParaRPr err="1">
               <a:ea typeface="Calibri"/>
               <a:cs typeface="Calibri"/>
             </a:endParaRPr>
@@ -3437,34 +3460,31 @@
               <a:defRPr sz="1800"/>
             </a:pPr>
             <a:r>
-              <a:rPr dirty="0" err="1"/>
+              <a:rPr err="1"/>
               <a:t>Definição</a:t>
             </a:r>
             <a:r>
-              <a:rPr dirty="0"/>
               <a:t> de </a:t>
             </a:r>
             <a:r>
-              <a:rPr dirty="0" err="1"/>
+              <a:rPr err="1"/>
               <a:t>novas</a:t>
             </a:r>
             <a:r>
-              <a:rPr dirty="0"/>
               <a:t> </a:t>
             </a:r>
             <a:r>
-              <a:rPr dirty="0" err="1"/>
+              <a:rPr err="1"/>
               <a:t>tarefas</a:t>
             </a:r>
             <a:r>
-              <a:rPr dirty="0"/>
               <a:t> e </a:t>
             </a:r>
             <a:r>
-              <a:rPr dirty="0" err="1"/>
+              <a:rPr err="1"/>
               <a:t>prioridades</a:t>
             </a:r>
-            <a:endParaRPr dirty="0" err="1">
+            <a:endParaRPr err="1">
               <a:ea typeface="Calibri"/>
               <a:cs typeface="Calibri"/>
             </a:endParaRPr>
@@ -3474,45 +3494,40 @@
               <a:defRPr sz="1800"/>
             </a:pPr>
             <a:r>
-              <a:rPr dirty="0"/>
               <a:t>Atualização do quadro de tarefas </a:t>
             </a:r>
-            <a:endParaRPr lang="pt-BR" dirty="0"/>
+            <a:endParaRPr lang="pt-BR"/>
           </a:p>
           <a:p>
             <a:pPr>
               <a:defRPr sz="1800"/>
             </a:pPr>
             <a:r>
-              <a:rPr dirty="0" err="1"/>
+              <a:rPr err="1"/>
               <a:t>Alinhamento</a:t>
             </a:r>
             <a:r>
-              <a:rPr dirty="0"/>
               <a:t> com </a:t>
             </a:r>
             <a:r>
-              <a:rPr dirty="0" err="1"/>
+              <a:rPr err="1"/>
               <a:t>os</a:t>
             </a:r>
             <a:r>
-              <a:rPr dirty="0"/>
               <a:t> </a:t>
             </a:r>
             <a:r>
-              <a:rPr dirty="0" err="1"/>
+              <a:rPr err="1"/>
               <a:t>papéis</a:t>
             </a:r>
             <a:r>
-              <a:rPr dirty="0"/>
               <a:t> da equipe (PO, </a:t>
             </a:r>
             <a:r>
-              <a:rPr dirty="0" err="1"/>
+              <a:rPr err="1"/>
               <a:t>devs</a:t>
             </a:r>
             <a:r>
-              <a:rPr dirty="0"/>
               <a:t>, etc.)</a:t>
             </a:r>
             <a:endParaRPr>
@@ -3570,30 +3585,30 @@
           <a:lstStyle/>
           <a:p>
             <a:r>
-              <a:rPr lang="pt-BR" dirty="0" err="1"/>
+              <a:rPr lang="pt-BR" err="1"/>
               <a:t>Thank</a:t>
             </a:r>
             <a:r>
-              <a:rPr lang="pt-BR" dirty="0"/>
+              <a:rPr lang="pt-BR"/>
               <a:t> </a:t>
             </a:r>
             <a:r>
-              <a:rPr lang="pt-BR" dirty="0" err="1"/>
+              <a:rPr lang="pt-BR" err="1"/>
               <a:t>You</a:t>
             </a:r>
             <a:r>
-              <a:rPr lang="pt-BR" dirty="0"/>
+              <a:rPr lang="pt-BR"/>
               <a:t> </a:t>
             </a:r>
             <a:r>
-              <a:rPr lang="pt-BR" dirty="0" err="1"/>
+              <a:rPr lang="pt-BR" err="1"/>
               <a:t>Very</a:t>
             </a:r>
             <a:r>
-              <a:rPr lang="pt-BR" dirty="0"/>
+              <a:rPr lang="pt-BR"/>
               <a:t> Much!</a:t>
             </a:r>
-            <a:endParaRPr lang="en-US" dirty="0"/>
+            <a:endParaRPr lang="en-US"/>
           </a:p>
         </p:txBody>
       </p:sp>
@@ -3638,7 +3653,7 @@
           <a:lstStyle/>
           <a:p>
             <a:r>
-              <a:rPr lang="pt-BR" dirty="0"/>
+              <a:rPr lang="pt-BR"/>
               <a:t>🚀 Adoção da Metodologia Scrum</a:t>
             </a:r>
           </a:p>
@@ -3662,20 +3677,20 @@
           <a:lstStyle/>
           <a:p>
             <a:r>
-              <a:rPr lang="en-US" dirty="0">
+              <a:rPr lang="en-US">
                 <a:ea typeface="+mn-lt"/>
                 <a:cs typeface="+mn-lt"/>
               </a:rPr>
               <a:t>🔍 </a:t>
             </a:r>
             <a:r>
-              <a:rPr lang="en-US" b="1" dirty="0">
+              <a:rPr lang="en-US" b="1">
                 <a:ea typeface="+mn-lt"/>
                 <a:cs typeface="+mn-lt"/>
               </a:rPr>
               <a:t>O que é Scrum</a:t>
             </a:r>
-            <a:endParaRPr lang="pt-BR" dirty="0">
+            <a:endParaRPr lang="pt-BR">
               <a:ea typeface="Calibri"/>
               <a:cs typeface="Calibri"/>
             </a:endParaRPr>
@@ -3685,7 +3700,7 @@
               <a:defRPr sz="1800"/>
             </a:pPr>
             <a:r>
-              <a:rPr lang="en-US" sz="2800" dirty="0">
+              <a:rPr lang="en-US" sz="2800">
                 <a:ea typeface="+mn-lt"/>
                 <a:cs typeface="+mn-lt"/>
               </a:rPr>
@@ -3699,7 +3714,7 @@
               <a:t>contínua</a:t>
             </a:r>
             <a:r>
-              <a:rPr lang="en-US" sz="2800" dirty="0">
+              <a:rPr lang="en-US" sz="2800">
                 <a:ea typeface="+mn-lt"/>
                 <a:cs typeface="+mn-lt"/>
               </a:rPr>
@@ -3711,14 +3726,14 @@
               <a:defRPr sz="1800"/>
             </a:pPr>
             <a:r>
-              <a:rPr lang="en-US" sz="2800" b="1" dirty="0">
+              <a:rPr lang="en-US" sz="2800" b="1">
                 <a:ea typeface="+mn-lt"/>
                 <a:cs typeface="+mn-lt"/>
               </a:rPr>
               <a:t>Sprints</a:t>
             </a:r>
             <a:r>
-              <a:rPr lang="en-US" sz="2800" dirty="0">
+              <a:rPr lang="en-US" sz="2800">
                 <a:ea typeface="+mn-lt"/>
                 <a:cs typeface="+mn-lt"/>
               </a:rPr>
@@ -3737,7 +3752,7 @@
               <a:t>Priorizando</a:t>
             </a:r>
             <a:r>
-              <a:rPr lang="en-US" sz="2800" dirty="0">
+              <a:rPr lang="en-US" sz="2800">
                 <a:ea typeface="+mn-lt"/>
                 <a:cs typeface="+mn-lt"/>
               </a:rPr>
@@ -3760,7 +3775,7 @@
               <a:defRPr sz="1800"/>
             </a:pPr>
             <a:r>
-              <a:rPr lang="en-US" sz="2800" dirty="0">
+              <a:rPr lang="en-US" sz="2800">
                 <a:ea typeface="+mn-lt"/>
                 <a:cs typeface="+mn-lt"/>
               </a:rPr>
@@ -3774,13 +3789,13 @@
               <a:t>constante</a:t>
             </a:r>
             <a:r>
-              <a:rPr lang="en-US" sz="2800" dirty="0">
+              <a:rPr lang="en-US" sz="2800">
                 <a:ea typeface="+mn-lt"/>
                 <a:cs typeface="+mn-lt"/>
               </a:rPr>
               <a:t>.</a:t>
             </a:r>
-            <a:endParaRPr lang="en-US" sz="2800" dirty="0">
+            <a:endParaRPr lang="en-US" sz="2800">
               <a:ea typeface="Calibri"/>
               <a:cs typeface="Calibri"/>
             </a:endParaRPr>
@@ -3842,20 +3857,20 @@
           <a:lstStyle/>
           <a:p>
             <a:r>
-              <a:rPr lang="pt-BR" dirty="0">
+              <a:rPr lang="pt-BR">
                 <a:ea typeface="+mj-lt"/>
                 <a:cs typeface="+mj-lt"/>
               </a:rPr>
               <a:t>🏗️ </a:t>
             </a:r>
             <a:r>
-              <a:rPr lang="pt-BR" b="1" dirty="0">
+              <a:rPr lang="pt-BR" b="1">
                 <a:ea typeface="+mj-lt"/>
                 <a:cs typeface="+mj-lt"/>
               </a:rPr>
               <a:t>Papéis no Scrum no Projeto ATOM</a:t>
             </a:r>
-            <a:endParaRPr lang="pt-BR" dirty="0"/>
+            <a:endParaRPr lang="pt-BR"/>
           </a:p>
         </p:txBody>
       </p:sp>
@@ -3888,20 +3903,20 @@
           <a:lstStyle/>
           <a:p>
             <a:r>
-              <a:rPr lang="en-US" dirty="0">
+              <a:rPr lang="en-US">
                 <a:ea typeface="+mn-lt"/>
                 <a:cs typeface="+mn-lt"/>
               </a:rPr>
               <a:t>🔍 </a:t>
             </a:r>
             <a:r>
-              <a:rPr lang="en-US" b="1" dirty="0">
+              <a:rPr lang="en-US" b="1">
                 <a:ea typeface="+mn-lt"/>
                 <a:cs typeface="+mn-lt"/>
               </a:rPr>
               <a:t>O que é Scrum</a:t>
             </a:r>
-            <a:endParaRPr lang="pt-BR" dirty="0">
+            <a:endParaRPr lang="pt-BR">
               <a:ea typeface="Calibri"/>
               <a:cs typeface="Calibri"/>
             </a:endParaRPr>
@@ -3911,223 +3926,223 @@
               <a:defRPr sz="1800"/>
             </a:pPr>
             <a:r>
-              <a:rPr lang="en-US" sz="2800" b="1" dirty="0">
+              <a:rPr lang="en-US" sz="2800" b="1">
                 <a:ea typeface="+mn-lt"/>
                 <a:cs typeface="+mn-lt"/>
               </a:rPr>
               <a:t>Product Owner (PO) — Enzo Ribas</a:t>
             </a:r>
             <a:br>
-              <a:rPr lang="en-US" sz="2800" b="1" dirty="0">
+              <a:rPr lang="en-US" sz="2800" b="1">
                 <a:ea typeface="+mn-lt"/>
                 <a:cs typeface="+mn-lt"/>
               </a:rPr>
             </a:br>
             <a:r>
-              <a:rPr lang="en-US" sz="2800" b="1" dirty="0" err="1">
+              <a:rPr lang="en-US" sz="2800" b="1" err="1">
                 <a:ea typeface="+mn-lt"/>
                 <a:cs typeface="+mn-lt"/>
               </a:rPr>
               <a:t>Responsável</a:t>
             </a:r>
             <a:r>
-              <a:rPr lang="en-US" sz="2800" b="1" dirty="0">
+              <a:rPr lang="en-US" sz="2800" b="1">
                 <a:ea typeface="+mn-lt"/>
                 <a:cs typeface="+mn-lt"/>
               </a:rPr>
               <a:t> </a:t>
             </a:r>
             <a:r>
-              <a:rPr lang="en-US" sz="2800" b="1" dirty="0" err="1">
+              <a:rPr lang="en-US" sz="2800" b="1" err="1">
                 <a:ea typeface="+mn-lt"/>
                 <a:cs typeface="+mn-lt"/>
               </a:rPr>
               <a:t>por</a:t>
             </a:r>
             <a:r>
-              <a:rPr lang="en-US" sz="2800" b="1" dirty="0">
+              <a:rPr lang="en-US" sz="2800" b="1">
                 <a:ea typeface="+mn-lt"/>
                 <a:cs typeface="+mn-lt"/>
               </a:rPr>
               <a:t> </a:t>
             </a:r>
             <a:r>
-              <a:rPr lang="en-US" sz="2800" b="1" dirty="0" err="1">
+              <a:rPr lang="en-US" sz="2800" b="1" err="1">
                 <a:ea typeface="+mn-lt"/>
                 <a:cs typeface="+mn-lt"/>
               </a:rPr>
               <a:t>priorizar</a:t>
             </a:r>
             <a:r>
-              <a:rPr lang="en-US" sz="2800" b="1" dirty="0">
+              <a:rPr lang="en-US" sz="2800" b="1">
                 <a:ea typeface="+mn-lt"/>
                 <a:cs typeface="+mn-lt"/>
               </a:rPr>
               <a:t> as </a:t>
             </a:r>
             <a:r>
-              <a:rPr lang="en-US" sz="2800" b="1" dirty="0" err="1">
+              <a:rPr lang="en-US" sz="2800" b="1" err="1">
                 <a:ea typeface="+mn-lt"/>
                 <a:cs typeface="+mn-lt"/>
               </a:rPr>
               <a:t>tarefas</a:t>
             </a:r>
             <a:r>
-              <a:rPr lang="en-US" sz="2800" b="1" dirty="0">
+              <a:rPr lang="en-US" sz="2800" b="1">
                 <a:ea typeface="+mn-lt"/>
                 <a:cs typeface="+mn-lt"/>
               </a:rPr>
               <a:t>, </a:t>
             </a:r>
             <a:r>
-              <a:rPr lang="en-US" sz="2800" b="1" dirty="0" err="1">
+              <a:rPr lang="en-US" sz="2800" b="1" err="1">
                 <a:ea typeface="+mn-lt"/>
                 <a:cs typeface="+mn-lt"/>
               </a:rPr>
               <a:t>definir</a:t>
             </a:r>
             <a:r>
-              <a:rPr lang="en-US" sz="2800" b="1" dirty="0">
+              <a:rPr lang="en-US" sz="2800" b="1">
                 <a:ea typeface="+mn-lt"/>
                 <a:cs typeface="+mn-lt"/>
               </a:rPr>
               <a:t> o que </a:t>
             </a:r>
             <a:r>
-              <a:rPr lang="en-US" sz="2800" b="1" dirty="0" err="1">
+              <a:rPr lang="en-US" sz="2800" b="1" err="1">
                 <a:ea typeface="+mn-lt"/>
                 <a:cs typeface="+mn-lt"/>
               </a:rPr>
               <a:t>deve</a:t>
             </a:r>
             <a:r>
-              <a:rPr lang="en-US" sz="2800" b="1" dirty="0">
+              <a:rPr lang="en-US" sz="2800" b="1">
                 <a:ea typeface="+mn-lt"/>
                 <a:cs typeface="+mn-lt"/>
               </a:rPr>
               <a:t> ser </a:t>
             </a:r>
             <a:r>
-              <a:rPr lang="en-US" sz="2800" b="1" dirty="0" err="1">
+              <a:rPr lang="en-US" sz="2800" b="1" err="1">
                 <a:ea typeface="+mn-lt"/>
                 <a:cs typeface="+mn-lt"/>
               </a:rPr>
               <a:t>feito</a:t>
             </a:r>
             <a:r>
-              <a:rPr lang="en-US" sz="2800" b="1" dirty="0">
+              <a:rPr lang="en-US" sz="2800" b="1">
                 <a:ea typeface="+mn-lt"/>
                 <a:cs typeface="+mn-lt"/>
               </a:rPr>
               <a:t> e </a:t>
             </a:r>
             <a:r>
-              <a:rPr lang="en-US" sz="2800" b="1" dirty="0" err="1">
+              <a:rPr lang="en-US" sz="2800" b="1" err="1">
                 <a:ea typeface="+mn-lt"/>
                 <a:cs typeface="+mn-lt"/>
               </a:rPr>
               <a:t>garantir</a:t>
             </a:r>
             <a:r>
-              <a:rPr lang="en-US" sz="2800" b="1" dirty="0">
+              <a:rPr lang="en-US" sz="2800" b="1">
                 <a:ea typeface="+mn-lt"/>
                 <a:cs typeface="+mn-lt"/>
               </a:rPr>
               <a:t> que o time </a:t>
             </a:r>
             <a:r>
-              <a:rPr lang="en-US" sz="2800" b="1" dirty="0" err="1">
+              <a:rPr lang="en-US" sz="2800" b="1" err="1">
                 <a:ea typeface="+mn-lt"/>
                 <a:cs typeface="+mn-lt"/>
               </a:rPr>
               <a:t>esteja</a:t>
             </a:r>
             <a:r>
-              <a:rPr lang="en-US" sz="2800" b="1" dirty="0">
+              <a:rPr lang="en-US" sz="2800" b="1">
                 <a:ea typeface="+mn-lt"/>
                 <a:cs typeface="+mn-lt"/>
               </a:rPr>
               <a:t> sempre </a:t>
             </a:r>
             <a:r>
-              <a:rPr lang="en-US" sz="2800" b="1" dirty="0" err="1">
+              <a:rPr lang="en-US" sz="2800" b="1" err="1">
                 <a:ea typeface="+mn-lt"/>
                 <a:cs typeface="+mn-lt"/>
               </a:rPr>
               <a:t>alinhado</a:t>
             </a:r>
             <a:r>
-              <a:rPr lang="en-US" sz="2800" b="1" dirty="0">
+              <a:rPr lang="en-US" sz="2800" b="1">
                 <a:ea typeface="+mn-lt"/>
                 <a:cs typeface="+mn-lt"/>
               </a:rPr>
               <a:t> com </a:t>
             </a:r>
             <a:r>
-              <a:rPr lang="en-US" sz="2800" b="1" dirty="0" err="1">
+              <a:rPr lang="en-US" sz="2800" b="1" err="1">
                 <a:ea typeface="+mn-lt"/>
                 <a:cs typeface="+mn-lt"/>
               </a:rPr>
               <a:t>os</a:t>
             </a:r>
             <a:r>
-              <a:rPr lang="en-US" sz="2800" b="1" dirty="0">
+              <a:rPr lang="en-US" sz="2800" b="1">
                 <a:ea typeface="+mn-lt"/>
                 <a:cs typeface="+mn-lt"/>
               </a:rPr>
               <a:t> </a:t>
             </a:r>
             <a:r>
-              <a:rPr lang="en-US" sz="2800" b="1" dirty="0" err="1">
+              <a:rPr lang="en-US" sz="2800" b="1" err="1">
                 <a:ea typeface="+mn-lt"/>
                 <a:cs typeface="+mn-lt"/>
               </a:rPr>
               <a:t>objetivos</a:t>
             </a:r>
             <a:r>
-              <a:rPr lang="en-US" sz="2800" b="1" dirty="0">
+              <a:rPr lang="en-US" sz="2800" b="1">
                 <a:ea typeface="+mn-lt"/>
                 <a:cs typeface="+mn-lt"/>
               </a:rPr>
               <a:t> do </a:t>
             </a:r>
             <a:r>
-              <a:rPr lang="en-US" sz="2800" b="1" dirty="0" err="1">
+              <a:rPr lang="en-US" sz="2800" b="1" err="1">
                 <a:ea typeface="+mn-lt"/>
                 <a:cs typeface="+mn-lt"/>
               </a:rPr>
               <a:t>projeto</a:t>
             </a:r>
             <a:r>
-              <a:rPr lang="en-US" sz="2800" b="1" dirty="0">
+              <a:rPr lang="en-US" sz="2800" b="1">
                 <a:ea typeface="+mn-lt"/>
                 <a:cs typeface="+mn-lt"/>
               </a:rPr>
               <a:t>. </a:t>
             </a:r>
             <a:r>
-              <a:rPr lang="en-US" sz="2800" b="1" dirty="0" err="1">
+              <a:rPr lang="en-US" sz="2800" b="1" err="1">
                 <a:ea typeface="+mn-lt"/>
                 <a:cs typeface="+mn-lt"/>
               </a:rPr>
               <a:t>Cuida</a:t>
             </a:r>
             <a:r>
-              <a:rPr lang="en-US" sz="2800" b="1" dirty="0">
+              <a:rPr lang="en-US" sz="2800" b="1">
                 <a:ea typeface="+mn-lt"/>
                 <a:cs typeface="+mn-lt"/>
               </a:rPr>
               <a:t> do backlog do </a:t>
             </a:r>
             <a:r>
-              <a:rPr lang="en-US" sz="2800" b="1" dirty="0" err="1">
+              <a:rPr lang="en-US" sz="2800" b="1" err="1">
                 <a:ea typeface="+mn-lt"/>
                 <a:cs typeface="+mn-lt"/>
               </a:rPr>
               <a:t>produto</a:t>
             </a:r>
             <a:r>
-              <a:rPr lang="en-US" sz="2800" dirty="0">
+              <a:rPr lang="en-US" sz="2800">
                 <a:ea typeface="+mn-lt"/>
                 <a:cs typeface="+mn-lt"/>
               </a:rPr>
@@ -4139,194 +4154,194 @@
               <a:defRPr sz="1800"/>
             </a:pPr>
             <a:r>
-              <a:rPr lang="en-US" sz="2800" b="1" dirty="0">
+              <a:rPr lang="en-US" sz="2800" b="1">
                 <a:ea typeface="+mn-lt"/>
                 <a:cs typeface="+mn-lt"/>
               </a:rPr>
               <a:t>Scrum Master — ? </a:t>
             </a:r>
             <a:br>
-              <a:rPr lang="en-US" sz="2800" b="1" dirty="0">
+              <a:rPr lang="en-US" sz="2800" b="1">
                 <a:ea typeface="+mn-lt"/>
                 <a:cs typeface="+mn-lt"/>
               </a:rPr>
             </a:br>
             <a:r>
-              <a:rPr lang="en-US" sz="2800" b="1" dirty="0">
+              <a:rPr lang="en-US" sz="2800" b="1">
                 <a:ea typeface="+mn-lt"/>
                 <a:cs typeface="+mn-lt"/>
               </a:rPr>
               <a:t>Atua </a:t>
             </a:r>
             <a:r>
-              <a:rPr lang="en-US" sz="2800" b="1" dirty="0" err="1">
+              <a:rPr lang="en-US" sz="2800" b="1" err="1">
                 <a:ea typeface="+mn-lt"/>
                 <a:cs typeface="+mn-lt"/>
               </a:rPr>
               <a:t>como</a:t>
             </a:r>
             <a:r>
-              <a:rPr lang="en-US" sz="2800" b="1" dirty="0">
+              <a:rPr lang="en-US" sz="2800" b="1">
                 <a:ea typeface="+mn-lt"/>
                 <a:cs typeface="+mn-lt"/>
               </a:rPr>
               <a:t> </a:t>
             </a:r>
             <a:r>
-              <a:rPr lang="en-US" sz="2800" b="1" dirty="0" err="1">
+              <a:rPr lang="en-US" sz="2800" b="1" err="1">
                 <a:ea typeface="+mn-lt"/>
                 <a:cs typeface="+mn-lt"/>
               </a:rPr>
               <a:t>facilitador</a:t>
             </a:r>
             <a:r>
-              <a:rPr lang="en-US" sz="2800" b="1" dirty="0">
+              <a:rPr lang="en-US" sz="2800" b="1">
                 <a:ea typeface="+mn-lt"/>
                 <a:cs typeface="+mn-lt"/>
               </a:rPr>
               <a:t>. </a:t>
             </a:r>
             <a:r>
-              <a:rPr lang="en-US" sz="2800" b="1" dirty="0" err="1">
+              <a:rPr lang="en-US" sz="2800" b="1" err="1">
                 <a:ea typeface="+mn-lt"/>
                 <a:cs typeface="+mn-lt"/>
               </a:rPr>
               <a:t>Garante</a:t>
             </a:r>
             <a:r>
-              <a:rPr lang="en-US" sz="2800" b="1" dirty="0">
+              <a:rPr lang="en-US" sz="2800" b="1">
                 <a:ea typeface="+mn-lt"/>
                 <a:cs typeface="+mn-lt"/>
               </a:rPr>
               <a:t> que o time </a:t>
             </a:r>
             <a:r>
-              <a:rPr lang="en-US" sz="2800" b="1" dirty="0" err="1">
+              <a:rPr lang="en-US" sz="2800" b="1" err="1">
                 <a:ea typeface="+mn-lt"/>
                 <a:cs typeface="+mn-lt"/>
               </a:rPr>
               <a:t>siga</a:t>
             </a:r>
             <a:r>
-              <a:rPr lang="en-US" sz="2800" b="1" dirty="0">
+              <a:rPr lang="en-US" sz="2800" b="1">
                 <a:ea typeface="+mn-lt"/>
                 <a:cs typeface="+mn-lt"/>
               </a:rPr>
               <a:t> as </a:t>
             </a:r>
             <a:r>
-              <a:rPr lang="en-US" sz="2800" b="1" dirty="0" err="1">
+              <a:rPr lang="en-US" sz="2800" b="1" err="1">
                 <a:ea typeface="+mn-lt"/>
                 <a:cs typeface="+mn-lt"/>
               </a:rPr>
               <a:t>práticas</a:t>
             </a:r>
             <a:r>
-              <a:rPr lang="en-US" sz="2800" b="1" dirty="0">
+              <a:rPr lang="en-US" sz="2800" b="1">
                 <a:ea typeface="+mn-lt"/>
                 <a:cs typeface="+mn-lt"/>
               </a:rPr>
               <a:t> </a:t>
             </a:r>
             <a:r>
-              <a:rPr lang="en-US" sz="2800" b="1" dirty="0" err="1">
+              <a:rPr lang="en-US" sz="2800" b="1" err="1">
                 <a:ea typeface="+mn-lt"/>
                 <a:cs typeface="+mn-lt"/>
               </a:rPr>
               <a:t>ágeis</a:t>
             </a:r>
             <a:r>
-              <a:rPr lang="en-US" sz="2800" b="1" dirty="0">
+              <a:rPr lang="en-US" sz="2800" b="1">
                 <a:ea typeface="+mn-lt"/>
                 <a:cs typeface="+mn-lt"/>
               </a:rPr>
               <a:t>, resolve </a:t>
             </a:r>
             <a:r>
-              <a:rPr lang="en-US" sz="2800" b="1" dirty="0" err="1">
+              <a:rPr lang="en-US" sz="2800" b="1" err="1">
                 <a:ea typeface="+mn-lt"/>
                 <a:cs typeface="+mn-lt"/>
               </a:rPr>
               <a:t>impedimentos</a:t>
             </a:r>
             <a:r>
-              <a:rPr lang="en-US" sz="2800" b="1" dirty="0">
+              <a:rPr lang="en-US" sz="2800" b="1">
                 <a:ea typeface="+mn-lt"/>
                 <a:cs typeface="+mn-lt"/>
               </a:rPr>
               <a:t>, </a:t>
             </a:r>
             <a:r>
-              <a:rPr lang="en-US" sz="2800" b="1" dirty="0" err="1">
+              <a:rPr lang="en-US" sz="2800" b="1" err="1">
                 <a:ea typeface="+mn-lt"/>
                 <a:cs typeface="+mn-lt"/>
               </a:rPr>
               <a:t>facilita</a:t>
             </a:r>
             <a:r>
-              <a:rPr lang="en-US" sz="2800" b="1" dirty="0">
+              <a:rPr lang="en-US" sz="2800" b="1">
                 <a:ea typeface="+mn-lt"/>
                 <a:cs typeface="+mn-lt"/>
               </a:rPr>
               <a:t> as </a:t>
             </a:r>
             <a:r>
-              <a:rPr lang="en-US" sz="2800" b="1" dirty="0" err="1">
+              <a:rPr lang="en-US" sz="2800" b="1" err="1">
                 <a:ea typeface="+mn-lt"/>
                 <a:cs typeface="+mn-lt"/>
               </a:rPr>
               <a:t>reuniões</a:t>
             </a:r>
             <a:r>
-              <a:rPr lang="en-US" sz="2800" b="1" dirty="0">
+              <a:rPr lang="en-US" sz="2800" b="1">
                 <a:ea typeface="+mn-lt"/>
                 <a:cs typeface="+mn-lt"/>
               </a:rPr>
               <a:t> e </a:t>
             </a:r>
             <a:r>
-              <a:rPr lang="en-US" sz="2800" b="1" dirty="0" err="1">
+              <a:rPr lang="en-US" sz="2800" b="1" err="1">
                 <a:ea typeface="+mn-lt"/>
                 <a:cs typeface="+mn-lt"/>
               </a:rPr>
               <a:t>mantém</a:t>
             </a:r>
             <a:r>
-              <a:rPr lang="en-US" sz="2800" b="1" dirty="0">
+              <a:rPr lang="en-US" sz="2800" b="1">
                 <a:ea typeface="+mn-lt"/>
                 <a:cs typeface="+mn-lt"/>
               </a:rPr>
               <a:t> o time </a:t>
             </a:r>
             <a:r>
-              <a:rPr lang="en-US" sz="2800" b="1" dirty="0" err="1">
+              <a:rPr lang="en-US" sz="2800" b="1" err="1">
                 <a:ea typeface="+mn-lt"/>
                 <a:cs typeface="+mn-lt"/>
               </a:rPr>
               <a:t>produtivo</a:t>
             </a:r>
             <a:r>
-              <a:rPr lang="en-US" sz="2800" b="1" dirty="0">
+              <a:rPr lang="en-US" sz="2800" b="1">
                 <a:ea typeface="+mn-lt"/>
                 <a:cs typeface="+mn-lt"/>
               </a:rPr>
               <a:t> e </a:t>
             </a:r>
             <a:r>
-              <a:rPr lang="en-US" sz="2800" b="1" dirty="0" err="1">
+              <a:rPr lang="en-US" sz="2800" b="1" err="1">
                 <a:ea typeface="+mn-lt"/>
                 <a:cs typeface="+mn-lt"/>
               </a:rPr>
               <a:t>focado</a:t>
             </a:r>
             <a:r>
-              <a:rPr lang="en-US" sz="2800" b="1" dirty="0">
+              <a:rPr lang="en-US" sz="2800" b="1">
                 <a:ea typeface="+mn-lt"/>
                 <a:cs typeface="+mn-lt"/>
               </a:rPr>
               <a:t>.</a:t>
             </a:r>
-            <a:endParaRPr lang="en-US" dirty="0">
+            <a:endParaRPr lang="en-US">
               <a:ea typeface="Calibri"/>
               <a:cs typeface="Calibri"/>
             </a:endParaRPr>
@@ -4336,180 +4351,180 @@
               <a:defRPr sz="1800"/>
             </a:pPr>
             <a:r>
-              <a:rPr lang="en-US" sz="2800" b="1" dirty="0">
+              <a:rPr lang="en-US" sz="2800" b="1">
                 <a:ea typeface="+mn-lt"/>
                 <a:cs typeface="+mn-lt"/>
               </a:rPr>
               <a:t>Time de </a:t>
             </a:r>
             <a:r>
-              <a:rPr lang="en-US" sz="2800" b="1" dirty="0" err="1">
+              <a:rPr lang="en-US" sz="2800" b="1" err="1">
                 <a:ea typeface="+mn-lt"/>
                 <a:cs typeface="+mn-lt"/>
               </a:rPr>
               <a:t>Desenvolvimento</a:t>
             </a:r>
             <a:r>
-              <a:rPr lang="en-US" sz="2800" b="1" dirty="0">
+              <a:rPr lang="en-US" sz="2800" b="1">
                 <a:ea typeface="+mn-lt"/>
                 <a:cs typeface="+mn-lt"/>
               </a:rPr>
               <a:t> — ?</a:t>
             </a:r>
             <a:br>
-              <a:rPr lang="en-US" sz="2800" b="1" dirty="0">
+              <a:rPr lang="en-US" sz="2800" b="1">
                 <a:ea typeface="+mn-lt"/>
                 <a:cs typeface="+mn-lt"/>
               </a:rPr>
             </a:br>
             <a:r>
-              <a:rPr lang="en-US" sz="2800" b="1" dirty="0">
+              <a:rPr lang="en-US" sz="2800" b="1">
                 <a:ea typeface="+mn-lt"/>
                 <a:cs typeface="+mn-lt"/>
               </a:rPr>
               <a:t>São </a:t>
             </a:r>
             <a:r>
-              <a:rPr lang="en-US" sz="2800" b="1" dirty="0" err="1">
+              <a:rPr lang="en-US" sz="2800" b="1" err="1">
                 <a:ea typeface="+mn-lt"/>
                 <a:cs typeface="+mn-lt"/>
               </a:rPr>
               <a:t>os</a:t>
             </a:r>
             <a:r>
-              <a:rPr lang="en-US" sz="2800" b="1" dirty="0">
+              <a:rPr lang="en-US" sz="2800" b="1">
                 <a:ea typeface="+mn-lt"/>
                 <a:cs typeface="+mn-lt"/>
               </a:rPr>
               <a:t> </a:t>
             </a:r>
             <a:r>
-              <a:rPr lang="en-US" sz="2800" b="1" dirty="0" err="1">
+              <a:rPr lang="en-US" sz="2800" b="1" err="1">
                 <a:ea typeface="+mn-lt"/>
                 <a:cs typeface="+mn-lt"/>
               </a:rPr>
               <a:t>responsáveis</a:t>
             </a:r>
             <a:r>
-              <a:rPr lang="en-US" sz="2800" b="1" dirty="0">
+              <a:rPr lang="en-US" sz="2800" b="1">
                 <a:ea typeface="+mn-lt"/>
                 <a:cs typeface="+mn-lt"/>
               </a:rPr>
               <a:t> pela </a:t>
             </a:r>
             <a:r>
-              <a:rPr lang="en-US" sz="2800" b="1" dirty="0" err="1">
+              <a:rPr lang="en-US" sz="2800" b="1" err="1">
                 <a:ea typeface="+mn-lt"/>
                 <a:cs typeface="+mn-lt"/>
               </a:rPr>
               <a:t>execução</a:t>
             </a:r>
             <a:r>
-              <a:rPr lang="en-US" sz="2800" b="1" dirty="0">
+              <a:rPr lang="en-US" sz="2800" b="1">
                 <a:ea typeface="+mn-lt"/>
                 <a:cs typeface="+mn-lt"/>
               </a:rPr>
               <a:t> </a:t>
             </a:r>
             <a:r>
-              <a:rPr lang="en-US" sz="2800" b="1" dirty="0" err="1">
+              <a:rPr lang="en-US" sz="2800" b="1" err="1">
                 <a:ea typeface="+mn-lt"/>
                 <a:cs typeface="+mn-lt"/>
               </a:rPr>
               <a:t>técnica</a:t>
             </a:r>
             <a:r>
-              <a:rPr lang="en-US" sz="2800" b="1" dirty="0">
+              <a:rPr lang="en-US" sz="2800" b="1">
                 <a:ea typeface="+mn-lt"/>
                 <a:cs typeface="+mn-lt"/>
               </a:rPr>
               <a:t>: </a:t>
             </a:r>
             <a:r>
-              <a:rPr lang="en-US" sz="2800" b="1" dirty="0" err="1">
+              <a:rPr lang="en-US" sz="2800" b="1" err="1">
                 <a:ea typeface="+mn-lt"/>
                 <a:cs typeface="+mn-lt"/>
               </a:rPr>
               <a:t>desenvolvimento</a:t>
             </a:r>
             <a:r>
-              <a:rPr lang="en-US" sz="2800" b="1" dirty="0">
+              <a:rPr lang="en-US" sz="2800" b="1">
                 <a:ea typeface="+mn-lt"/>
                 <a:cs typeface="+mn-lt"/>
               </a:rPr>
               <a:t> de software, </a:t>
             </a:r>
             <a:r>
-              <a:rPr lang="en-US" sz="2800" b="1" dirty="0" err="1">
+              <a:rPr lang="en-US" sz="2800" b="1" err="1">
                 <a:ea typeface="+mn-lt"/>
                 <a:cs typeface="+mn-lt"/>
               </a:rPr>
               <a:t>documentação</a:t>
             </a:r>
             <a:r>
-              <a:rPr lang="en-US" sz="2800" b="1" dirty="0">
+              <a:rPr lang="en-US" sz="2800" b="1">
                 <a:ea typeface="+mn-lt"/>
                 <a:cs typeface="+mn-lt"/>
               </a:rPr>
               <a:t>, testes, </a:t>
             </a:r>
             <a:r>
-              <a:rPr lang="en-US" sz="2800" b="1" dirty="0" err="1">
+              <a:rPr lang="en-US" sz="2800" b="1" err="1">
                 <a:ea typeface="+mn-lt"/>
                 <a:cs typeface="+mn-lt"/>
               </a:rPr>
               <a:t>integração</a:t>
             </a:r>
             <a:r>
-              <a:rPr lang="en-US" sz="2800" b="1" dirty="0">
+              <a:rPr lang="en-US" sz="2800" b="1">
                 <a:ea typeface="+mn-lt"/>
                 <a:cs typeface="+mn-lt"/>
               </a:rPr>
               <a:t> de </a:t>
             </a:r>
             <a:r>
-              <a:rPr lang="en-US" sz="2800" b="1" dirty="0" err="1">
+              <a:rPr lang="en-US" sz="2800" b="1" err="1">
                 <a:ea typeface="+mn-lt"/>
                 <a:cs typeface="+mn-lt"/>
               </a:rPr>
               <a:t>sistemas</a:t>
             </a:r>
             <a:r>
-              <a:rPr lang="en-US" sz="2800" b="1" dirty="0">
+              <a:rPr lang="en-US" sz="2800" b="1">
                 <a:ea typeface="+mn-lt"/>
                 <a:cs typeface="+mn-lt"/>
               </a:rPr>
               <a:t>, </a:t>
             </a:r>
             <a:r>
-              <a:rPr lang="en-US" sz="2800" b="1" dirty="0" err="1">
+              <a:rPr lang="en-US" sz="2800" b="1" err="1">
                 <a:ea typeface="+mn-lt"/>
                 <a:cs typeface="+mn-lt"/>
               </a:rPr>
               <a:t>eletrônica</a:t>
             </a:r>
             <a:r>
-              <a:rPr lang="en-US" sz="2800" b="1" dirty="0">
+              <a:rPr lang="en-US" sz="2800" b="1">
                 <a:ea typeface="+mn-lt"/>
                 <a:cs typeface="+mn-lt"/>
               </a:rPr>
               <a:t> e </a:t>
             </a:r>
             <a:r>
-              <a:rPr lang="en-US" sz="2800" b="1" dirty="0" err="1">
+              <a:rPr lang="en-US" sz="2800" b="1" err="1">
                 <a:ea typeface="+mn-lt"/>
                 <a:cs typeface="+mn-lt"/>
               </a:rPr>
               <a:t>mecânica</a:t>
             </a:r>
             <a:r>
-              <a:rPr lang="en-US" sz="2800" b="1" dirty="0">
+              <a:rPr lang="en-US" sz="2800" b="1">
                 <a:ea typeface="+mn-lt"/>
                 <a:cs typeface="+mn-lt"/>
               </a:rPr>
               <a:t>.</a:t>
             </a:r>
-            <a:endParaRPr lang="en-US" b="1" dirty="0">
+            <a:endParaRPr lang="en-US" b="1">
               <a:ea typeface="+mn-lt"/>
               <a:cs typeface="+mn-lt"/>
             </a:endParaRPr>
@@ -4518,7 +4533,7 @@
             <a:pPr>
               <a:defRPr sz="1800"/>
             </a:pPr>
-            <a:endParaRPr lang="en-US" sz="2800" dirty="0">
+            <a:endParaRPr lang="en-US" sz="2800">
               <a:ea typeface="Calibri"/>
               <a:cs typeface="Calibri"/>
             </a:endParaRPr>
@@ -4585,20 +4600,20 @@
           <a:lstStyle/>
           <a:p>
             <a:r>
-              <a:rPr lang="pt-BR" dirty="0">
+              <a:rPr lang="pt-BR">
                 <a:ea typeface="+mj-lt"/>
                 <a:cs typeface="+mj-lt"/>
               </a:rPr>
               <a:t>🔄 </a:t>
             </a:r>
             <a:r>
-              <a:rPr lang="pt-BR" b="1" dirty="0">
+              <a:rPr lang="pt-BR" b="1">
                 <a:ea typeface="+mj-lt"/>
                 <a:cs typeface="+mj-lt"/>
               </a:rPr>
               <a:t>Cerimônias Scrum no Projeto</a:t>
             </a:r>
-            <a:endParaRPr lang="pt-BR" dirty="0">
+            <a:endParaRPr lang="pt-BR">
               <a:ea typeface="+mj-lt"/>
               <a:cs typeface="+mj-lt"/>
             </a:endParaRPr>
@@ -4634,20 +4649,20 @@
           <a:lstStyle/>
           <a:p>
             <a:r>
-              <a:rPr lang="en-US" b="1" dirty="0">
+              <a:rPr lang="en-US" b="1">
                 <a:ea typeface="+mn-lt"/>
                 <a:cs typeface="+mn-lt"/>
               </a:rPr>
               <a:t>Daily Meeting (Daily Scrum)</a:t>
             </a:r>
             <a:br>
-              <a:rPr lang="en-US" b="1" dirty="0">
+              <a:rPr lang="en-US" b="1">
                 <a:ea typeface="+mn-lt"/>
                 <a:cs typeface="+mn-lt"/>
               </a:rPr>
             </a:br>
             <a:r>
-              <a:rPr lang="en-US" b="1" dirty="0">
+              <a:rPr lang="en-US" b="1">
                 <a:ea typeface="+mn-lt"/>
                 <a:cs typeface="+mn-lt"/>
               </a:rPr>
@@ -4661,7 +4676,7 @@
               <a:t>Reuniões</a:t>
             </a:r>
             <a:r>
-              <a:rPr lang="en-US" sz="2000" b="1" dirty="0">
+              <a:rPr lang="en-US" sz="2000" b="1">
                 <a:ea typeface="+mn-lt"/>
                 <a:cs typeface="+mn-lt"/>
               </a:rPr>
@@ -4675,7 +4690,7 @@
               <a:t>rápidas</a:t>
             </a:r>
             <a:r>
-              <a:rPr lang="en-US" sz="2000" b="1" dirty="0">
+              <a:rPr lang="en-US" sz="2000" b="1">
                 <a:ea typeface="+mn-lt"/>
                 <a:cs typeface="+mn-lt"/>
               </a:rPr>
@@ -4689,7 +4704,7 @@
               <a:t>alinhamento</a:t>
             </a:r>
             <a:r>
-              <a:rPr lang="en-US" sz="2000" b="1" dirty="0">
+              <a:rPr lang="en-US" sz="2000" b="1">
                 <a:ea typeface="+mn-lt"/>
                 <a:cs typeface="+mn-lt"/>
               </a:rPr>
@@ -4703,20 +4718,20 @@
               <a:t>diário</a:t>
             </a:r>
             <a:r>
-              <a:rPr lang="en-US" sz="2000" b="1" dirty="0">
+              <a:rPr lang="en-US" sz="2000" b="1">
                 <a:ea typeface="+mn-lt"/>
                 <a:cs typeface="+mn-lt"/>
               </a:rPr>
               <a:t>:</a:t>
             </a:r>
             <a:br>
-              <a:rPr lang="en-US" sz="2000" b="1" dirty="0">
+              <a:rPr lang="en-US" sz="2000" b="1">
                 <a:ea typeface="+mn-lt"/>
                 <a:cs typeface="+mn-lt"/>
               </a:rPr>
             </a:br>
             <a:r>
-              <a:rPr lang="en-US" sz="2000" b="1" dirty="0">
+              <a:rPr lang="en-US" sz="2000" b="1">
                 <a:ea typeface="+mn-lt"/>
                 <a:cs typeface="+mn-lt"/>
               </a:rPr>
@@ -4730,7 +4745,7 @@
               <a:t>fiz</a:t>
             </a:r>
             <a:r>
-              <a:rPr lang="en-US" sz="2000" b="1" dirty="0">
+              <a:rPr lang="en-US" sz="2000" b="1">
                 <a:ea typeface="+mn-lt"/>
                 <a:cs typeface="+mn-lt"/>
               </a:rPr>
@@ -4744,20 +4759,20 @@
               <a:t>ontem</a:t>
             </a:r>
             <a:r>
-              <a:rPr lang="en-US" sz="2000" b="1" dirty="0">
+              <a:rPr lang="en-US" sz="2000" b="1">
                 <a:ea typeface="+mn-lt"/>
                 <a:cs typeface="+mn-lt"/>
               </a:rPr>
               <a:t>?</a:t>
             </a:r>
             <a:br>
-              <a:rPr lang="en-US" sz="2000" b="1" dirty="0">
+              <a:rPr lang="en-US" sz="2000" b="1">
                 <a:ea typeface="+mn-lt"/>
                 <a:cs typeface="+mn-lt"/>
               </a:rPr>
             </a:br>
             <a:r>
-              <a:rPr lang="en-US" sz="2000" b="1" dirty="0">
+              <a:rPr lang="en-US" sz="2000" b="1">
                 <a:ea typeface="+mn-lt"/>
                 <a:cs typeface="+mn-lt"/>
               </a:rPr>
@@ -4771,7 +4786,7 @@
               <a:t>farei</a:t>
             </a:r>
             <a:r>
-              <a:rPr lang="en-US" sz="2000" b="1" dirty="0">
+              <a:rPr lang="en-US" sz="2000" b="1">
                 <a:ea typeface="+mn-lt"/>
                 <a:cs typeface="+mn-lt"/>
               </a:rPr>
@@ -4785,20 +4800,20 @@
               <a:t>hoje</a:t>
             </a:r>
             <a:r>
-              <a:rPr lang="en-US" sz="2000" b="1" dirty="0">
+              <a:rPr lang="en-US" sz="2000" b="1">
                 <a:ea typeface="+mn-lt"/>
                 <a:cs typeface="+mn-lt"/>
               </a:rPr>
               <a:t>?</a:t>
             </a:r>
             <a:br>
-              <a:rPr lang="en-US" sz="2000" b="1" dirty="0">
+              <a:rPr lang="en-US" sz="2000" b="1">
                 <a:ea typeface="+mn-lt"/>
                 <a:cs typeface="+mn-lt"/>
               </a:rPr>
             </a:br>
             <a:r>
-              <a:rPr lang="en-US" sz="2000" b="1" dirty="0">
+              <a:rPr lang="en-US" sz="2000" b="1">
                 <a:ea typeface="+mn-lt"/>
                 <a:cs typeface="+mn-lt"/>
               </a:rPr>
@@ -4812,7 +4827,7 @@
               <a:t>Há</a:t>
             </a:r>
             <a:r>
-              <a:rPr lang="en-US" sz="2000" b="1" dirty="0">
+              <a:rPr lang="en-US" sz="2000" b="1">
                 <a:ea typeface="+mn-lt"/>
                 <a:cs typeface="+mn-lt"/>
               </a:rPr>
@@ -4826,7 +4841,7 @@
               <a:t>algum</a:t>
             </a:r>
             <a:r>
-              <a:rPr lang="en-US" sz="2000" b="1" dirty="0">
+              <a:rPr lang="en-US" sz="2000" b="1">
                 <a:ea typeface="+mn-lt"/>
                 <a:cs typeface="+mn-lt"/>
               </a:rPr>
@@ -4840,13 +4855,13 @@
               <a:t>impedimento</a:t>
             </a:r>
             <a:r>
-              <a:rPr lang="en-US" sz="2000" b="1" dirty="0">
+              <a:rPr lang="en-US" sz="2000" b="1">
                 <a:ea typeface="+mn-lt"/>
                 <a:cs typeface="+mn-lt"/>
               </a:rPr>
               <a:t>?</a:t>
             </a:r>
-            <a:endParaRPr lang="pt-BR" sz="2000" dirty="0">
+            <a:endParaRPr lang="pt-BR" sz="2000">
               <a:ea typeface="Calibri"/>
               <a:cs typeface="Calibri"/>
             </a:endParaRPr>
@@ -4856,97 +4871,97 @@
               <a:defRPr sz="1800"/>
             </a:pPr>
             <a:r>
-              <a:rPr lang="en-US" b="1" dirty="0">
+              <a:rPr lang="en-US" b="1">
                 <a:ea typeface="+mn-lt"/>
                 <a:cs typeface="+mn-lt"/>
               </a:rPr>
               <a:t>Sprint Planning</a:t>
             </a:r>
             <a:br>
-              <a:rPr lang="en-US" b="1" dirty="0">
+              <a:rPr lang="en-US" b="1">
                 <a:ea typeface="+mn-lt"/>
                 <a:cs typeface="+mn-lt"/>
               </a:rPr>
             </a:br>
             <a:r>
-              <a:rPr lang="en-US" b="1" dirty="0" err="1">
+              <a:rPr lang="en-US" b="1" err="1">
                 <a:ea typeface="+mn-lt"/>
                 <a:cs typeface="+mn-lt"/>
               </a:rPr>
               <a:t>Planejamento</a:t>
             </a:r>
             <a:r>
-              <a:rPr lang="en-US" b="1" dirty="0">
+              <a:rPr lang="en-US" b="1">
                 <a:ea typeface="+mn-lt"/>
                 <a:cs typeface="+mn-lt"/>
               </a:rPr>
               <a:t> das </a:t>
             </a:r>
             <a:r>
-              <a:rPr lang="en-US" b="1" dirty="0" err="1">
+              <a:rPr lang="en-US" b="1" err="1">
                 <a:ea typeface="+mn-lt"/>
                 <a:cs typeface="+mn-lt"/>
               </a:rPr>
               <a:t>atividades</a:t>
             </a:r>
             <a:r>
-              <a:rPr lang="en-US" b="1" dirty="0">
+              <a:rPr lang="en-US" b="1">
                 <a:ea typeface="+mn-lt"/>
                 <a:cs typeface="+mn-lt"/>
               </a:rPr>
               <a:t> da sprint: </a:t>
             </a:r>
             <a:r>
-              <a:rPr lang="en-US" b="1" dirty="0" err="1">
+              <a:rPr lang="en-US" b="1" err="1">
                 <a:ea typeface="+mn-lt"/>
                 <a:cs typeface="+mn-lt"/>
               </a:rPr>
               <a:t>definição</a:t>
             </a:r>
             <a:r>
-              <a:rPr lang="en-US" b="1" dirty="0">
+              <a:rPr lang="en-US" b="1">
                 <a:ea typeface="+mn-lt"/>
                 <a:cs typeface="+mn-lt"/>
               </a:rPr>
               <a:t> das </a:t>
             </a:r>
             <a:r>
-              <a:rPr lang="en-US" b="1" dirty="0" err="1">
+              <a:rPr lang="en-US" b="1" err="1">
                 <a:ea typeface="+mn-lt"/>
                 <a:cs typeface="+mn-lt"/>
               </a:rPr>
               <a:t>tarefas</a:t>
             </a:r>
             <a:r>
-              <a:rPr lang="en-US" b="1" dirty="0">
+              <a:rPr lang="en-US" b="1">
                 <a:ea typeface="+mn-lt"/>
                 <a:cs typeface="+mn-lt"/>
               </a:rPr>
               <a:t>, </a:t>
             </a:r>
             <a:r>
-              <a:rPr lang="en-US" b="1" dirty="0" err="1">
+              <a:rPr lang="en-US" b="1" err="1">
                 <a:ea typeface="+mn-lt"/>
                 <a:cs typeface="+mn-lt"/>
               </a:rPr>
               <a:t>responsáveis</a:t>
             </a:r>
             <a:r>
-              <a:rPr lang="en-US" b="1" dirty="0">
+              <a:rPr lang="en-US" b="1">
                 <a:ea typeface="+mn-lt"/>
                 <a:cs typeface="+mn-lt"/>
               </a:rPr>
               <a:t> e </a:t>
             </a:r>
             <a:r>
-              <a:rPr lang="en-US" b="1" dirty="0" err="1">
+              <a:rPr lang="en-US" b="1" err="1">
                 <a:ea typeface="+mn-lt"/>
                 <a:cs typeface="+mn-lt"/>
               </a:rPr>
               <a:t>objetivos</a:t>
             </a:r>
             <a:r>
-              <a:rPr lang="en-US" b="1" dirty="0">
+              <a:rPr lang="en-US" b="1">
                 <a:ea typeface="+mn-lt"/>
                 <a:cs typeface="+mn-lt"/>
               </a:rPr>
@@ -4958,117 +4973,117 @@
               <a:defRPr sz="1800"/>
             </a:pPr>
             <a:r>
-              <a:rPr lang="en-US" b="1" dirty="0">
+              <a:rPr lang="en-US" b="1">
                 <a:ea typeface="+mn-lt"/>
                 <a:cs typeface="+mn-lt"/>
               </a:rPr>
               <a:t>Sprint Review</a:t>
             </a:r>
             <a:br>
-              <a:rPr lang="en-US" b="1" dirty="0">
+              <a:rPr lang="en-US" b="1">
                 <a:ea typeface="+mn-lt"/>
                 <a:cs typeface="+mn-lt"/>
               </a:rPr>
             </a:br>
             <a:r>
-              <a:rPr lang="en-US" b="1" dirty="0" err="1">
+              <a:rPr lang="en-US" b="1" err="1">
                 <a:ea typeface="+mn-lt"/>
                 <a:cs typeface="+mn-lt"/>
               </a:rPr>
               <a:t>Demonstração</a:t>
             </a:r>
             <a:r>
-              <a:rPr lang="en-US" b="1" dirty="0">
+              <a:rPr lang="en-US" b="1">
                 <a:ea typeface="+mn-lt"/>
                 <a:cs typeface="+mn-lt"/>
               </a:rPr>
               <a:t> do que </a:t>
             </a:r>
             <a:r>
-              <a:rPr lang="en-US" b="1" dirty="0" err="1">
+              <a:rPr lang="en-US" b="1" err="1">
                 <a:ea typeface="+mn-lt"/>
                 <a:cs typeface="+mn-lt"/>
               </a:rPr>
               <a:t>foi</a:t>
             </a:r>
             <a:r>
-              <a:rPr lang="en-US" b="1" dirty="0">
+              <a:rPr lang="en-US" b="1">
                 <a:ea typeface="+mn-lt"/>
                 <a:cs typeface="+mn-lt"/>
               </a:rPr>
               <a:t> </a:t>
             </a:r>
             <a:r>
-              <a:rPr lang="en-US" b="1" dirty="0" err="1">
+              <a:rPr lang="en-US" b="1" err="1">
                 <a:ea typeface="+mn-lt"/>
                 <a:cs typeface="+mn-lt"/>
               </a:rPr>
               <a:t>feito</a:t>
             </a:r>
             <a:r>
-              <a:rPr lang="en-US" b="1" dirty="0">
+              <a:rPr lang="en-US" b="1">
                 <a:ea typeface="+mn-lt"/>
                 <a:cs typeface="+mn-lt"/>
               </a:rPr>
               <a:t> </a:t>
             </a:r>
             <a:r>
-              <a:rPr lang="en-US" b="1" dirty="0" err="1">
+              <a:rPr lang="en-US" b="1" err="1">
                 <a:ea typeface="+mn-lt"/>
                 <a:cs typeface="+mn-lt"/>
               </a:rPr>
               <a:t>na</a:t>
             </a:r>
             <a:r>
-              <a:rPr lang="en-US" b="1" dirty="0">
+              <a:rPr lang="en-US" b="1">
                 <a:ea typeface="+mn-lt"/>
                 <a:cs typeface="+mn-lt"/>
               </a:rPr>
               <a:t> sprint: </a:t>
             </a:r>
             <a:r>
-              <a:rPr lang="en-US" b="1" dirty="0" err="1">
+              <a:rPr lang="en-US" b="1" err="1">
                 <a:ea typeface="+mn-lt"/>
                 <a:cs typeface="+mn-lt"/>
               </a:rPr>
               <a:t>apresentação</a:t>
             </a:r>
             <a:r>
-              <a:rPr lang="en-US" b="1" dirty="0">
+              <a:rPr lang="en-US" b="1">
                 <a:ea typeface="+mn-lt"/>
                 <a:cs typeface="+mn-lt"/>
               </a:rPr>
               <a:t> de </a:t>
             </a:r>
             <a:r>
-              <a:rPr lang="en-US" b="1" dirty="0" err="1">
+              <a:rPr lang="en-US" b="1" err="1">
                 <a:ea typeface="+mn-lt"/>
                 <a:cs typeface="+mn-lt"/>
               </a:rPr>
               <a:t>entregas</a:t>
             </a:r>
             <a:r>
-              <a:rPr lang="en-US" b="1" dirty="0">
+              <a:rPr lang="en-US" b="1">
                 <a:ea typeface="+mn-lt"/>
                 <a:cs typeface="+mn-lt"/>
               </a:rPr>
               <a:t>, </a:t>
             </a:r>
             <a:r>
-              <a:rPr lang="en-US" b="1" dirty="0" err="1">
+              <a:rPr lang="en-US" b="1" err="1">
                 <a:ea typeface="+mn-lt"/>
                 <a:cs typeface="+mn-lt"/>
               </a:rPr>
               <a:t>discussões</a:t>
             </a:r>
             <a:r>
-              <a:rPr lang="en-US" b="1" dirty="0">
+              <a:rPr lang="en-US" b="1">
                 <a:ea typeface="+mn-lt"/>
                 <a:cs typeface="+mn-lt"/>
               </a:rPr>
               <a:t> e feedback.</a:t>
             </a:r>
-            <a:endParaRPr lang="en-US" dirty="0">
+            <a:endParaRPr lang="en-US">
               <a:ea typeface="+mn-lt"/>
               <a:cs typeface="+mn-lt"/>
             </a:endParaRPr>
@@ -5078,159 +5093,159 @@
               <a:defRPr sz="1800"/>
             </a:pPr>
             <a:r>
-              <a:rPr lang="en-US" b="1" dirty="0">
+              <a:rPr lang="en-US" b="1">
                 <a:ea typeface="+mn-lt"/>
                 <a:cs typeface="+mn-lt"/>
               </a:rPr>
               <a:t>Sprint Retrospective</a:t>
             </a:r>
             <a:br>
-              <a:rPr lang="en-US" b="1" dirty="0">
+              <a:rPr lang="en-US" b="1">
                 <a:ea typeface="+mn-lt"/>
                 <a:cs typeface="+mn-lt"/>
               </a:rPr>
             </a:br>
             <a:r>
-              <a:rPr lang="en-US" b="1" dirty="0" err="1">
+              <a:rPr lang="en-US" b="1" err="1">
                 <a:ea typeface="+mn-lt"/>
                 <a:cs typeface="+mn-lt"/>
               </a:rPr>
               <a:t>Avaliação</a:t>
             </a:r>
             <a:r>
-              <a:rPr lang="en-US" b="1" dirty="0">
+              <a:rPr lang="en-US" b="1">
                 <a:ea typeface="+mn-lt"/>
                 <a:cs typeface="+mn-lt"/>
               </a:rPr>
               <a:t> do </a:t>
             </a:r>
             <a:r>
-              <a:rPr lang="en-US" b="1" dirty="0" err="1">
+              <a:rPr lang="en-US" b="1" err="1">
                 <a:ea typeface="+mn-lt"/>
                 <a:cs typeface="+mn-lt"/>
               </a:rPr>
               <a:t>processo</a:t>
             </a:r>
             <a:r>
-              <a:rPr lang="en-US" b="1" dirty="0">
+              <a:rPr lang="en-US" b="1">
                 <a:ea typeface="+mn-lt"/>
                 <a:cs typeface="+mn-lt"/>
               </a:rPr>
               <a:t>: o que </a:t>
             </a:r>
             <a:r>
-              <a:rPr lang="en-US" b="1" dirty="0" err="1">
+              <a:rPr lang="en-US" b="1" err="1">
                 <a:ea typeface="+mn-lt"/>
                 <a:cs typeface="+mn-lt"/>
               </a:rPr>
               <a:t>foi</a:t>
             </a:r>
             <a:r>
-              <a:rPr lang="en-US" b="1" dirty="0">
+              <a:rPr lang="en-US" b="1">
                 <a:ea typeface="+mn-lt"/>
                 <a:cs typeface="+mn-lt"/>
               </a:rPr>
               <a:t> </a:t>
             </a:r>
             <a:r>
-              <a:rPr lang="en-US" b="1" dirty="0" err="1">
+              <a:rPr lang="en-US" b="1" err="1">
                 <a:ea typeface="+mn-lt"/>
                 <a:cs typeface="+mn-lt"/>
               </a:rPr>
               <a:t>bem</a:t>
             </a:r>
             <a:r>
-              <a:rPr lang="en-US" b="1" dirty="0">
+              <a:rPr lang="en-US" b="1">
                 <a:ea typeface="+mn-lt"/>
                 <a:cs typeface="+mn-lt"/>
               </a:rPr>
               <a:t>, o que </a:t>
             </a:r>
             <a:r>
-              <a:rPr lang="en-US" b="1" dirty="0" err="1">
+              <a:rPr lang="en-US" b="1" err="1">
                 <a:ea typeface="+mn-lt"/>
                 <a:cs typeface="+mn-lt"/>
               </a:rPr>
               <a:t>pode</a:t>
             </a:r>
             <a:r>
-              <a:rPr lang="en-US" b="1" dirty="0">
+              <a:rPr lang="en-US" b="1">
                 <a:ea typeface="+mn-lt"/>
                 <a:cs typeface="+mn-lt"/>
               </a:rPr>
               <a:t> </a:t>
             </a:r>
             <a:r>
-              <a:rPr lang="en-US" b="1" dirty="0" err="1">
+              <a:rPr lang="en-US" b="1" err="1">
                 <a:ea typeface="+mn-lt"/>
                 <a:cs typeface="+mn-lt"/>
               </a:rPr>
               <a:t>melhorar</a:t>
             </a:r>
             <a:r>
-              <a:rPr lang="en-US" b="1" dirty="0">
+              <a:rPr lang="en-US" b="1">
                 <a:ea typeface="+mn-lt"/>
                 <a:cs typeface="+mn-lt"/>
               </a:rPr>
               <a:t> e </a:t>
             </a:r>
             <a:r>
-              <a:rPr lang="en-US" b="1" dirty="0" err="1">
+              <a:rPr lang="en-US" b="1" err="1">
                 <a:ea typeface="+mn-lt"/>
                 <a:cs typeface="+mn-lt"/>
               </a:rPr>
               <a:t>como</a:t>
             </a:r>
             <a:r>
-              <a:rPr lang="en-US" b="1" dirty="0">
+              <a:rPr lang="en-US" b="1">
                 <a:ea typeface="+mn-lt"/>
                 <a:cs typeface="+mn-lt"/>
               </a:rPr>
               <a:t> </a:t>
             </a:r>
             <a:r>
-              <a:rPr lang="en-US" b="1" dirty="0" err="1">
+              <a:rPr lang="en-US" b="1" err="1">
                 <a:ea typeface="+mn-lt"/>
                 <a:cs typeface="+mn-lt"/>
               </a:rPr>
               <a:t>podemos</a:t>
             </a:r>
             <a:r>
-              <a:rPr lang="en-US" b="1" dirty="0">
+              <a:rPr lang="en-US" b="1">
                 <a:ea typeface="+mn-lt"/>
                 <a:cs typeface="+mn-lt"/>
               </a:rPr>
               <a:t> </a:t>
             </a:r>
             <a:r>
-              <a:rPr lang="en-US" b="1" dirty="0" err="1">
+              <a:rPr lang="en-US" b="1" err="1">
                 <a:ea typeface="+mn-lt"/>
                 <a:cs typeface="+mn-lt"/>
               </a:rPr>
               <a:t>evoluir</a:t>
             </a:r>
             <a:r>
-              <a:rPr lang="en-US" b="1" dirty="0">
+              <a:rPr lang="en-US" b="1">
                 <a:ea typeface="+mn-lt"/>
                 <a:cs typeface="+mn-lt"/>
               </a:rPr>
               <a:t> </a:t>
             </a:r>
             <a:r>
-              <a:rPr lang="en-US" b="1" dirty="0" err="1">
+              <a:rPr lang="en-US" b="1" err="1">
                 <a:ea typeface="+mn-lt"/>
                 <a:cs typeface="+mn-lt"/>
               </a:rPr>
               <a:t>como</a:t>
             </a:r>
             <a:r>
-              <a:rPr lang="en-US" b="1" dirty="0">
+              <a:rPr lang="en-US" b="1">
                 <a:ea typeface="+mn-lt"/>
                 <a:cs typeface="+mn-lt"/>
               </a:rPr>
               <a:t> time.</a:t>
             </a:r>
-            <a:endParaRPr lang="en-US" dirty="0">
+            <a:endParaRPr lang="en-US">
               <a:ea typeface="+mn-lt"/>
               <a:cs typeface="+mn-lt"/>
             </a:endParaRPr>
@@ -5239,7 +5254,7 @@
             <a:pPr>
               <a:defRPr sz="1800"/>
             </a:pPr>
-            <a:endParaRPr lang="en-US" b="1" dirty="0">
+            <a:endParaRPr lang="en-US" b="1">
               <a:ea typeface="+mn-lt"/>
               <a:cs typeface="+mn-lt"/>
             </a:endParaRPr>
@@ -5248,7 +5263,7 @@
             <a:pPr>
               <a:defRPr sz="1800"/>
             </a:pPr>
-            <a:endParaRPr lang="en-US" sz="2800" dirty="0">
+            <a:endParaRPr lang="en-US" sz="2800">
               <a:ea typeface="Calibri"/>
               <a:cs typeface="Calibri"/>
             </a:endParaRPr>
@@ -5315,13 +5330,13 @@
           <a:lstStyle/>
           <a:p>
             <a:r>
-              <a:rPr lang="pt-BR" dirty="0">
+              <a:rPr lang="pt-BR">
                 <a:ea typeface="+mj-lt"/>
                 <a:cs typeface="+mj-lt"/>
               </a:rPr>
-              <a:t>Organização do Trabalho</a:t>
-            </a:r>
-            <a:endParaRPr lang="pt-BR" dirty="0"/>
+              <a:t>👨‍🏭Organização do Trabalho</a:t>
+            </a:r>
+            <a:endParaRPr lang="pt-BR"/>
           </a:p>
         </p:txBody>
       </p:sp>
@@ -5354,102 +5369,102 @@
           <a:lstStyle/>
           <a:p>
             <a:r>
-              <a:rPr lang="en-US" dirty="0" err="1">
+              <a:rPr lang="en-US" err="1">
                 <a:ea typeface="+mn-lt"/>
                 <a:cs typeface="+mn-lt"/>
               </a:rPr>
               <a:t>Definição</a:t>
             </a:r>
             <a:r>
-              <a:rPr lang="en-US" dirty="0">
+              <a:rPr lang="en-US">
                 <a:ea typeface="+mn-lt"/>
                 <a:cs typeface="+mn-lt"/>
               </a:rPr>
               <a:t> de Sprints de 1 a 2 </a:t>
             </a:r>
             <a:r>
-              <a:rPr lang="en-US" dirty="0" err="1">
+              <a:rPr lang="en-US" err="1">
                 <a:ea typeface="+mn-lt"/>
                 <a:cs typeface="+mn-lt"/>
               </a:rPr>
               <a:t>semanas</a:t>
             </a:r>
             <a:r>
-              <a:rPr lang="en-US" dirty="0">
+              <a:rPr lang="en-US">
                 <a:ea typeface="+mn-lt"/>
                 <a:cs typeface="+mn-lt"/>
               </a:rPr>
               <a:t>.</a:t>
             </a:r>
-            <a:endParaRPr lang="en-US" b="1" dirty="0">
+            <a:endParaRPr lang="en-US" b="1">
               <a:ea typeface="+mn-lt"/>
               <a:cs typeface="+mn-lt"/>
             </a:endParaRPr>
           </a:p>
           <a:p>
             <a:r>
-              <a:rPr lang="en-US" dirty="0" err="1">
+              <a:rPr lang="en-US" err="1">
                 <a:ea typeface="+mn-lt"/>
                 <a:cs typeface="+mn-lt"/>
               </a:rPr>
               <a:t>Gestão</a:t>
             </a:r>
             <a:r>
-              <a:rPr lang="en-US" dirty="0">
+              <a:rPr lang="en-US">
                 <a:ea typeface="+mn-lt"/>
                 <a:cs typeface="+mn-lt"/>
               </a:rPr>
               <a:t> de </a:t>
             </a:r>
             <a:r>
-              <a:rPr lang="en-US" dirty="0" err="1">
+              <a:rPr lang="en-US" err="1">
                 <a:ea typeface="+mn-lt"/>
                 <a:cs typeface="+mn-lt"/>
               </a:rPr>
               <a:t>tarefas</a:t>
             </a:r>
             <a:r>
-              <a:rPr lang="en-US" dirty="0">
+              <a:rPr lang="en-US">
                 <a:ea typeface="+mn-lt"/>
                 <a:cs typeface="+mn-lt"/>
               </a:rPr>
               <a:t> via GitHub Projects (Kanban).</a:t>
             </a:r>
-            <a:endParaRPr lang="en-US" dirty="0"/>
-          </a:p>
-          <a:p>
-            <a:r>
-              <a:rPr lang="en-US" dirty="0" err="1">
+            <a:endParaRPr lang="en-US"/>
+          </a:p>
+          <a:p>
+            <a:r>
+              <a:rPr lang="en-US" err="1">
                 <a:ea typeface="+mn-lt"/>
                 <a:cs typeface="+mn-lt"/>
               </a:rPr>
               <a:t>Padronização</a:t>
             </a:r>
             <a:r>
-              <a:rPr lang="en-US" dirty="0">
+              <a:rPr lang="en-US">
                 <a:ea typeface="+mn-lt"/>
                 <a:cs typeface="+mn-lt"/>
               </a:rPr>
               <a:t> de branches, PRs, issues, commits e </a:t>
             </a:r>
             <a:r>
-              <a:rPr lang="en-US" dirty="0" err="1">
+              <a:rPr lang="en-US" err="1">
                 <a:ea typeface="+mn-lt"/>
                 <a:cs typeface="+mn-lt"/>
               </a:rPr>
               <a:t>atas</a:t>
             </a:r>
             <a:r>
-              <a:rPr lang="en-US" dirty="0">
+              <a:rPr lang="en-US">
                 <a:ea typeface="+mn-lt"/>
                 <a:cs typeface="+mn-lt"/>
               </a:rPr>
               <a:t>.</a:t>
             </a:r>
-            <a:endParaRPr lang="en-US" dirty="0"/>
-          </a:p>
-          <a:p>
-            <a:endParaRPr lang="en-US" b="1" dirty="0">
+            <a:endParaRPr lang="en-US"/>
+          </a:p>
+          <a:p>
+            <a:endParaRPr lang="en-US" b="1">
               <a:ea typeface="+mn-lt"/>
               <a:cs typeface="+mn-lt"/>
             </a:endParaRPr>
@@ -5458,7 +5473,7 @@
             <a:pPr>
               <a:defRPr sz="1800"/>
             </a:pPr>
-            <a:endParaRPr lang="en-US" b="1" dirty="0">
+            <a:endParaRPr lang="en-US" b="1">
               <a:ea typeface="+mn-lt"/>
               <a:cs typeface="+mn-lt"/>
             </a:endParaRPr>
@@ -5467,7 +5482,7 @@
             <a:pPr>
               <a:defRPr sz="1800"/>
             </a:pPr>
-            <a:endParaRPr lang="en-US" sz="2800" dirty="0">
+            <a:endParaRPr lang="en-US" sz="2800">
               <a:ea typeface="Calibri"/>
               <a:cs typeface="Calibri"/>
             </a:endParaRPr>
